--- a/lesson-react-40-redux/react-redux.pptx
+++ b/lesson-react-40-redux/react-redux.pptx
@@ -1974,7 +1974,7 @@
           <a:noFill/>
           <a:extLst>
             <a:ext uri="{909E8E84-426E-40dd-AFC4-6F175D3DCCD1}">
-              <a14:hiddenFill xmlns="" xmlns:a14="http://schemas.microsoft.com/office/drawing/2010/main">
+              <a14:hiddenFill xmlns:a14="http://schemas.microsoft.com/office/drawing/2010/main" xmlns="">
                 <a:solidFill>
                   <a:srgbClr val="FFFFFF"/>
                 </a:solidFill>
@@ -12714,21 +12714,8 @@
                     <a:srgbClr val="FF0000"/>
                   </a:solidFill>
                 </a:rPr>
-                <a:t>Keep</a:t>
+                <a:t>Keep all props of old state</a:t>
               </a:r>
-              <a:r>
-                <a:rPr lang="en-US" dirty="0" smtClean="0">
-                  <a:solidFill>
-                    <a:srgbClr val="FF0000"/>
-                  </a:solidFill>
-                </a:rPr>
-                <a:t> all props of old state</a:t>
-              </a:r>
-              <a:endParaRPr lang="en-US" dirty="0" smtClean="0">
-                <a:solidFill>
-                  <a:srgbClr val="FF0000"/>
-                </a:solidFill>
-              </a:endParaRPr>
             </a:p>
           </p:txBody>
         </p:sp>
@@ -14907,11 +14894,6 @@
                 </a:rPr>
                 <a:t>Create new Container</a:t>
               </a:r>
-              <a:endParaRPr lang="en-US" dirty="0" smtClean="0">
-                <a:solidFill>
-                  <a:srgbClr val="FF0000"/>
-                </a:solidFill>
-              </a:endParaRPr>
             </a:p>
           </p:txBody>
         </p:sp>
@@ -20498,12 +20480,16 @@
               <a:t>No change </a:t>
             </a:r>
             <a:r>
-              <a:rPr lang="en-US" dirty="0" err="1" smtClean="0"/>
-              <a:t>ot</a:t>
-            </a:r>
-            <a:r>
-              <a:rPr lang="en-US" dirty="0" smtClean="0"/>
-              <a:t> input parameters</a:t>
+              <a:rPr lang="en-US" dirty="0" smtClean="0"/>
+              <a:t>to</a:t>
+            </a:r>
+            <a:r>
+              <a:rPr lang="en-US" dirty="0" smtClean="0"/>
+              <a:t> </a:t>
+            </a:r>
+            <a:r>
+              <a:rPr lang="en-US" dirty="0" smtClean="0"/>
+              <a:t>input parameters</a:t>
             </a:r>
           </a:p>
           <a:p>
@@ -21449,12 +21435,13 @@
                   <a:srgbClr val="FF0000"/>
                 </a:solidFill>
               </a:rPr>
-              <a:t>HOW</a:t>
-            </a:r>
-            <a:r>
-              <a:rPr lang="en-US" dirty="0" smtClean="0"/>
-              <a:t> to change the state</a:t>
-            </a:r>
+              <a:t>WHAT </a:t>
+            </a:r>
+            <a:r>
+              <a:rPr lang="en-US" dirty="0" smtClean="0"/>
+              <a:t>to do</a:t>
+            </a:r>
+            <a:endParaRPr lang="en-US" dirty="0" smtClean="0"/>
           </a:p>
           <a:p>
             <a:pPr marL="342900" indent="-342900">

--- a/lesson-react-40-redux/react-redux.pptx
+++ b/lesson-react-40-redux/react-redux.pptx
@@ -1974,7 +1974,7 @@
           <a:noFill/>
           <a:extLst>
             <a:ext uri="{909E8E84-426E-40dd-AFC4-6F175D3DCCD1}">
-              <a14:hiddenFill xmlns:a14="http://schemas.microsoft.com/office/drawing/2010/main" xmlns="">
+              <a14:hiddenFill xmlns="" xmlns:a14="http://schemas.microsoft.com/office/drawing/2010/main">
                 <a:solidFill>
                   <a:srgbClr val="FFFFFF"/>
                 </a:solidFill>
@@ -13605,7 +13605,15 @@
                   <a:srgbClr val="FF0000"/>
                 </a:solidFill>
               </a:rPr>
-              <a:t>dispatch, name, quote</a:t>
+              <a:t>name</a:t>
+            </a:r>
+            <a:r>
+              <a:rPr lang="en-US" dirty="0" smtClean="0">
+                <a:solidFill>
+                  <a:srgbClr val="FF0000"/>
+                </a:solidFill>
+              </a:rPr>
+              <a:t>, quote</a:t>
             </a:r>
             <a:r>
               <a:rPr lang="en-US" dirty="0" smtClean="0"/>
@@ -15494,7 +15502,19 @@
           <a:p>
             <a:r>
               <a:rPr lang="en-US" dirty="0" smtClean="0"/>
-              <a:t>Configure the Store</a:t>
+              <a:t>Configure the </a:t>
+            </a:r>
+            <a:r>
+              <a:rPr lang="en-US" dirty="0" smtClean="0"/>
+              <a:t>Store </a:t>
+            </a:r>
+            <a:r>
+              <a:rPr lang="mr-IN" dirty="0" smtClean="0"/>
+              <a:t>–</a:t>
+            </a:r>
+            <a:r>
+              <a:rPr lang="en-US" dirty="0" smtClean="0"/>
+              <a:t> One Reducer</a:t>
             </a:r>
             <a:endParaRPr lang="en-US" dirty="0"/>
           </a:p>
@@ -16106,7 +16126,19 @@
           <a:p>
             <a:r>
               <a:rPr lang="en-US" dirty="0" smtClean="0"/>
-              <a:t>Configure the Store</a:t>
+              <a:t>Configure the </a:t>
+            </a:r>
+            <a:r>
+              <a:rPr lang="en-US" dirty="0" smtClean="0"/>
+              <a:t>Store </a:t>
+            </a:r>
+            <a:r>
+              <a:rPr lang="mr-IN" dirty="0" smtClean="0"/>
+              <a:t>–</a:t>
+            </a:r>
+            <a:r>
+              <a:rPr lang="en-US" dirty="0" smtClean="0"/>
+              <a:t> Multiple Reducers</a:t>
             </a:r>
             <a:endParaRPr lang="en-US" dirty="0"/>
           </a:p>
@@ -20477,19 +20509,7 @@
             </a:pPr>
             <a:r>
               <a:rPr lang="en-US" dirty="0" smtClean="0"/>
-              <a:t>No change </a:t>
-            </a:r>
-            <a:r>
-              <a:rPr lang="en-US" dirty="0" smtClean="0"/>
-              <a:t>to</a:t>
-            </a:r>
-            <a:r>
-              <a:rPr lang="en-US" dirty="0" smtClean="0"/>
-              <a:t> </a:t>
-            </a:r>
-            <a:r>
-              <a:rPr lang="en-US" dirty="0" smtClean="0"/>
-              <a:t>input parameters</a:t>
+              <a:t>No change to input parameters</a:t>
             </a:r>
           </a:p>
           <a:p>
@@ -21441,7 +21461,6 @@
               <a:rPr lang="en-US" dirty="0" smtClean="0"/>
               <a:t>to do</a:t>
             </a:r>
-            <a:endParaRPr lang="en-US" dirty="0" smtClean="0"/>
           </a:p>
           <a:p>
             <a:pPr marL="342900" indent="-342900">

--- a/lesson-react-40-redux/react-redux.pptx
+++ b/lesson-react-40-redux/react-redux.pptx
@@ -1974,7 +1974,7 @@
           <a:noFill/>
           <a:extLst>
             <a:ext uri="{909E8E84-426E-40dd-AFC4-6F175D3DCCD1}">
-              <a14:hiddenFill xmlns="" xmlns:a14="http://schemas.microsoft.com/office/drawing/2010/main">
+              <a14:hiddenFill xmlns:a14="http://schemas.microsoft.com/office/drawing/2010/main" xmlns="">
                 <a:solidFill>
                   <a:srgbClr val="FFFFFF"/>
                 </a:solidFill>
@@ -12080,7 +12080,7 @@
       </p:sp>
       <p:pic>
         <p:nvPicPr>
-          <p:cNvPr id="4" name="Picture 3"/>
+          <p:cNvPr id="5" name="Picture 4"/>
           <p:cNvPicPr>
             <a:picLocks noChangeAspect="1"/>
           </p:cNvPicPr>
@@ -12094,8 +12094,8 @@
         </p:blipFill>
         <p:spPr>
           <a:xfrm>
-            <a:off x="838200" y="3530600"/>
-            <a:ext cx="5397500" cy="2641600"/>
+            <a:off x="838200" y="3762756"/>
+            <a:ext cx="5740400" cy="2336800"/>
           </a:xfrm>
           <a:prstGeom prst="rect">
             <a:avLst/>
@@ -13605,15 +13605,7 @@
                   <a:srgbClr val="FF0000"/>
                 </a:solidFill>
               </a:rPr>
-              <a:t>name</a:t>
-            </a:r>
-            <a:r>
-              <a:rPr lang="en-US" dirty="0" smtClean="0">
-                <a:solidFill>
-                  <a:srgbClr val="FF0000"/>
-                </a:solidFill>
-              </a:rPr>
-              <a:t>, quote</a:t>
+              <a:t>name, quote</a:t>
             </a:r>
             <a:r>
               <a:rPr lang="en-US" dirty="0" smtClean="0"/>
@@ -13973,6 +13965,30 @@
           <a:chExt cx="0" cy="0"/>
         </a:xfrm>
       </p:grpSpPr>
+      <p:pic>
+        <p:nvPicPr>
+          <p:cNvPr id="7" name="Picture 6"/>
+          <p:cNvPicPr>
+            <a:picLocks noChangeAspect="1"/>
+          </p:cNvPicPr>
+          <p:nvPr/>
+        </p:nvPicPr>
+        <p:blipFill>
+          <a:blip r:embed="rId2"/>
+          <a:stretch>
+            <a:fillRect/>
+          </a:stretch>
+        </p:blipFill>
+        <p:spPr>
+          <a:xfrm>
+            <a:off x="519504" y="1678458"/>
+            <a:ext cx="4081224" cy="4274255"/>
+          </a:xfrm>
+          <a:prstGeom prst="rect">
+            <a:avLst/>
+          </a:prstGeom>
+        </p:spPr>
+      </p:pic>
       <p:sp>
         <p:nvSpPr>
           <p:cNvPr id="2" name="Text Placeholder 1"/>
@@ -13992,405 +14008,6 @@
               <a:buFont typeface="Arial" charset="0"/>
               <a:buChar char="•"/>
             </a:pPr>
-            <a:r>
-              <a:rPr lang="en-US" b="1" dirty="0" err="1" smtClean="0">
-                <a:solidFill>
-                  <a:srgbClr val="000080"/>
-                </a:solidFill>
-              </a:rPr>
-              <a:t>const</a:t>
-            </a:r>
-            <a:r>
-              <a:rPr lang="en-US" b="1" dirty="0" smtClean="0">
-                <a:solidFill>
-                  <a:srgbClr val="000080"/>
-                </a:solidFill>
-              </a:rPr>
-              <a:t> </a:t>
-            </a:r>
-            <a:r>
-              <a:rPr lang="en-US" i="1" dirty="0" err="1" smtClean="0">
-                <a:solidFill>
-                  <a:srgbClr val="FF0000"/>
-                </a:solidFill>
-              </a:rPr>
-              <a:t>mapStateToProps</a:t>
-            </a:r>
-            <a:r>
-              <a:rPr lang="en-US" i="1" dirty="0" smtClean="0">
-                <a:solidFill>
-                  <a:srgbClr val="FF0000"/>
-                </a:solidFill>
-              </a:rPr>
-              <a:t> </a:t>
-            </a:r>
-            <a:r>
-              <a:rPr lang="en-US" dirty="0"/>
-              <a:t>= (state, </a:t>
-            </a:r>
-            <a:r>
-              <a:rPr lang="en-US" dirty="0" err="1"/>
-              <a:t>ownProps</a:t>
-            </a:r>
-            <a:r>
-              <a:rPr lang="en-US" dirty="0"/>
-              <a:t>) =&gt; {</a:t>
-            </a:r>
-            <a:br>
-              <a:rPr lang="en-US" dirty="0"/>
-            </a:br>
-            <a:r>
-              <a:rPr lang="en-US" dirty="0"/>
-              <a:t>   </a:t>
-            </a:r>
-            <a:r>
-              <a:rPr lang="en-US" b="1" dirty="0" smtClean="0">
-                <a:solidFill>
-                  <a:srgbClr val="000080"/>
-                </a:solidFill>
-              </a:rPr>
-              <a:t>return </a:t>
-            </a:r>
-            <a:r>
-              <a:rPr lang="en-US" dirty="0"/>
-              <a:t>{</a:t>
-            </a:r>
-            <a:br>
-              <a:rPr lang="en-US" dirty="0"/>
-            </a:br>
-            <a:r>
-              <a:rPr lang="en-US" dirty="0"/>
-              <a:t>      </a:t>
-            </a:r>
-            <a:r>
-              <a:rPr lang="en-US" dirty="0" smtClean="0">
-                <a:solidFill>
-                  <a:srgbClr val="458383"/>
-                </a:solidFill>
-              </a:rPr>
-              <a:t>name</a:t>
-            </a:r>
-            <a:r>
-              <a:rPr lang="en-US" dirty="0" smtClean="0"/>
-              <a:t>: </a:t>
-            </a:r>
-            <a:r>
-              <a:rPr lang="en-US" dirty="0" err="1" smtClean="0"/>
-              <a:t>state.quotes.name</a:t>
-            </a:r>
-            <a:r>
-              <a:rPr lang="en-US" dirty="0" smtClean="0"/>
-              <a:t>,</a:t>
-            </a:r>
-            <a:r>
-              <a:rPr lang="en-US" dirty="0"/>
-              <a:t/>
-            </a:r>
-            <a:br>
-              <a:rPr lang="en-US" dirty="0"/>
-            </a:br>
-            <a:r>
-              <a:rPr lang="en-US" dirty="0"/>
-              <a:t>      </a:t>
-            </a:r>
-            <a:r>
-              <a:rPr lang="en-US" dirty="0" smtClean="0">
-                <a:solidFill>
-                  <a:srgbClr val="458383"/>
-                </a:solidFill>
-              </a:rPr>
-              <a:t>quote: </a:t>
-            </a:r>
-            <a:r>
-              <a:rPr lang="en-US" dirty="0" err="1" smtClean="0">
-                <a:solidFill>
-                  <a:srgbClr val="458383"/>
-                </a:solidFill>
-              </a:rPr>
-              <a:t>state.quotes.quote</a:t>
-            </a:r>
-            <a:r>
-              <a:rPr lang="en-US" dirty="0">
-                <a:solidFill>
-                  <a:srgbClr val="458383"/>
-                </a:solidFill>
-              </a:rPr>
-              <a:t/>
-            </a:r>
-            <a:br>
-              <a:rPr lang="en-US" dirty="0">
-                <a:solidFill>
-                  <a:srgbClr val="458383"/>
-                </a:solidFill>
-              </a:rPr>
-            </a:br>
-            <a:r>
-              <a:rPr lang="en-US" dirty="0">
-                <a:solidFill>
-                  <a:srgbClr val="458383"/>
-                </a:solidFill>
-              </a:rPr>
-              <a:t>   </a:t>
-            </a:r>
-            <a:r>
-              <a:rPr lang="en-US" dirty="0"/>
-              <a:t>}</a:t>
-            </a:r>
-            <a:br>
-              <a:rPr lang="en-US" dirty="0"/>
-            </a:br>
-            <a:r>
-              <a:rPr lang="en-US" dirty="0"/>
-              <a:t>};</a:t>
-            </a:r>
-            <a:br>
-              <a:rPr lang="en-US" dirty="0"/>
-            </a:br>
-            <a:r>
-              <a:rPr lang="en-US" b="1" dirty="0" err="1">
-                <a:solidFill>
-                  <a:srgbClr val="000080"/>
-                </a:solidFill>
-              </a:rPr>
-              <a:t>const</a:t>
-            </a:r>
-            <a:r>
-              <a:rPr lang="en-US" b="1" dirty="0">
-                <a:solidFill>
-                  <a:srgbClr val="000080"/>
-                </a:solidFill>
-              </a:rPr>
-              <a:t> </a:t>
-            </a:r>
-            <a:r>
-              <a:rPr lang="en-US" i="1" dirty="0" err="1">
-                <a:solidFill>
-                  <a:srgbClr val="FF0000"/>
-                </a:solidFill>
-              </a:rPr>
-              <a:t>mapDispatchToProps</a:t>
-            </a:r>
-            <a:r>
-              <a:rPr lang="en-US" i="1" dirty="0">
-                <a:solidFill>
-                  <a:srgbClr val="FF0000"/>
-                </a:solidFill>
-              </a:rPr>
-              <a:t> </a:t>
-            </a:r>
-            <a:r>
-              <a:rPr lang="en-US" dirty="0"/>
-              <a:t>= (dispatch) =&gt; {</a:t>
-            </a:r>
-            <a:br>
-              <a:rPr lang="en-US" dirty="0"/>
-            </a:br>
-            <a:r>
-              <a:rPr lang="en-US" dirty="0"/>
-              <a:t>    </a:t>
-            </a:r>
-            <a:r>
-              <a:rPr lang="en-US" b="1" dirty="0">
-                <a:solidFill>
-                  <a:srgbClr val="000080"/>
-                </a:solidFill>
-              </a:rPr>
-              <a:t>return </a:t>
-            </a:r>
-            <a:r>
-              <a:rPr lang="en-US" dirty="0"/>
-              <a:t>{</a:t>
-            </a:r>
-            <a:br>
-              <a:rPr lang="en-US" dirty="0"/>
-            </a:br>
-            <a:r>
-              <a:rPr lang="en-US" dirty="0"/>
-              <a:t>       </a:t>
-            </a:r>
-            <a:r>
-              <a:rPr lang="en-US" dirty="0" err="1" smtClean="0">
-                <a:solidFill>
-                  <a:srgbClr val="7A7A43"/>
-                </a:solidFill>
-              </a:rPr>
-              <a:t>saveQuote</a:t>
-            </a:r>
-            <a:r>
-              <a:rPr lang="en-US" dirty="0" smtClean="0"/>
-              <a:t>: (</a:t>
-            </a:r>
-            <a:r>
-              <a:rPr lang="en-US" dirty="0"/>
-              <a:t>name, quote</a:t>
-            </a:r>
-            <a:r>
-              <a:rPr lang="en-US" dirty="0" smtClean="0"/>
-              <a:t>) =&gt; </a:t>
-            </a:r>
-            <a:r>
-              <a:rPr lang="en-US" dirty="0"/>
-              <a:t>{</a:t>
-            </a:r>
-            <a:br>
-              <a:rPr lang="en-US" dirty="0"/>
-            </a:br>
-            <a:r>
-              <a:rPr lang="en-US" dirty="0"/>
-              <a:t>          </a:t>
-            </a:r>
-            <a:r>
-              <a:rPr lang="en-US" dirty="0" err="1" smtClean="0">
-                <a:solidFill>
-                  <a:srgbClr val="FF0000"/>
-                </a:solidFill>
-              </a:rPr>
-              <a:t>actions.</a:t>
-            </a:r>
-            <a:r>
-              <a:rPr lang="en-US" i="1" dirty="0" err="1" smtClean="0">
-                <a:solidFill>
-                  <a:srgbClr val="FF0000"/>
-                </a:solidFill>
-              </a:rPr>
-              <a:t>saveQuote</a:t>
-            </a:r>
-            <a:r>
-              <a:rPr lang="en-US" dirty="0" smtClean="0"/>
-              <a:t>( dispatch, name</a:t>
-            </a:r>
-            <a:r>
-              <a:rPr lang="en-US" dirty="0"/>
-              <a:t>, quote </a:t>
-            </a:r>
-            <a:r>
-              <a:rPr lang="en-US" dirty="0" smtClean="0"/>
-              <a:t>)</a:t>
-            </a:r>
-            <a:r>
-              <a:rPr lang="en-US" dirty="0"/>
-              <a:t/>
-            </a:r>
-            <a:br>
-              <a:rPr lang="en-US" dirty="0"/>
-            </a:br>
-            <a:r>
-              <a:rPr lang="en-US" dirty="0"/>
-              <a:t>      }</a:t>
-            </a:r>
-            <a:br>
-              <a:rPr lang="en-US" dirty="0"/>
-            </a:br>
-            <a:r>
-              <a:rPr lang="en-US" dirty="0"/>
-              <a:t>    }</a:t>
-            </a:r>
-            <a:br>
-              <a:rPr lang="en-US" dirty="0"/>
-            </a:br>
-            <a:r>
-              <a:rPr lang="en-US" dirty="0"/>
-              <a:t>};</a:t>
-            </a:r>
-            <a:br>
-              <a:rPr lang="en-US" dirty="0"/>
-            </a:br>
-            <a:r>
-              <a:rPr lang="en-US" b="1" dirty="0" smtClean="0">
-                <a:solidFill>
-                  <a:srgbClr val="000080"/>
-                </a:solidFill>
-              </a:rPr>
-              <a:t>export default </a:t>
-            </a:r>
-            <a:r>
-              <a:rPr lang="en-US" b="1" i="1" dirty="0" err="1" smtClean="0">
-                <a:solidFill>
-                  <a:srgbClr val="660E7A"/>
-                </a:solidFill>
-              </a:rPr>
-              <a:t>QuoteContainer</a:t>
-            </a:r>
-            <a:r>
-              <a:rPr lang="en-US" b="1" i="1" dirty="0" smtClean="0">
-                <a:solidFill>
-                  <a:srgbClr val="660E7A"/>
-                </a:solidFill>
-              </a:rPr>
-              <a:t> </a:t>
-            </a:r>
-            <a:r>
-              <a:rPr lang="en-US" dirty="0"/>
-              <a:t>= </a:t>
-            </a:r>
-            <a:r>
-              <a:rPr lang="en-US" b="1" dirty="0">
-                <a:solidFill>
-                  <a:srgbClr val="FF0000"/>
-                </a:solidFill>
-              </a:rPr>
-              <a:t>connect</a:t>
-            </a:r>
-            <a:r>
-              <a:rPr lang="en-US" dirty="0"/>
-              <a:t>(</a:t>
-            </a:r>
-            <a:br>
-              <a:rPr lang="en-US" dirty="0"/>
-            </a:br>
-            <a:r>
-              <a:rPr lang="en-US" dirty="0"/>
-              <a:t>   </a:t>
-            </a:r>
-            <a:r>
-              <a:rPr lang="en-US" i="1" dirty="0" err="1"/>
-              <a:t>mapStateToProps</a:t>
-            </a:r>
-            <a:r>
-              <a:rPr lang="en-US" dirty="0"/>
-              <a:t>,</a:t>
-            </a:r>
-            <a:br>
-              <a:rPr lang="en-US" dirty="0"/>
-            </a:br>
-            <a:r>
-              <a:rPr lang="en-US" dirty="0"/>
-              <a:t>   </a:t>
-            </a:r>
-            <a:r>
-              <a:rPr lang="en-US" i="1" dirty="0" err="1"/>
-              <a:t>mapDispatchToProps</a:t>
-            </a:r>
-            <a:r>
-              <a:rPr lang="en-US" i="1" dirty="0"/>
-              <a:t/>
-            </a:r>
-            <a:br>
-              <a:rPr lang="en-US" i="1" dirty="0"/>
-            </a:br>
-            <a:r>
-              <a:rPr lang="en-US" dirty="0" smtClean="0"/>
-              <a:t>) (</a:t>
-            </a:r>
-            <a:r>
-              <a:rPr lang="en-US" dirty="0" smtClean="0">
-                <a:solidFill>
-                  <a:srgbClr val="FF0000"/>
-                </a:solidFill>
-              </a:rPr>
-              <a:t>Quote</a:t>
-            </a:r>
-            <a:r>
-              <a:rPr lang="en-US" dirty="0" smtClean="0"/>
-              <a:t>);</a:t>
-            </a:r>
-            <a:r>
-              <a:rPr lang="en-US" dirty="0"/>
-              <a:t/>
-            </a:r>
-            <a:br>
-              <a:rPr lang="en-US" dirty="0"/>
-            </a:br>
             <a:endParaRPr lang="en-US" dirty="0" smtClean="0"/>
           </a:p>
         </p:txBody>
@@ -14607,7 +14224,7 @@
         </p:nvGrpSpPr>
         <p:grpSpPr>
           <a:xfrm>
-            <a:off x="4267201" y="2298726"/>
+            <a:off x="3346136" y="2603526"/>
             <a:ext cx="3505199" cy="520674"/>
             <a:chOff x="4394001" y="3614559"/>
             <a:chExt cx="3505199" cy="520674"/>
@@ -14692,8 +14309,8 @@
         </p:nvCxnSpPr>
         <p:spPr>
           <a:xfrm flipH="1">
-            <a:off x="2801159" y="2895600"/>
-            <a:ext cx="3066241" cy="533400"/>
+            <a:off x="1905000" y="3124200"/>
+            <a:ext cx="2895600" cy="188073"/>
           </a:xfrm>
           <a:prstGeom prst="straightConnector1">
             <a:avLst/>
@@ -14728,10 +14345,10 @@
         </p:nvGrpSpPr>
         <p:grpSpPr>
           <a:xfrm>
-            <a:off x="4800600" y="3328265"/>
-            <a:ext cx="3831220" cy="360826"/>
-            <a:chOff x="4909073" y="3846425"/>
-            <a:chExt cx="3831220" cy="360826"/>
+            <a:off x="2895600" y="3603377"/>
+            <a:ext cx="4568377" cy="351396"/>
+            <a:chOff x="4147073" y="3772028"/>
+            <a:chExt cx="4568377" cy="351396"/>
           </a:xfrm>
         </p:grpSpPr>
         <p:cxnSp>
@@ -14741,9 +14358,9 @@
             <p:nvPr/>
           </p:nvCxnSpPr>
           <p:spPr>
-            <a:xfrm flipH="1">
-              <a:off x="4909073" y="3982833"/>
-              <a:ext cx="1085128" cy="224418"/>
+            <a:xfrm flipH="1" flipV="1">
+              <a:off x="4147073" y="3772028"/>
+              <a:ext cx="1847128" cy="210805"/>
             </a:xfrm>
             <a:prstGeom prst="straightConnector1">
               <a:avLst/>
@@ -14778,8 +14395,8 @@
           </p:nvSpPr>
           <p:spPr>
             <a:xfrm>
-              <a:off x="6175745" y="3846425"/>
-              <a:ext cx="2564548" cy="276999"/>
+              <a:off x="6200594" y="3846425"/>
+              <a:ext cx="2514856" cy="276999"/>
             </a:xfrm>
             <a:prstGeom prst="rect">
               <a:avLst/>
@@ -14815,8 +14432,21 @@
                     <a:srgbClr val="FF0000"/>
                   </a:solidFill>
                 </a:rPr>
-                <a:t>() function</a:t>
+                <a:t>() </a:t>
               </a:r>
+              <a:r>
+                <a:rPr lang="en-US" dirty="0" smtClean="0">
+                  <a:solidFill>
+                    <a:srgbClr val="FF0000"/>
+                  </a:solidFill>
+                </a:rPr>
+                <a:t>callback</a:t>
+              </a:r>
+              <a:endParaRPr lang="en-US" dirty="0" smtClean="0">
+                <a:solidFill>
+                  <a:srgbClr val="FF0000"/>
+                </a:solidFill>
+              </a:endParaRPr>
             </a:p>
           </p:txBody>
         </p:sp>
@@ -14829,7 +14459,7 @@
         </p:nvGrpSpPr>
         <p:grpSpPr>
           <a:xfrm>
-            <a:off x="5410202" y="4114129"/>
+            <a:off x="3276600" y="4316805"/>
             <a:ext cx="2692201" cy="636195"/>
             <a:chOff x="5332154" y="3783195"/>
             <a:chExt cx="2692201" cy="636195"/>
@@ -15502,11 +15132,7 @@
           <a:p>
             <a:r>
               <a:rPr lang="en-US" dirty="0" smtClean="0"/>
-              <a:t>Configure the </a:t>
-            </a:r>
-            <a:r>
-              <a:rPr lang="en-US" dirty="0" smtClean="0"/>
-              <a:t>Store </a:t>
+              <a:t>Configure the Store </a:t>
             </a:r>
             <a:r>
               <a:rPr lang="mr-IN" dirty="0" smtClean="0"/>
@@ -16126,11 +15752,7 @@
           <a:p>
             <a:r>
               <a:rPr lang="en-US" dirty="0" smtClean="0"/>
-              <a:t>Configure the </a:t>
-            </a:r>
-            <a:r>
-              <a:rPr lang="en-US" dirty="0" smtClean="0"/>
-              <a:t>Store </a:t>
+              <a:t>Configure the Store </a:t>
             </a:r>
             <a:r>
               <a:rPr lang="mr-IN" dirty="0" smtClean="0"/>

--- a/lesson-react-40-redux/react-redux.pptx
+++ b/lesson-react-40-redux/react-redux.pptx
@@ -5,10 +5,10 @@
     <p:sldMasterId id="2147483674" r:id="rId1"/>
   </p:sldMasterIdLst>
   <p:notesMasterIdLst>
-    <p:notesMasterId r:id="rId33"/>
+    <p:notesMasterId r:id="rId34"/>
   </p:notesMasterIdLst>
   <p:handoutMasterIdLst>
-    <p:handoutMasterId r:id="rId34"/>
+    <p:handoutMasterId r:id="rId35"/>
   </p:handoutMasterIdLst>
   <p:sldIdLst>
     <p:sldId id="298" r:id="rId2"/>
@@ -28,25 +28,26 @@
     <p:sldId id="426" r:id="rId16"/>
     <p:sldId id="389" r:id="rId17"/>
     <p:sldId id="390" r:id="rId18"/>
-    <p:sldId id="394" r:id="rId19"/>
-    <p:sldId id="413" r:id="rId20"/>
-    <p:sldId id="381" r:id="rId21"/>
-    <p:sldId id="397" r:id="rId22"/>
-    <p:sldId id="415" r:id="rId23"/>
-    <p:sldId id="416" r:id="rId24"/>
-    <p:sldId id="417" r:id="rId25"/>
-    <p:sldId id="421" r:id="rId26"/>
-    <p:sldId id="418" r:id="rId27"/>
-    <p:sldId id="419" r:id="rId28"/>
-    <p:sldId id="420" r:id="rId29"/>
-    <p:sldId id="414" r:id="rId30"/>
-    <p:sldId id="395" r:id="rId31"/>
-    <p:sldId id="379" r:id="rId32"/>
+    <p:sldId id="427" r:id="rId19"/>
+    <p:sldId id="394" r:id="rId20"/>
+    <p:sldId id="413" r:id="rId21"/>
+    <p:sldId id="381" r:id="rId22"/>
+    <p:sldId id="397" r:id="rId23"/>
+    <p:sldId id="415" r:id="rId24"/>
+    <p:sldId id="416" r:id="rId25"/>
+    <p:sldId id="417" r:id="rId26"/>
+    <p:sldId id="421" r:id="rId27"/>
+    <p:sldId id="418" r:id="rId28"/>
+    <p:sldId id="419" r:id="rId29"/>
+    <p:sldId id="420" r:id="rId30"/>
+    <p:sldId id="414" r:id="rId31"/>
+    <p:sldId id="395" r:id="rId32"/>
+    <p:sldId id="379" r:id="rId33"/>
   </p:sldIdLst>
   <p:sldSz cx="9144000" cy="6858000" type="screen4x3"/>
   <p:notesSz cx="6858000" cy="9144000"/>
   <p:custDataLst>
-    <p:tags r:id="rId35"/>
+    <p:tags r:id="rId36"/>
   </p:custDataLst>
   <p:defaultTextStyle>
     <a:defPPr>
@@ -1974,7 +1975,7 @@
           <a:noFill/>
           <a:extLst>
             <a:ext uri="{909E8E84-426E-40dd-AFC4-6F175D3DCCD1}">
-              <a14:hiddenFill xmlns:a14="http://schemas.microsoft.com/office/drawing/2010/main" xmlns="">
+              <a14:hiddenFill xmlns="" xmlns:a14="http://schemas.microsoft.com/office/drawing/2010/main">
                 <a:solidFill>
                   <a:srgbClr val="FFFFFF"/>
                 </a:solidFill>
@@ -14432,21 +14433,8 @@
                     <a:srgbClr val="FF0000"/>
                   </a:solidFill>
                 </a:rPr>
-                <a:t>() </a:t>
+                <a:t>() callback</a:t>
               </a:r>
-              <a:r>
-                <a:rPr lang="en-US" dirty="0" smtClean="0">
-                  <a:solidFill>
-                    <a:srgbClr val="FF0000"/>
-                  </a:solidFill>
-                </a:rPr>
-                <a:t>callback</a:t>
-              </a:r>
-              <a:endParaRPr lang="en-US" dirty="0" smtClean="0">
-                <a:solidFill>
-                  <a:srgbClr val="FF0000"/>
-                </a:solidFill>
-              </a:endParaRPr>
             </a:p>
           </p:txBody>
         </p:sp>
@@ -14602,402 +14590,180 @@
             </a:pPr>
             <a:r>
               <a:rPr lang="en-US" dirty="0" smtClean="0"/>
-              <a:t>File </a:t>
+              <a:t>Redux </a:t>
             </a:r>
             <a:r>
               <a:rPr lang="en-US" dirty="0" smtClean="0">
-                <a:sym typeface="Wingdings"/>
-              </a:rPr>
-              <a:t> </a:t>
-            </a:r>
-            <a:r>
-              <a:rPr lang="en-US" dirty="0" err="1" smtClean="0">
                 <a:solidFill>
                   <a:srgbClr val="FF0000"/>
                 </a:solidFill>
-                <a:sym typeface="Wingdings"/>
-              </a:rPr>
-              <a:t>index.js</a:t>
+              </a:rPr>
+              <a:t>CREATED</a:t>
+            </a:r>
+            <a:r>
+              <a:rPr lang="en-US" dirty="0" smtClean="0"/>
+              <a:t> </a:t>
+            </a:r>
+            <a:r>
+              <a:rPr lang="en-US" dirty="0" err="1" smtClean="0"/>
+              <a:t>QuoteContainer</a:t>
+            </a:r>
+            <a:r>
+              <a:rPr lang="en-US" dirty="0" smtClean="0"/>
+              <a:t> Component</a:t>
+            </a:r>
+            <a:endParaRPr lang="en-US" dirty="0" smtClean="0"/>
+          </a:p>
+          <a:p>
+            <a:pPr marL="342900" indent="-342900">
+              <a:buFont typeface="Arial" charset="0"/>
+              <a:buChar char="•"/>
+            </a:pPr>
+            <a:r>
+              <a:rPr lang="en-US" dirty="0" smtClean="0"/>
+              <a:t>Redux creates </a:t>
+            </a:r>
+            <a:r>
+              <a:rPr lang="en-US" dirty="0" smtClean="0"/>
+              <a:t>the</a:t>
+            </a:r>
+            <a:r>
+              <a:rPr lang="en-US" dirty="0" smtClean="0"/>
+              <a:t> </a:t>
+            </a:r>
+            <a:r>
+              <a:rPr lang="en-US" dirty="0" smtClean="0"/>
+              <a:t>Container around </a:t>
             </a:r>
             <a:r>
               <a:rPr lang="en-US" dirty="0" smtClean="0">
-                <a:sym typeface="Wingdings"/>
-              </a:rPr>
-              <a:t> </a:t>
-            </a:r>
-          </a:p>
-          <a:p>
-            <a:pPr marL="631825" lvl="1" indent="-342900">
-              <a:buFont typeface="Arial" charset="0"/>
-              <a:buChar char="•"/>
-            </a:pPr>
+                <a:solidFill>
+                  <a:srgbClr val="FF0000"/>
+                </a:solidFill>
+              </a:rPr>
+              <a:t>&lt;Quote&gt;</a:t>
+            </a:r>
+          </a:p>
+          <a:p>
+            <a:pPr marL="917575" lvl="2" indent="-342900">
+              <a:buFont typeface="Arial" charset="0"/>
+              <a:buChar char="•"/>
+            </a:pPr>
+            <a:r>
+              <a:rPr lang="en-US" dirty="0" smtClean="0"/>
+              <a:t>&lt;</a:t>
+            </a:r>
+            <a:r>
+              <a:rPr lang="en-US" b="1" dirty="0" smtClean="0">
+                <a:solidFill>
+                  <a:srgbClr val="000080"/>
+                </a:solidFill>
+              </a:rPr>
+              <a:t>Quote </a:t>
+            </a:r>
             <a:r>
               <a:rPr lang="en-US" b="1" dirty="0">
                 <a:solidFill>
                   <a:srgbClr val="000080"/>
                 </a:solidFill>
               </a:rPr>
-              <a:t>import </a:t>
+              <a:t/>
+            </a:r>
+            <a:br>
+              <a:rPr lang="en-US" b="1" dirty="0">
+                <a:solidFill>
+                  <a:srgbClr val="000080"/>
+                </a:solidFill>
+              </a:rPr>
+            </a:br>
+            <a:r>
+              <a:rPr lang="en-US" b="1" dirty="0">
+                <a:solidFill>
+                  <a:srgbClr val="000080"/>
+                </a:solidFill>
+              </a:rPr>
+              <a:t>   </a:t>
+            </a:r>
+            <a:r>
+              <a:rPr lang="en-US" b="1" dirty="0">
+                <a:solidFill>
+                  <a:srgbClr val="0000FF"/>
+                </a:solidFill>
+              </a:rPr>
+              <a:t>name</a:t>
+            </a:r>
+            <a:r>
+              <a:rPr lang="en-US" b="1" dirty="0">
+                <a:solidFill>
+                  <a:srgbClr val="008000"/>
+                </a:solidFill>
+              </a:rPr>
+              <a:t>=</a:t>
             </a:r>
             <a:r>
               <a:rPr lang="en-US" dirty="0"/>
-              <a:t>{ </a:t>
-            </a:r>
-            <a:r>
-              <a:rPr lang="en-US" b="1" dirty="0">
-                <a:solidFill>
-                  <a:srgbClr val="660E7A"/>
-                </a:solidFill>
-              </a:rPr>
-              <a:t>Provider </a:t>
+              <a:t>{</a:t>
+            </a:r>
+            <a:r>
+              <a:rPr lang="en-US" dirty="0" err="1"/>
+              <a:t>nameValue</a:t>
             </a:r>
             <a:r>
               <a:rPr lang="en-US" dirty="0"/>
               <a:t>} </a:t>
-            </a:r>
-            <a:r>
-              <a:rPr lang="en-US" b="1" dirty="0">
-                <a:solidFill>
-                  <a:srgbClr val="000080"/>
-                </a:solidFill>
-              </a:rPr>
-              <a:t>from </a:t>
-            </a:r>
-            <a:r>
-              <a:rPr lang="en-US" b="1" dirty="0">
-                <a:solidFill>
-                  <a:srgbClr val="008000"/>
-                </a:solidFill>
-              </a:rPr>
-              <a:t>'react-redux'</a:t>
-            </a:r>
-            <a:br>
-              <a:rPr lang="en-US" b="1" dirty="0">
-                <a:solidFill>
-                  <a:srgbClr val="008000"/>
-                </a:solidFill>
-              </a:rPr>
-            </a:br>
-            <a:r>
-              <a:rPr lang="en-US" b="1" dirty="0">
-                <a:solidFill>
-                  <a:srgbClr val="000080"/>
-                </a:solidFill>
-              </a:rPr>
-              <a:t>import </a:t>
-            </a:r>
-            <a:r>
-              <a:rPr lang="en-US" dirty="0"/>
-              <a:t>{ </a:t>
-            </a:r>
-            <a:r>
-              <a:rPr lang="en-US" b="1" dirty="0" err="1">
-                <a:solidFill>
-                  <a:srgbClr val="660E7A"/>
-                </a:solidFill>
-              </a:rPr>
-              <a:t>createStore</a:t>
-            </a:r>
-            <a:r>
-              <a:rPr lang="en-US" b="1" dirty="0">
-                <a:solidFill>
-                  <a:srgbClr val="660E7A"/>
-                </a:solidFill>
-              </a:rPr>
-              <a:t> </a:t>
-            </a:r>
-            <a:r>
-              <a:rPr lang="en-US" dirty="0"/>
-              <a:t>} </a:t>
-            </a:r>
-            <a:r>
-              <a:rPr lang="en-US" b="1" dirty="0">
-                <a:solidFill>
-                  <a:srgbClr val="000080"/>
-                </a:solidFill>
-              </a:rPr>
-              <a:t>from </a:t>
-            </a:r>
-            <a:r>
-              <a:rPr lang="en-US" b="1" dirty="0">
-                <a:solidFill>
-                  <a:srgbClr val="008000"/>
-                </a:solidFill>
-              </a:rPr>
-              <a:t>'redux'</a:t>
-            </a:r>
-            <a:br>
-              <a:rPr lang="en-US" b="1" dirty="0">
-                <a:solidFill>
-                  <a:srgbClr val="008000"/>
-                </a:solidFill>
-              </a:rPr>
-            </a:br>
-            <a:r>
-              <a:rPr lang="en-US" b="1" dirty="0">
-                <a:solidFill>
-                  <a:srgbClr val="000080"/>
-                </a:solidFill>
-              </a:rPr>
-              <a:t>import </a:t>
-            </a:r>
-            <a:r>
-              <a:rPr lang="en-US" i="1" dirty="0" err="1" smtClean="0"/>
-              <a:t>quoteReducer</a:t>
-            </a:r>
-            <a:r>
-              <a:rPr lang="en-US" i="1" dirty="0" smtClean="0"/>
-              <a:t> </a:t>
-            </a:r>
-            <a:r>
-              <a:rPr lang="en-US" b="1" dirty="0">
-                <a:solidFill>
-                  <a:srgbClr val="000080"/>
-                </a:solidFill>
-              </a:rPr>
-              <a:t>from </a:t>
-            </a:r>
-            <a:r>
-              <a:rPr lang="en-US" b="1" dirty="0" smtClean="0">
-                <a:solidFill>
-                  <a:srgbClr val="008000"/>
-                </a:solidFill>
-              </a:rPr>
-              <a:t>'./quotes/</a:t>
-            </a:r>
-            <a:r>
-              <a:rPr lang="en-US" b="1" dirty="0" err="1" smtClean="0">
-                <a:solidFill>
-                  <a:srgbClr val="008000"/>
-                </a:solidFill>
-              </a:rPr>
-              <a:t>quoteReducer</a:t>
-            </a:r>
-            <a:r>
-              <a:rPr lang="en-US" b="1" dirty="0" smtClean="0">
-                <a:solidFill>
-                  <a:srgbClr val="008000"/>
-                </a:solidFill>
-              </a:rPr>
-              <a:t>'</a:t>
-            </a:r>
-            <a:r>
-              <a:rPr lang="en-US" b="1" dirty="0">
-                <a:solidFill>
-                  <a:srgbClr val="008000"/>
-                </a:solidFill>
-              </a:rPr>
-              <a:t/>
-            </a:r>
-            <a:br>
-              <a:rPr lang="en-US" b="1" dirty="0">
-                <a:solidFill>
-                  <a:srgbClr val="008000"/>
-                </a:solidFill>
-              </a:rPr>
-            </a:br>
-            <a:r>
-              <a:rPr lang="en-US" b="1" dirty="0">
-                <a:solidFill>
-                  <a:srgbClr val="008000"/>
-                </a:solidFill>
-              </a:rPr>
-              <a:t/>
-            </a:r>
-            <a:br>
-              <a:rPr lang="en-US" b="1" dirty="0">
-                <a:solidFill>
-                  <a:srgbClr val="008000"/>
-                </a:solidFill>
-              </a:rPr>
-            </a:br>
-            <a:r>
-              <a:rPr lang="en-US" b="1" dirty="0">
-                <a:solidFill>
-                  <a:srgbClr val="000080"/>
-                </a:solidFill>
-              </a:rPr>
-              <a:t>let </a:t>
-            </a:r>
-            <a:r>
-              <a:rPr lang="en-US" b="1" i="1" dirty="0">
-                <a:solidFill>
-                  <a:srgbClr val="660E7A"/>
-                </a:solidFill>
-              </a:rPr>
-              <a:t>store </a:t>
-            </a:r>
-            <a:r>
-              <a:rPr lang="en-US" dirty="0"/>
-              <a:t>= </a:t>
-            </a:r>
-            <a:r>
-              <a:rPr lang="en-US" b="1" dirty="0" err="1" smtClean="0">
-                <a:solidFill>
-                  <a:srgbClr val="660E7A"/>
-                </a:solidFill>
-              </a:rPr>
-              <a:t>createStore</a:t>
-            </a:r>
-            <a:r>
-              <a:rPr lang="en-US" dirty="0" smtClean="0"/>
-              <a:t>(</a:t>
-            </a:r>
-            <a:r>
-              <a:rPr lang="en-US" dirty="0" err="1" smtClean="0"/>
-              <a:t>quoteReducer</a:t>
-            </a:r>
-            <a:r>
-              <a:rPr lang="en-US" dirty="0"/>
-              <a:t>)</a:t>
             </a:r>
             <a:br>
               <a:rPr lang="en-US" dirty="0"/>
             </a:br>
             <a:r>
               <a:rPr lang="en-US" dirty="0"/>
-              <a:t/>
+              <a:t>   </a:t>
+            </a:r>
+            <a:r>
+              <a:rPr lang="en-US" b="1" dirty="0">
+                <a:solidFill>
+                  <a:srgbClr val="0000FF"/>
+                </a:solidFill>
+              </a:rPr>
+              <a:t>quote</a:t>
+            </a:r>
+            <a:r>
+              <a:rPr lang="en-US" b="1" dirty="0">
+                <a:solidFill>
+                  <a:srgbClr val="008000"/>
+                </a:solidFill>
+              </a:rPr>
+              <a:t>=</a:t>
+            </a:r>
+            <a:r>
+              <a:rPr lang="en-US" dirty="0"/>
+              <a:t>{</a:t>
+            </a:r>
+            <a:r>
+              <a:rPr lang="en-US" dirty="0" err="1"/>
+              <a:t>quoteValue</a:t>
+            </a:r>
+            <a:r>
+              <a:rPr lang="en-US" dirty="0"/>
+              <a:t>}</a:t>
             </a:r>
             <a:br>
               <a:rPr lang="en-US" dirty="0"/>
             </a:br>
             <a:r>
-              <a:rPr lang="en-US" b="1" i="1" dirty="0" err="1">
-                <a:solidFill>
-                  <a:srgbClr val="660E7A"/>
-                </a:solidFill>
-              </a:rPr>
-              <a:t>store</a:t>
-            </a:r>
-            <a:r>
-              <a:rPr lang="en-US" dirty="0" err="1"/>
-              <a:t>.</a:t>
-            </a:r>
-            <a:r>
-              <a:rPr lang="en-US" dirty="0" err="1">
-                <a:solidFill>
-                  <a:srgbClr val="7A7A43"/>
-                </a:solidFill>
-              </a:rPr>
-              <a:t>subscribe</a:t>
-            </a:r>
-            <a:r>
               <a:rPr lang="en-US" dirty="0"/>
-              <a:t>(() =&gt;</a:t>
-            </a:r>
-            <a:br>
-              <a:rPr lang="en-US" dirty="0"/>
-            </a:br>
-            <a:r>
-              <a:rPr lang="en-US" dirty="0"/>
-              <a:t>  </a:t>
-            </a:r>
-            <a:r>
-              <a:rPr lang="en-US" b="1" dirty="0" err="1">
-                <a:solidFill>
-                  <a:srgbClr val="660E7A"/>
-                </a:solidFill>
-              </a:rPr>
-              <a:t>console</a:t>
-            </a:r>
-            <a:r>
-              <a:rPr lang="en-US" dirty="0" err="1"/>
-              <a:t>.</a:t>
-            </a:r>
-            <a:r>
-              <a:rPr lang="en-US" dirty="0" err="1">
-                <a:solidFill>
-                  <a:srgbClr val="7A7A43"/>
-                </a:solidFill>
-              </a:rPr>
-              <a:t>log</a:t>
-            </a:r>
-            <a:r>
-              <a:rPr lang="en-US" dirty="0"/>
-              <a:t>(</a:t>
-            </a:r>
-            <a:r>
-              <a:rPr lang="en-US" b="1" i="1" dirty="0" err="1">
-                <a:solidFill>
-                  <a:srgbClr val="660E7A"/>
-                </a:solidFill>
-              </a:rPr>
-              <a:t>store</a:t>
-            </a:r>
-            <a:r>
-              <a:rPr lang="en-US" dirty="0" err="1"/>
-              <a:t>.</a:t>
-            </a:r>
-            <a:r>
-              <a:rPr lang="en-US" dirty="0" err="1">
-                <a:solidFill>
-                  <a:srgbClr val="7A7A43"/>
-                </a:solidFill>
-              </a:rPr>
-              <a:t>getState</a:t>
-            </a:r>
-            <a:r>
-              <a:rPr lang="en-US" dirty="0"/>
-              <a:t>())</a:t>
-            </a:r>
-            <a:br>
-              <a:rPr lang="en-US" dirty="0"/>
-            </a:br>
-            <a:r>
-              <a:rPr lang="en-US" dirty="0"/>
-              <a:t>)</a:t>
-            </a:r>
-            <a:br>
-              <a:rPr lang="en-US" dirty="0"/>
-            </a:br>
-            <a:r>
-              <a:rPr lang="en-US" dirty="0"/>
-              <a:t/>
-            </a:r>
-            <a:br>
-              <a:rPr lang="en-US" dirty="0"/>
-            </a:br>
-            <a:r>
-              <a:rPr lang="en-US" dirty="0" err="1"/>
-              <a:t>ReactDOM.</a:t>
-            </a:r>
-            <a:r>
-              <a:rPr lang="en-US" b="1" dirty="0" err="1">
-                <a:solidFill>
-                  <a:srgbClr val="660E7A"/>
-                </a:solidFill>
-              </a:rPr>
-              <a:t>render</a:t>
-            </a:r>
-            <a:r>
-              <a:rPr lang="en-US" dirty="0"/>
-              <a:t>(</a:t>
-            </a:r>
-            <a:br>
-              <a:rPr lang="en-US" dirty="0"/>
-            </a:br>
-            <a:r>
-              <a:rPr lang="en-US" dirty="0"/>
-              <a:t>  &lt;</a:t>
-            </a:r>
-            <a:r>
-              <a:rPr lang="en-US" b="1" dirty="0">
-                <a:solidFill>
-                  <a:srgbClr val="000080"/>
-                </a:solidFill>
-              </a:rPr>
-              <a:t>Provider </a:t>
-            </a:r>
-            <a:r>
-              <a:rPr lang="en-US" b="1" dirty="0">
+              <a:t>   </a:t>
+            </a:r>
+            <a:r>
+              <a:rPr lang="en-US" b="1" dirty="0" err="1" smtClean="0">
                 <a:solidFill>
                   <a:srgbClr val="0000FF"/>
                 </a:solidFill>
               </a:rPr>
-              <a:t>store</a:t>
-            </a:r>
-            <a:r>
-              <a:rPr lang="en-US" b="1" dirty="0">
+              <a:t>saveQuote</a:t>
+            </a:r>
+            <a:r>
+              <a:rPr lang="en-US" b="1" dirty="0" smtClean="0">
                 <a:solidFill>
                   <a:srgbClr val="008000"/>
                 </a:solidFill>
@@ -15005,113 +14771,121 @@
               <a:t>=</a:t>
             </a:r>
             <a:r>
-              <a:rPr lang="en-US" dirty="0"/>
+              <a:rPr lang="en-US" dirty="0" smtClean="0"/>
               <a:t>{</a:t>
             </a:r>
             <a:r>
-              <a:rPr lang="en-US" b="1" i="1" dirty="0">
-                <a:solidFill>
-                  <a:srgbClr val="660E7A"/>
-                </a:solidFill>
-              </a:rPr>
-              <a:t>store</a:t>
-            </a:r>
-            <a:r>
-              <a:rPr lang="en-US" dirty="0"/>
-              <a:t>}&gt;</a:t>
-            </a:r>
-            <a:br>
-              <a:rPr lang="en-US" dirty="0"/>
-            </a:br>
-            <a:r>
-              <a:rPr lang="en-US" dirty="0"/>
-              <a:t>    &lt;</a:t>
-            </a:r>
-            <a:r>
-              <a:rPr lang="en-US" b="1" dirty="0">
-                <a:solidFill>
-                  <a:srgbClr val="000080"/>
-                </a:solidFill>
-              </a:rPr>
-              <a:t>App </a:t>
+              <a:rPr lang="en-US" dirty="0" err="1" smtClean="0"/>
+              <a:t>saveQuote</a:t>
+            </a:r>
+            <a:r>
+              <a:rPr lang="en-US" dirty="0" smtClean="0"/>
+              <a:t>} </a:t>
             </a:r>
             <a:r>
               <a:rPr lang="en-US" dirty="0"/>
               <a:t>/&gt;</a:t>
             </a:r>
-            <a:br>
-              <a:rPr lang="en-US" dirty="0"/>
-            </a:br>
-            <a:r>
-              <a:rPr lang="en-US" dirty="0"/>
-              <a:t>  &lt;/</a:t>
-            </a:r>
-            <a:r>
-              <a:rPr lang="en-US" b="1" dirty="0">
-                <a:solidFill>
-                  <a:srgbClr val="000080"/>
-                </a:solidFill>
-              </a:rPr>
-              <a:t>Provider</a:t>
-            </a:r>
-            <a:r>
-              <a:rPr lang="en-US" dirty="0"/>
-              <a:t>&gt;,</a:t>
-            </a:r>
-            <a:br>
-              <a:rPr lang="en-US" dirty="0"/>
-            </a:br>
-            <a:r>
-              <a:rPr lang="en-US" dirty="0"/>
-              <a:t>  </a:t>
-            </a:r>
-            <a:r>
-              <a:rPr lang="en-US" b="1" dirty="0" err="1">
-                <a:solidFill>
-                  <a:srgbClr val="660E7A"/>
-                </a:solidFill>
-              </a:rPr>
-              <a:t>document</a:t>
-            </a:r>
-            <a:r>
-              <a:rPr lang="en-US" dirty="0" err="1"/>
-              <a:t>.</a:t>
-            </a:r>
-            <a:r>
-              <a:rPr lang="en-US" dirty="0" err="1">
-                <a:solidFill>
-                  <a:srgbClr val="7A7A43"/>
-                </a:solidFill>
-              </a:rPr>
-              <a:t>getElementById</a:t>
-            </a:r>
-            <a:r>
-              <a:rPr lang="en-US" dirty="0"/>
-              <a:t>(</a:t>
-            </a:r>
-            <a:r>
-              <a:rPr lang="en-US" b="1" dirty="0">
-                <a:solidFill>
-                  <a:srgbClr val="008000"/>
-                </a:solidFill>
-              </a:rPr>
-              <a:t>'root'</a:t>
-            </a:r>
-            <a:r>
-              <a:rPr lang="en-US" dirty="0"/>
-              <a:t>)</a:t>
-            </a:r>
-            <a:br>
-              <a:rPr lang="en-US" dirty="0"/>
-            </a:br>
-            <a:r>
-              <a:rPr lang="en-US" dirty="0"/>
-              <a:t>);</a:t>
-            </a:r>
-            <a:br>
-              <a:rPr lang="en-US" dirty="0"/>
-            </a:br>
+          </a:p>
+          <a:p>
+            <a:pPr marL="342900" indent="-342900">
+              <a:buFont typeface="Arial" charset="0"/>
+              <a:buChar char="•"/>
+            </a:pPr>
+            <a:r>
+              <a:rPr lang="en-US" dirty="0" smtClean="0"/>
+              <a:t>We have to map the </a:t>
+            </a:r>
+            <a:r>
+              <a:rPr lang="en-US" dirty="0" smtClean="0">
+                <a:solidFill>
+                  <a:srgbClr val="FF0000"/>
+                </a:solidFill>
+              </a:rPr>
+              <a:t>STATE</a:t>
+            </a:r>
+            <a:r>
+              <a:rPr lang="en-US" dirty="0" smtClean="0"/>
+              <a:t> properties to our </a:t>
+            </a:r>
+            <a:r>
+              <a:rPr lang="en-US" dirty="0" smtClean="0">
+                <a:solidFill>
+                  <a:srgbClr val="FF0000"/>
+                </a:solidFill>
+              </a:rPr>
+              <a:t>name</a:t>
+            </a:r>
+            <a:r>
+              <a:rPr lang="en-US" dirty="0" smtClean="0"/>
+              <a:t> and </a:t>
+            </a:r>
+            <a:r>
+              <a:rPr lang="en-US" dirty="0" smtClean="0">
+                <a:solidFill>
+                  <a:srgbClr val="FF0000"/>
+                </a:solidFill>
+              </a:rPr>
+              <a:t>quote</a:t>
+            </a:r>
+            <a:r>
+              <a:rPr lang="en-US" dirty="0" smtClean="0"/>
+              <a:t> attributes</a:t>
+            </a:r>
+          </a:p>
+          <a:p>
+            <a:pPr marL="342900" indent="-342900">
+              <a:buFont typeface="Arial" charset="0"/>
+              <a:buChar char="•"/>
+            </a:pPr>
+            <a:r>
+              <a:rPr lang="en-US" dirty="0" smtClean="0"/>
+              <a:t>We have to map the </a:t>
+            </a:r>
+            <a:r>
+              <a:rPr lang="en-US" dirty="0" err="1" smtClean="0">
+                <a:solidFill>
+                  <a:srgbClr val="FF0000"/>
+                </a:solidFill>
+              </a:rPr>
+              <a:t>saveQuote</a:t>
+            </a:r>
+            <a:r>
+              <a:rPr lang="en-US" dirty="0" smtClean="0">
+                <a:solidFill>
+                  <a:srgbClr val="FF0000"/>
+                </a:solidFill>
+              </a:rPr>
+              <a:t> </a:t>
+            </a:r>
+            <a:r>
+              <a:rPr lang="en-US" dirty="0" smtClean="0"/>
+              <a:t>attribute to our callback </a:t>
+            </a:r>
             <a:endParaRPr lang="en-US" dirty="0" smtClean="0"/>
+          </a:p>
+          <a:p>
+            <a:pPr marL="631825" lvl="1" indent="-342900">
+              <a:buFont typeface="Arial" charset="0"/>
+              <a:buChar char="•"/>
+            </a:pPr>
+            <a:r>
+              <a:rPr lang="en-US" dirty="0" smtClean="0"/>
+              <a:t>Callback calls </a:t>
+            </a:r>
+            <a:r>
+              <a:rPr lang="en-US" dirty="0" smtClean="0">
+                <a:solidFill>
+                  <a:srgbClr val="FF0000"/>
+                </a:solidFill>
+              </a:rPr>
+              <a:t>dispatch()</a:t>
+            </a:r>
+            <a:r>
+              <a:rPr lang="en-US" dirty="0" smtClean="0"/>
+              <a:t> with some Action</a:t>
+            </a:r>
+            <a:endParaRPr lang="en-US" dirty="0"/>
           </a:p>
         </p:txBody>
       </p:sp>
@@ -15132,7 +14906,609 @@
           <a:p>
             <a:r>
               <a:rPr lang="en-US" dirty="0" smtClean="0"/>
-              <a:t>Configure the Store </a:t>
+              <a:t>Configure Redux</a:t>
+            </a:r>
+            <a:endParaRPr lang="en-US" dirty="0"/>
+          </a:p>
+        </p:txBody>
+      </p:sp>
+    </p:spTree>
+    <p:extLst>
+      <p:ext uri="{BB962C8B-B14F-4D97-AF65-F5344CB8AC3E}">
+        <p14:creationId xmlns:p14="http://schemas.microsoft.com/office/powerpoint/2010/main" val="1192198151"/>
+      </p:ext>
+    </p:extLst>
+  </p:cSld>
+  <p:clrMapOvr>
+    <a:masterClrMapping/>
+  </p:clrMapOvr>
+  <mc:AlternateContent xmlns:mc="http://schemas.openxmlformats.org/markup-compatibility/2006" xmlns:p14="http://schemas.microsoft.com/office/powerpoint/2010/main">
+    <mc:Choice Requires="p14">
+      <p:transition p14:dur="0"/>
+    </mc:Choice>
+    <mc:Fallback xmlns="">
+      <p:transition/>
+    </mc:Fallback>
+  </mc:AlternateContent>
+  <p:timing>
+    <p:tnLst>
+      <p:par>
+        <p:cTn id="1" dur="indefinite" restart="never" nodeType="tmRoot"/>
+      </p:par>
+    </p:tnLst>
+  </p:timing>
+</p:sld>
+</file>
+
+<file path=ppt/slides/slide19.xml><?xml version="1.0" encoding="utf-8"?>
+<p:sld xmlns:a="http://schemas.openxmlformats.org/drawingml/2006/main" xmlns:r="http://schemas.openxmlformats.org/officeDocument/2006/relationships" xmlns:p="http://schemas.openxmlformats.org/presentationml/2006/main">
+  <p:cSld>
+    <p:spTree>
+      <p:nvGrpSpPr>
+        <p:cNvPr id="1" name=""/>
+        <p:cNvGrpSpPr/>
+        <p:nvPr/>
+      </p:nvGrpSpPr>
+      <p:grpSpPr>
+        <a:xfrm>
+          <a:off x="0" y="0"/>
+          <a:ext cx="0" cy="0"/>
+          <a:chOff x="0" y="0"/>
+          <a:chExt cx="0" cy="0"/>
+        </a:xfrm>
+      </p:grpSpPr>
+      <p:sp>
+        <p:nvSpPr>
+          <p:cNvPr id="2" name="Text Placeholder 1"/>
+          <p:cNvSpPr>
+            <a:spLocks noGrp="1"/>
+          </p:cNvSpPr>
+          <p:nvPr>
+            <p:ph type="body" sz="quarter" idx="12"/>
+          </p:nvPr>
+        </p:nvSpPr>
+        <p:spPr/>
+        <p:txBody>
+          <a:bodyPr/>
+          <a:lstStyle/>
+          <a:p>
+            <a:pPr marL="342900" indent="-342900">
+              <a:buFont typeface="Arial" charset="0"/>
+              <a:buChar char="•"/>
+            </a:pPr>
+            <a:r>
+              <a:rPr lang="en-US" dirty="0" smtClean="0"/>
+              <a:t>File </a:t>
+            </a:r>
+            <a:r>
+              <a:rPr lang="en-US" dirty="0" smtClean="0">
+                <a:sym typeface="Wingdings"/>
+              </a:rPr>
+              <a:t> </a:t>
+            </a:r>
+            <a:r>
+              <a:rPr lang="en-US" dirty="0" err="1" smtClean="0">
+                <a:solidFill>
+                  <a:srgbClr val="FF0000"/>
+                </a:solidFill>
+                <a:sym typeface="Wingdings"/>
+              </a:rPr>
+              <a:t>index.js</a:t>
+            </a:r>
+            <a:r>
+              <a:rPr lang="en-US" dirty="0" smtClean="0">
+                <a:sym typeface="Wingdings"/>
+              </a:rPr>
+              <a:t> </a:t>
+            </a:r>
+          </a:p>
+          <a:p>
+            <a:pPr marL="631825" lvl="1" indent="-342900">
+              <a:buFont typeface="Arial" charset="0"/>
+              <a:buChar char="•"/>
+            </a:pPr>
+            <a:r>
+              <a:rPr lang="en-US" b="1" dirty="0">
+                <a:solidFill>
+                  <a:srgbClr val="000080"/>
+                </a:solidFill>
+              </a:rPr>
+              <a:t>import </a:t>
+            </a:r>
+            <a:r>
+              <a:rPr lang="en-US" dirty="0"/>
+              <a:t>{ </a:t>
+            </a:r>
+            <a:r>
+              <a:rPr lang="en-US" b="1" dirty="0">
+                <a:solidFill>
+                  <a:srgbClr val="660E7A"/>
+                </a:solidFill>
+              </a:rPr>
+              <a:t>Provider </a:t>
+            </a:r>
+            <a:r>
+              <a:rPr lang="en-US" dirty="0"/>
+              <a:t>} </a:t>
+            </a:r>
+            <a:r>
+              <a:rPr lang="en-US" b="1" dirty="0">
+                <a:solidFill>
+                  <a:srgbClr val="000080"/>
+                </a:solidFill>
+              </a:rPr>
+              <a:t>from </a:t>
+            </a:r>
+            <a:r>
+              <a:rPr lang="en-US" b="1" dirty="0">
+                <a:solidFill>
+                  <a:srgbClr val="008000"/>
+                </a:solidFill>
+              </a:rPr>
+              <a:t>'react-redux'</a:t>
+            </a:r>
+            <a:br>
+              <a:rPr lang="en-US" b="1" dirty="0">
+                <a:solidFill>
+                  <a:srgbClr val="008000"/>
+                </a:solidFill>
+              </a:rPr>
+            </a:br>
+            <a:r>
+              <a:rPr lang="en-US" b="1" dirty="0">
+                <a:solidFill>
+                  <a:srgbClr val="000080"/>
+                </a:solidFill>
+              </a:rPr>
+              <a:t>import </a:t>
+            </a:r>
+            <a:r>
+              <a:rPr lang="en-US" dirty="0"/>
+              <a:t>{ </a:t>
+            </a:r>
+            <a:r>
+              <a:rPr lang="en-US" b="1" dirty="0" err="1">
+                <a:solidFill>
+                  <a:srgbClr val="660E7A"/>
+                </a:solidFill>
+              </a:rPr>
+              <a:t>createStore</a:t>
+            </a:r>
+            <a:r>
+              <a:rPr lang="en-US" b="1" dirty="0">
+                <a:solidFill>
+                  <a:srgbClr val="660E7A"/>
+                </a:solidFill>
+              </a:rPr>
+              <a:t> </a:t>
+            </a:r>
+            <a:r>
+              <a:rPr lang="en-US" dirty="0"/>
+              <a:t>} </a:t>
+            </a:r>
+            <a:r>
+              <a:rPr lang="en-US" b="1" dirty="0">
+                <a:solidFill>
+                  <a:srgbClr val="000080"/>
+                </a:solidFill>
+              </a:rPr>
+              <a:t>from </a:t>
+            </a:r>
+            <a:r>
+              <a:rPr lang="en-US" b="1" dirty="0">
+                <a:solidFill>
+                  <a:srgbClr val="008000"/>
+                </a:solidFill>
+              </a:rPr>
+              <a:t>'redux'</a:t>
+            </a:r>
+            <a:br>
+              <a:rPr lang="en-US" b="1" dirty="0">
+                <a:solidFill>
+                  <a:srgbClr val="008000"/>
+                </a:solidFill>
+              </a:rPr>
+            </a:br>
+            <a:r>
+              <a:rPr lang="en-US" b="1" dirty="0">
+                <a:solidFill>
+                  <a:srgbClr val="000080"/>
+                </a:solidFill>
+              </a:rPr>
+              <a:t>import </a:t>
+            </a:r>
+            <a:r>
+              <a:rPr lang="en-US" i="1" dirty="0" err="1" smtClean="0"/>
+              <a:t>quoteReducer</a:t>
+            </a:r>
+            <a:r>
+              <a:rPr lang="en-US" i="1" dirty="0" smtClean="0"/>
+              <a:t> </a:t>
+            </a:r>
+            <a:r>
+              <a:rPr lang="en-US" b="1" dirty="0">
+                <a:solidFill>
+                  <a:srgbClr val="000080"/>
+                </a:solidFill>
+              </a:rPr>
+              <a:t>from </a:t>
+            </a:r>
+            <a:r>
+              <a:rPr lang="en-US" b="1" dirty="0" smtClean="0">
+                <a:solidFill>
+                  <a:srgbClr val="008000"/>
+                </a:solidFill>
+              </a:rPr>
+              <a:t>'./quotes/</a:t>
+            </a:r>
+            <a:r>
+              <a:rPr lang="en-US" b="1" dirty="0" err="1" smtClean="0">
+                <a:solidFill>
+                  <a:srgbClr val="008000"/>
+                </a:solidFill>
+              </a:rPr>
+              <a:t>quoteReducer</a:t>
+            </a:r>
+            <a:r>
+              <a:rPr lang="en-US" b="1" dirty="0" smtClean="0">
+                <a:solidFill>
+                  <a:srgbClr val="008000"/>
+                </a:solidFill>
+              </a:rPr>
+              <a:t>'</a:t>
+            </a:r>
+            <a:r>
+              <a:rPr lang="en-US" b="1" dirty="0">
+                <a:solidFill>
+                  <a:srgbClr val="008000"/>
+                </a:solidFill>
+              </a:rPr>
+              <a:t/>
+            </a:r>
+            <a:br>
+              <a:rPr lang="en-US" b="1" dirty="0">
+                <a:solidFill>
+                  <a:srgbClr val="008000"/>
+                </a:solidFill>
+              </a:rPr>
+            </a:br>
+            <a:r>
+              <a:rPr lang="en-US" b="1" dirty="0">
+                <a:solidFill>
+                  <a:srgbClr val="008000"/>
+                </a:solidFill>
+              </a:rPr>
+              <a:t/>
+            </a:r>
+            <a:br>
+              <a:rPr lang="en-US" b="1" dirty="0">
+                <a:solidFill>
+                  <a:srgbClr val="008000"/>
+                </a:solidFill>
+              </a:rPr>
+            </a:br>
+            <a:r>
+              <a:rPr lang="en-US" b="1" dirty="0">
+                <a:solidFill>
+                  <a:srgbClr val="000080"/>
+                </a:solidFill>
+              </a:rPr>
+              <a:t>let </a:t>
+            </a:r>
+            <a:r>
+              <a:rPr lang="en-US" b="1" i="1" dirty="0">
+                <a:solidFill>
+                  <a:srgbClr val="660E7A"/>
+                </a:solidFill>
+              </a:rPr>
+              <a:t>store </a:t>
+            </a:r>
+            <a:r>
+              <a:rPr lang="en-US" dirty="0"/>
+              <a:t>= </a:t>
+            </a:r>
+            <a:r>
+              <a:rPr lang="en-US" b="1" dirty="0" err="1" smtClean="0">
+                <a:solidFill>
+                  <a:srgbClr val="660E7A"/>
+                </a:solidFill>
+              </a:rPr>
+              <a:t>createStore</a:t>
+            </a:r>
+            <a:r>
+              <a:rPr lang="en-US" dirty="0" smtClean="0"/>
+              <a:t>(</a:t>
+            </a:r>
+            <a:r>
+              <a:rPr lang="en-US" dirty="0" err="1" smtClean="0"/>
+              <a:t>quoteReducer</a:t>
+            </a:r>
+            <a:r>
+              <a:rPr lang="en-US" dirty="0"/>
+              <a:t>)</a:t>
+            </a:r>
+            <a:br>
+              <a:rPr lang="en-US" dirty="0"/>
+            </a:br>
+            <a:r>
+              <a:rPr lang="en-US" dirty="0"/>
+              <a:t/>
+            </a:r>
+            <a:br>
+              <a:rPr lang="en-US" dirty="0"/>
+            </a:br>
+            <a:r>
+              <a:rPr lang="en-US" b="1" i="1" dirty="0" err="1">
+                <a:solidFill>
+                  <a:srgbClr val="660E7A"/>
+                </a:solidFill>
+              </a:rPr>
+              <a:t>store</a:t>
+            </a:r>
+            <a:r>
+              <a:rPr lang="en-US" dirty="0" err="1"/>
+              <a:t>.</a:t>
+            </a:r>
+            <a:r>
+              <a:rPr lang="en-US" dirty="0" err="1">
+                <a:solidFill>
+                  <a:srgbClr val="7A7A43"/>
+                </a:solidFill>
+              </a:rPr>
+              <a:t>subscribe</a:t>
+            </a:r>
+            <a:r>
+              <a:rPr lang="en-US" dirty="0"/>
+              <a:t>(() =&gt;</a:t>
+            </a:r>
+            <a:br>
+              <a:rPr lang="en-US" dirty="0"/>
+            </a:br>
+            <a:r>
+              <a:rPr lang="en-US" dirty="0"/>
+              <a:t>  </a:t>
+            </a:r>
+            <a:r>
+              <a:rPr lang="en-US" b="1" dirty="0" err="1">
+                <a:solidFill>
+                  <a:srgbClr val="660E7A"/>
+                </a:solidFill>
+              </a:rPr>
+              <a:t>console</a:t>
+            </a:r>
+            <a:r>
+              <a:rPr lang="en-US" dirty="0" err="1"/>
+              <a:t>.</a:t>
+            </a:r>
+            <a:r>
+              <a:rPr lang="en-US" dirty="0" err="1">
+                <a:solidFill>
+                  <a:srgbClr val="7A7A43"/>
+                </a:solidFill>
+              </a:rPr>
+              <a:t>log</a:t>
+            </a:r>
+            <a:r>
+              <a:rPr lang="en-US" dirty="0"/>
+              <a:t>(</a:t>
+            </a:r>
+            <a:r>
+              <a:rPr lang="en-US" b="1" i="1" dirty="0" err="1">
+                <a:solidFill>
+                  <a:srgbClr val="660E7A"/>
+                </a:solidFill>
+              </a:rPr>
+              <a:t>store</a:t>
+            </a:r>
+            <a:r>
+              <a:rPr lang="en-US" dirty="0" err="1"/>
+              <a:t>.</a:t>
+            </a:r>
+            <a:r>
+              <a:rPr lang="en-US" dirty="0" err="1">
+                <a:solidFill>
+                  <a:srgbClr val="7A7A43"/>
+                </a:solidFill>
+              </a:rPr>
+              <a:t>getState</a:t>
+            </a:r>
+            <a:r>
+              <a:rPr lang="en-US" dirty="0"/>
+              <a:t>())</a:t>
+            </a:r>
+            <a:br>
+              <a:rPr lang="en-US" dirty="0"/>
+            </a:br>
+            <a:r>
+              <a:rPr lang="en-US" dirty="0"/>
+              <a:t>)</a:t>
+            </a:r>
+            <a:br>
+              <a:rPr lang="en-US" dirty="0"/>
+            </a:br>
+            <a:r>
+              <a:rPr lang="en-US" dirty="0"/>
+              <a:t/>
+            </a:r>
+            <a:br>
+              <a:rPr lang="en-US" dirty="0"/>
+            </a:br>
+            <a:r>
+              <a:rPr lang="en-US" dirty="0" err="1"/>
+              <a:t>ReactDOM.</a:t>
+            </a:r>
+            <a:r>
+              <a:rPr lang="en-US" b="1" dirty="0" err="1">
+                <a:solidFill>
+                  <a:srgbClr val="660E7A"/>
+                </a:solidFill>
+              </a:rPr>
+              <a:t>render</a:t>
+            </a:r>
+            <a:r>
+              <a:rPr lang="en-US" dirty="0"/>
+              <a:t>(</a:t>
+            </a:r>
+            <a:br>
+              <a:rPr lang="en-US" dirty="0"/>
+            </a:br>
+            <a:r>
+              <a:rPr lang="en-US" dirty="0"/>
+              <a:t>  &lt;</a:t>
+            </a:r>
+            <a:r>
+              <a:rPr lang="en-US" b="1" dirty="0">
+                <a:solidFill>
+                  <a:srgbClr val="000080"/>
+                </a:solidFill>
+              </a:rPr>
+              <a:t>Provider </a:t>
+            </a:r>
+            <a:r>
+              <a:rPr lang="en-US" b="1" dirty="0">
+                <a:solidFill>
+                  <a:srgbClr val="0000FF"/>
+                </a:solidFill>
+              </a:rPr>
+              <a:t>store</a:t>
+            </a:r>
+            <a:r>
+              <a:rPr lang="en-US" b="1" dirty="0">
+                <a:solidFill>
+                  <a:srgbClr val="008000"/>
+                </a:solidFill>
+              </a:rPr>
+              <a:t>=</a:t>
+            </a:r>
+            <a:r>
+              <a:rPr lang="en-US" dirty="0"/>
+              <a:t>{</a:t>
+            </a:r>
+            <a:r>
+              <a:rPr lang="en-US" b="1" i="1" dirty="0">
+                <a:solidFill>
+                  <a:srgbClr val="660E7A"/>
+                </a:solidFill>
+              </a:rPr>
+              <a:t>store</a:t>
+            </a:r>
+            <a:r>
+              <a:rPr lang="en-US" dirty="0"/>
+              <a:t>}&gt;</a:t>
+            </a:r>
+            <a:br>
+              <a:rPr lang="en-US" dirty="0"/>
+            </a:br>
+            <a:r>
+              <a:rPr lang="en-US" dirty="0"/>
+              <a:t>    &lt;</a:t>
+            </a:r>
+            <a:r>
+              <a:rPr lang="en-US" b="1" dirty="0">
+                <a:solidFill>
+                  <a:srgbClr val="000080"/>
+                </a:solidFill>
+              </a:rPr>
+              <a:t>App </a:t>
+            </a:r>
+            <a:r>
+              <a:rPr lang="en-US" dirty="0"/>
+              <a:t>/&gt;</a:t>
+            </a:r>
+            <a:br>
+              <a:rPr lang="en-US" dirty="0"/>
+            </a:br>
+            <a:r>
+              <a:rPr lang="en-US" dirty="0"/>
+              <a:t>  &lt;/</a:t>
+            </a:r>
+            <a:r>
+              <a:rPr lang="en-US" b="1" dirty="0">
+                <a:solidFill>
+                  <a:srgbClr val="000080"/>
+                </a:solidFill>
+              </a:rPr>
+              <a:t>Provider</a:t>
+            </a:r>
+            <a:r>
+              <a:rPr lang="en-US" dirty="0"/>
+              <a:t>&gt;,</a:t>
+            </a:r>
+            <a:br>
+              <a:rPr lang="en-US" dirty="0"/>
+            </a:br>
+            <a:r>
+              <a:rPr lang="en-US" dirty="0"/>
+              <a:t>  </a:t>
+            </a:r>
+            <a:r>
+              <a:rPr lang="en-US" b="1" dirty="0" err="1">
+                <a:solidFill>
+                  <a:srgbClr val="660E7A"/>
+                </a:solidFill>
+              </a:rPr>
+              <a:t>document</a:t>
+            </a:r>
+            <a:r>
+              <a:rPr lang="en-US" dirty="0" err="1"/>
+              <a:t>.</a:t>
+            </a:r>
+            <a:r>
+              <a:rPr lang="en-US" dirty="0" err="1">
+                <a:solidFill>
+                  <a:srgbClr val="7A7A43"/>
+                </a:solidFill>
+              </a:rPr>
+              <a:t>getElementById</a:t>
+            </a:r>
+            <a:r>
+              <a:rPr lang="en-US" dirty="0"/>
+              <a:t>(</a:t>
+            </a:r>
+            <a:r>
+              <a:rPr lang="en-US" b="1" dirty="0">
+                <a:solidFill>
+                  <a:srgbClr val="008000"/>
+                </a:solidFill>
+              </a:rPr>
+              <a:t>'root'</a:t>
+            </a:r>
+            <a:r>
+              <a:rPr lang="en-US" dirty="0"/>
+              <a:t>)</a:t>
+            </a:r>
+            <a:br>
+              <a:rPr lang="en-US" dirty="0"/>
+            </a:br>
+            <a:r>
+              <a:rPr lang="en-US" dirty="0"/>
+              <a:t>);</a:t>
+            </a:r>
+            <a:br>
+              <a:rPr lang="en-US" dirty="0"/>
+            </a:br>
+            <a:endParaRPr lang="en-US" dirty="0" smtClean="0"/>
+          </a:p>
+        </p:txBody>
+      </p:sp>
+      <p:sp>
+        <p:nvSpPr>
+          <p:cNvPr id="3" name="Title 2"/>
+          <p:cNvSpPr>
+            <a:spLocks noGrp="1"/>
+          </p:cNvSpPr>
+          <p:nvPr>
+            <p:ph type="title"/>
+          </p:nvPr>
+        </p:nvSpPr>
+        <p:spPr/>
+        <p:txBody>
+          <a:bodyPr/>
+          <a:lstStyle/>
+          <a:p>
+            <a:r>
+              <a:rPr lang="en-US" dirty="0" smtClean="0"/>
+              <a:t>Configuring Redux </a:t>
             </a:r>
             <a:r>
               <a:rPr lang="mr-IN" dirty="0" smtClean="0"/>
@@ -15465,7 +15841,338 @@
 </p:sld>
 </file>
 
-<file path=ppt/slides/slide19.xml><?xml version="1.0" encoding="utf-8"?>
+<file path=ppt/slides/slide2.xml><?xml version="1.0" encoding="utf-8"?>
+<p:sld xmlns:a="http://schemas.openxmlformats.org/drawingml/2006/main" xmlns:r="http://schemas.openxmlformats.org/officeDocument/2006/relationships" xmlns:p="http://schemas.openxmlformats.org/presentationml/2006/main">
+  <p:cSld>
+    <p:spTree>
+      <p:nvGrpSpPr>
+        <p:cNvPr id="1" name=""/>
+        <p:cNvGrpSpPr/>
+        <p:nvPr/>
+      </p:nvGrpSpPr>
+      <p:grpSpPr>
+        <a:xfrm>
+          <a:off x="0" y="0"/>
+          <a:ext cx="0" cy="0"/>
+          <a:chOff x="0" y="0"/>
+          <a:chExt cx="0" cy="0"/>
+        </a:xfrm>
+      </p:grpSpPr>
+      <p:sp>
+        <p:nvSpPr>
+          <p:cNvPr id="2" name="Text Placeholder 1"/>
+          <p:cNvSpPr>
+            <a:spLocks noGrp="1"/>
+          </p:cNvSpPr>
+          <p:nvPr>
+            <p:ph type="body" sz="quarter" idx="12"/>
+          </p:nvPr>
+        </p:nvSpPr>
+        <p:spPr/>
+        <p:txBody>
+          <a:bodyPr/>
+          <a:lstStyle/>
+          <a:p>
+            <a:pPr marL="342900" indent="-342900">
+              <a:buFont typeface="Arial" charset="0"/>
+              <a:buChar char="•"/>
+            </a:pPr>
+            <a:r>
+              <a:rPr lang="en-US" dirty="0" smtClean="0">
+                <a:solidFill>
+                  <a:srgbClr val="FF0000"/>
+                </a:solidFill>
+              </a:rPr>
+              <a:t>Redux</a:t>
+            </a:r>
+          </a:p>
+          <a:p>
+            <a:pPr marL="631825" lvl="1" indent="-342900">
+              <a:buFont typeface="Arial" charset="0"/>
+              <a:buChar char="•"/>
+            </a:pPr>
+            <a:r>
+              <a:rPr lang="en-US" dirty="0" smtClean="0"/>
+              <a:t>Allows shared </a:t>
+            </a:r>
+            <a:r>
+              <a:rPr lang="en-US" dirty="0" smtClean="0">
+                <a:solidFill>
+                  <a:srgbClr val="FF0000"/>
+                </a:solidFill>
+              </a:rPr>
+              <a:t>STATE</a:t>
+            </a:r>
+            <a:r>
+              <a:rPr lang="en-US" dirty="0" smtClean="0"/>
+              <a:t> between independent components</a:t>
+            </a:r>
+          </a:p>
+          <a:p>
+            <a:pPr marL="917575" lvl="2" indent="-342900">
+              <a:buFont typeface="Arial" charset="0"/>
+              <a:buChar char="•"/>
+            </a:pPr>
+            <a:r>
+              <a:rPr lang="en-US" dirty="0" smtClean="0"/>
+              <a:t>Alternative </a:t>
+            </a:r>
+            <a:r>
+              <a:rPr lang="mr-IN" dirty="0" smtClean="0"/>
+              <a:t>–</a:t>
+            </a:r>
+            <a:r>
+              <a:rPr lang="en-US" dirty="0" smtClean="0"/>
+              <a:t> pass parts of state down to unrelated components</a:t>
+            </a:r>
+          </a:p>
+          <a:p>
+            <a:pPr marL="631825" lvl="1" indent="-342900">
+              <a:buFont typeface="Arial" charset="0"/>
+              <a:buChar char="•"/>
+            </a:pPr>
+            <a:r>
+              <a:rPr lang="en-US" dirty="0" smtClean="0"/>
+              <a:t>Provides a </a:t>
+            </a:r>
+            <a:r>
+              <a:rPr lang="en-US" dirty="0" smtClean="0">
+                <a:solidFill>
+                  <a:srgbClr val="FF0000"/>
+                </a:solidFill>
+              </a:rPr>
+              <a:t>single</a:t>
+            </a:r>
+            <a:r>
+              <a:rPr lang="en-US" dirty="0" smtClean="0"/>
+              <a:t> </a:t>
+            </a:r>
+            <a:r>
+              <a:rPr lang="en-US" dirty="0" smtClean="0">
+                <a:solidFill>
+                  <a:srgbClr val="FF0000"/>
+                </a:solidFill>
+              </a:rPr>
+              <a:t>STATE</a:t>
+            </a:r>
+            <a:r>
+              <a:rPr lang="en-US" dirty="0" smtClean="0"/>
+              <a:t> for the entire app</a:t>
+            </a:r>
+          </a:p>
+          <a:p>
+            <a:pPr marL="631825" lvl="1" indent="-342900">
+              <a:buFont typeface="Arial" charset="0"/>
+              <a:buChar char="•"/>
+            </a:pPr>
+            <a:r>
+              <a:rPr lang="en-US" dirty="0" smtClean="0"/>
+              <a:t>Provides a Command Pattern interface (with </a:t>
+            </a:r>
+            <a:r>
+              <a:rPr lang="en-US" dirty="0" smtClean="0">
+                <a:solidFill>
+                  <a:srgbClr val="FF0000"/>
+                </a:solidFill>
+              </a:rPr>
+              <a:t>Actions</a:t>
+            </a:r>
+            <a:r>
+              <a:rPr lang="en-US" dirty="0" smtClean="0"/>
+              <a:t>)</a:t>
+            </a:r>
+          </a:p>
+          <a:p>
+            <a:pPr marL="917575" lvl="2" indent="-342900">
+              <a:buFont typeface="Arial" charset="0"/>
+              <a:buChar char="•"/>
+            </a:pPr>
+            <a:r>
+              <a:rPr lang="en-US" dirty="0" smtClean="0"/>
+              <a:t>Like Do / Undo / Redo implementations</a:t>
+            </a:r>
+          </a:p>
+          <a:p>
+            <a:pPr marL="631825" lvl="1" indent="-342900">
+              <a:buFont typeface="Arial" charset="0"/>
+              <a:buChar char="•"/>
+            </a:pPr>
+            <a:r>
+              <a:rPr lang="en-US" dirty="0" smtClean="0"/>
+              <a:t>Provides a standard way to modify the STATE</a:t>
+            </a:r>
+          </a:p>
+          <a:p>
+            <a:pPr marL="917575" lvl="2" indent="-342900">
+              <a:buFont typeface="Arial" charset="0"/>
+              <a:buChar char="•"/>
+            </a:pPr>
+            <a:r>
+              <a:rPr lang="en-US" dirty="0"/>
+              <a:t> </a:t>
+            </a:r>
+            <a:r>
+              <a:rPr lang="en-US" dirty="0" smtClean="0">
+                <a:solidFill>
+                  <a:srgbClr val="FF0000"/>
+                </a:solidFill>
+              </a:rPr>
+              <a:t>dispatch()</a:t>
+            </a:r>
+            <a:r>
+              <a:rPr lang="en-US" dirty="0" smtClean="0"/>
+              <a:t> method </a:t>
+            </a:r>
+            <a:r>
+              <a:rPr lang="en-US" dirty="0" smtClean="0">
+                <a:sym typeface="Wingdings"/>
+              </a:rPr>
+              <a:t> dispatches the commands (</a:t>
+            </a:r>
+            <a:r>
+              <a:rPr lang="en-US" dirty="0" smtClean="0">
+                <a:solidFill>
+                  <a:srgbClr val="FF0000"/>
+                </a:solidFill>
+                <a:sym typeface="Wingdings"/>
+              </a:rPr>
+              <a:t>Actions</a:t>
+            </a:r>
+            <a:r>
+              <a:rPr lang="en-US" dirty="0" smtClean="0">
+                <a:sym typeface="Wingdings"/>
+              </a:rPr>
+              <a:t>)</a:t>
+            </a:r>
+          </a:p>
+          <a:p>
+            <a:pPr marL="631825" lvl="1" indent="-342900">
+              <a:buFont typeface="Arial" charset="0"/>
+              <a:buChar char="•"/>
+            </a:pPr>
+            <a:r>
+              <a:rPr lang="en-US" dirty="0" smtClean="0">
+                <a:sym typeface="Wingdings"/>
+              </a:rPr>
+              <a:t>Provides a standard way to CREATE CONTAINERS</a:t>
+            </a:r>
+          </a:p>
+          <a:p>
+            <a:pPr marL="917575" lvl="2" indent="-342900">
+              <a:buFont typeface="Arial" charset="0"/>
+              <a:buChar char="•"/>
+            </a:pPr>
+            <a:r>
+              <a:rPr lang="en-US" dirty="0">
+                <a:sym typeface="Wingdings"/>
+              </a:rPr>
+              <a:t> </a:t>
+            </a:r>
+            <a:r>
+              <a:rPr lang="en-US" dirty="0" smtClean="0">
+                <a:solidFill>
+                  <a:srgbClr val="FF0000"/>
+                </a:solidFill>
+                <a:sym typeface="Wingdings"/>
+              </a:rPr>
+              <a:t>props</a:t>
+            </a:r>
+            <a:r>
+              <a:rPr lang="en-US" dirty="0" smtClean="0">
+                <a:sym typeface="Wingdings"/>
+              </a:rPr>
+              <a:t> are a subset of single STATE </a:t>
+            </a:r>
+          </a:p>
+          <a:p>
+            <a:pPr marL="917575" lvl="2" indent="-342900">
+              <a:buFont typeface="Arial" charset="0"/>
+              <a:buChar char="•"/>
+            </a:pPr>
+            <a:r>
+              <a:rPr lang="en-US" dirty="0" smtClean="0">
+                <a:sym typeface="Wingdings"/>
+              </a:rPr>
+              <a:t>Callbacks are wrappers around </a:t>
+            </a:r>
+            <a:r>
+              <a:rPr lang="en-US" dirty="0" smtClean="0">
+                <a:solidFill>
+                  <a:srgbClr val="FF0000"/>
+                </a:solidFill>
+                <a:sym typeface="Wingdings"/>
+              </a:rPr>
+              <a:t>dispatch()</a:t>
+            </a:r>
+            <a:r>
+              <a:rPr lang="en-US" dirty="0" smtClean="0">
+                <a:sym typeface="Wingdings"/>
+              </a:rPr>
+              <a:t> of Actions</a:t>
+            </a:r>
+            <a:endParaRPr lang="en-US" dirty="0" smtClean="0"/>
+          </a:p>
+          <a:p>
+            <a:pPr marL="631825" lvl="1" indent="-342900">
+              <a:buFont typeface="Arial" charset="0"/>
+              <a:buChar char="•"/>
+            </a:pPr>
+            <a:endParaRPr lang="en-US" dirty="0" smtClean="0"/>
+          </a:p>
+        </p:txBody>
+      </p:sp>
+      <p:sp>
+        <p:nvSpPr>
+          <p:cNvPr id="3" name="Title 2"/>
+          <p:cNvSpPr>
+            <a:spLocks noGrp="1"/>
+          </p:cNvSpPr>
+          <p:nvPr>
+            <p:ph type="title"/>
+          </p:nvPr>
+        </p:nvSpPr>
+        <p:spPr/>
+        <p:txBody>
+          <a:bodyPr/>
+          <a:lstStyle/>
+          <a:p>
+            <a:r>
+              <a:rPr lang="en-US" dirty="0" smtClean="0"/>
+              <a:t>Overview</a:t>
+            </a:r>
+            <a:endParaRPr lang="en-US" dirty="0"/>
+          </a:p>
+        </p:txBody>
+      </p:sp>
+    </p:spTree>
+    <p:extLst>
+      <p:ext uri="{BB962C8B-B14F-4D97-AF65-F5344CB8AC3E}">
+        <p14:creationId xmlns:p14="http://schemas.microsoft.com/office/powerpoint/2010/main" val="1263611602"/>
+      </p:ext>
+    </p:extLst>
+  </p:cSld>
+  <p:clrMapOvr>
+    <a:masterClrMapping/>
+  </p:clrMapOvr>
+  <mc:AlternateContent xmlns:mc="http://schemas.openxmlformats.org/markup-compatibility/2006" xmlns:p14="http://schemas.microsoft.com/office/powerpoint/2010/main">
+    <mc:Choice Requires="p14">
+      <p:transition p14:dur="0"/>
+    </mc:Choice>
+    <mc:Fallback xmlns="">
+      <p:transition/>
+    </mc:Fallback>
+  </mc:AlternateContent>
+  <p:timing>
+    <p:tnLst>
+      <p:par>
+        <p:cTn id="1" dur="indefinite" restart="never" nodeType="tmRoot"/>
+      </p:par>
+    </p:tnLst>
+  </p:timing>
+</p:sld>
+</file>
+
+<file path=ppt/slides/slide20.xml><?xml version="1.0" encoding="utf-8"?>
 <p:sld xmlns:a="http://schemas.openxmlformats.org/drawingml/2006/main" xmlns:r="http://schemas.openxmlformats.org/officeDocument/2006/relationships" xmlns:p="http://schemas.openxmlformats.org/presentationml/2006/main">
   <p:cSld>
     <p:spTree>
@@ -15752,7 +16459,11 @@
           <a:p>
             <a:r>
               <a:rPr lang="en-US" dirty="0" smtClean="0"/>
-              <a:t>Configure the Store </a:t>
+              <a:t>Configure </a:t>
+            </a:r>
+            <a:r>
+              <a:rPr lang="en-US" dirty="0" smtClean="0"/>
+              <a:t>Redux </a:t>
             </a:r>
             <a:r>
               <a:rPr lang="mr-IN" dirty="0" smtClean="0"/>
@@ -15760,7 +16471,11 @@
             </a:r>
             <a:r>
               <a:rPr lang="en-US" dirty="0" smtClean="0"/>
-              <a:t> Multiple Reducers</a:t>
+              <a:t> </a:t>
+            </a:r>
+            <a:r>
+              <a:rPr lang="en-US" dirty="0" smtClean="0"/>
+              <a:t>Multiple Reducers</a:t>
             </a:r>
             <a:endParaRPr lang="en-US" dirty="0"/>
           </a:p>
@@ -16049,538 +16764,6 @@
 </p:sld>
 </file>
 
-<file path=ppt/slides/slide2.xml><?xml version="1.0" encoding="utf-8"?>
-<p:sld xmlns:a="http://schemas.openxmlformats.org/drawingml/2006/main" xmlns:r="http://schemas.openxmlformats.org/officeDocument/2006/relationships" xmlns:p="http://schemas.openxmlformats.org/presentationml/2006/main">
-  <p:cSld>
-    <p:spTree>
-      <p:nvGrpSpPr>
-        <p:cNvPr id="1" name=""/>
-        <p:cNvGrpSpPr/>
-        <p:nvPr/>
-      </p:nvGrpSpPr>
-      <p:grpSpPr>
-        <a:xfrm>
-          <a:off x="0" y="0"/>
-          <a:ext cx="0" cy="0"/>
-          <a:chOff x="0" y="0"/>
-          <a:chExt cx="0" cy="0"/>
-        </a:xfrm>
-      </p:grpSpPr>
-      <p:sp>
-        <p:nvSpPr>
-          <p:cNvPr id="2" name="Text Placeholder 1"/>
-          <p:cNvSpPr>
-            <a:spLocks noGrp="1"/>
-          </p:cNvSpPr>
-          <p:nvPr>
-            <p:ph type="body" sz="quarter" idx="12"/>
-          </p:nvPr>
-        </p:nvSpPr>
-        <p:spPr/>
-        <p:txBody>
-          <a:bodyPr/>
-          <a:lstStyle/>
-          <a:p>
-            <a:pPr marL="342900" indent="-342900">
-              <a:buFont typeface="Arial" charset="0"/>
-              <a:buChar char="•"/>
-            </a:pPr>
-            <a:r>
-              <a:rPr lang="en-US" dirty="0" smtClean="0">
-                <a:solidFill>
-                  <a:srgbClr val="FF0000"/>
-                </a:solidFill>
-              </a:rPr>
-              <a:t>Redux</a:t>
-            </a:r>
-          </a:p>
-          <a:p>
-            <a:pPr marL="631825" lvl="1" indent="-342900">
-              <a:buFont typeface="Arial" charset="0"/>
-              <a:buChar char="•"/>
-            </a:pPr>
-            <a:r>
-              <a:rPr lang="en-US" dirty="0" smtClean="0"/>
-              <a:t>Allows shared </a:t>
-            </a:r>
-            <a:r>
-              <a:rPr lang="en-US" dirty="0" smtClean="0">
-                <a:solidFill>
-                  <a:srgbClr val="FF0000"/>
-                </a:solidFill>
-              </a:rPr>
-              <a:t>STATE</a:t>
-            </a:r>
-            <a:r>
-              <a:rPr lang="en-US" dirty="0" smtClean="0"/>
-              <a:t> between independent components</a:t>
-            </a:r>
-          </a:p>
-          <a:p>
-            <a:pPr marL="917575" lvl="2" indent="-342900">
-              <a:buFont typeface="Arial" charset="0"/>
-              <a:buChar char="•"/>
-            </a:pPr>
-            <a:r>
-              <a:rPr lang="en-US" dirty="0" smtClean="0"/>
-              <a:t>Alternative </a:t>
-            </a:r>
-            <a:r>
-              <a:rPr lang="mr-IN" dirty="0" smtClean="0"/>
-              <a:t>–</a:t>
-            </a:r>
-            <a:r>
-              <a:rPr lang="en-US" dirty="0" smtClean="0"/>
-              <a:t> pass parts of state down to unrelated components</a:t>
-            </a:r>
-          </a:p>
-          <a:p>
-            <a:pPr marL="631825" lvl="1" indent="-342900">
-              <a:buFont typeface="Arial" charset="0"/>
-              <a:buChar char="•"/>
-            </a:pPr>
-            <a:r>
-              <a:rPr lang="en-US" dirty="0" smtClean="0"/>
-              <a:t>Provides a </a:t>
-            </a:r>
-            <a:r>
-              <a:rPr lang="en-US" dirty="0" smtClean="0">
-                <a:solidFill>
-                  <a:srgbClr val="FF0000"/>
-                </a:solidFill>
-              </a:rPr>
-              <a:t>single</a:t>
-            </a:r>
-            <a:r>
-              <a:rPr lang="en-US" dirty="0" smtClean="0"/>
-              <a:t> </a:t>
-            </a:r>
-            <a:r>
-              <a:rPr lang="en-US" dirty="0" smtClean="0">
-                <a:solidFill>
-                  <a:srgbClr val="FF0000"/>
-                </a:solidFill>
-              </a:rPr>
-              <a:t>STATE</a:t>
-            </a:r>
-            <a:r>
-              <a:rPr lang="en-US" dirty="0" smtClean="0"/>
-              <a:t> for the entire app</a:t>
-            </a:r>
-          </a:p>
-          <a:p>
-            <a:pPr marL="631825" lvl="1" indent="-342900">
-              <a:buFont typeface="Arial" charset="0"/>
-              <a:buChar char="•"/>
-            </a:pPr>
-            <a:r>
-              <a:rPr lang="en-US" dirty="0" smtClean="0"/>
-              <a:t>Provides a Command Pattern interface (with </a:t>
-            </a:r>
-            <a:r>
-              <a:rPr lang="en-US" dirty="0" smtClean="0">
-                <a:solidFill>
-                  <a:srgbClr val="FF0000"/>
-                </a:solidFill>
-              </a:rPr>
-              <a:t>Actions</a:t>
-            </a:r>
-            <a:r>
-              <a:rPr lang="en-US" dirty="0" smtClean="0"/>
-              <a:t>)</a:t>
-            </a:r>
-          </a:p>
-          <a:p>
-            <a:pPr marL="917575" lvl="2" indent="-342900">
-              <a:buFont typeface="Arial" charset="0"/>
-              <a:buChar char="•"/>
-            </a:pPr>
-            <a:r>
-              <a:rPr lang="en-US" dirty="0" smtClean="0"/>
-              <a:t>Like Do / Undo / Redo implementations</a:t>
-            </a:r>
-          </a:p>
-          <a:p>
-            <a:pPr marL="631825" lvl="1" indent="-342900">
-              <a:buFont typeface="Arial" charset="0"/>
-              <a:buChar char="•"/>
-            </a:pPr>
-            <a:r>
-              <a:rPr lang="en-US" dirty="0" smtClean="0"/>
-              <a:t>Provides a standard way to modify the STATE</a:t>
-            </a:r>
-          </a:p>
-          <a:p>
-            <a:pPr marL="917575" lvl="2" indent="-342900">
-              <a:buFont typeface="Arial" charset="0"/>
-              <a:buChar char="•"/>
-            </a:pPr>
-            <a:r>
-              <a:rPr lang="en-US" dirty="0"/>
-              <a:t> </a:t>
-            </a:r>
-            <a:r>
-              <a:rPr lang="en-US" dirty="0" smtClean="0">
-                <a:solidFill>
-                  <a:srgbClr val="FF0000"/>
-                </a:solidFill>
-              </a:rPr>
-              <a:t>dispatch()</a:t>
-            </a:r>
-            <a:r>
-              <a:rPr lang="en-US" dirty="0" smtClean="0"/>
-              <a:t> method </a:t>
-            </a:r>
-            <a:r>
-              <a:rPr lang="en-US" dirty="0" smtClean="0">
-                <a:sym typeface="Wingdings"/>
-              </a:rPr>
-              <a:t> dispatches the commands (</a:t>
-            </a:r>
-            <a:r>
-              <a:rPr lang="en-US" dirty="0" smtClean="0">
-                <a:solidFill>
-                  <a:srgbClr val="FF0000"/>
-                </a:solidFill>
-                <a:sym typeface="Wingdings"/>
-              </a:rPr>
-              <a:t>Actions</a:t>
-            </a:r>
-            <a:r>
-              <a:rPr lang="en-US" dirty="0" smtClean="0">
-                <a:sym typeface="Wingdings"/>
-              </a:rPr>
-              <a:t>)</a:t>
-            </a:r>
-          </a:p>
-          <a:p>
-            <a:pPr marL="631825" lvl="1" indent="-342900">
-              <a:buFont typeface="Arial" charset="0"/>
-              <a:buChar char="•"/>
-            </a:pPr>
-            <a:r>
-              <a:rPr lang="en-US" dirty="0" smtClean="0">
-                <a:sym typeface="Wingdings"/>
-              </a:rPr>
-              <a:t>Provides a standard way to CREATE CONTAINERS</a:t>
-            </a:r>
-          </a:p>
-          <a:p>
-            <a:pPr marL="917575" lvl="2" indent="-342900">
-              <a:buFont typeface="Arial" charset="0"/>
-              <a:buChar char="•"/>
-            </a:pPr>
-            <a:r>
-              <a:rPr lang="en-US" dirty="0">
-                <a:sym typeface="Wingdings"/>
-              </a:rPr>
-              <a:t> </a:t>
-            </a:r>
-            <a:r>
-              <a:rPr lang="en-US" dirty="0" smtClean="0">
-                <a:solidFill>
-                  <a:srgbClr val="FF0000"/>
-                </a:solidFill>
-                <a:sym typeface="Wingdings"/>
-              </a:rPr>
-              <a:t>props</a:t>
-            </a:r>
-            <a:r>
-              <a:rPr lang="en-US" dirty="0" smtClean="0">
-                <a:sym typeface="Wingdings"/>
-              </a:rPr>
-              <a:t> are a subset of single STATE </a:t>
-            </a:r>
-          </a:p>
-          <a:p>
-            <a:pPr marL="917575" lvl="2" indent="-342900">
-              <a:buFont typeface="Arial" charset="0"/>
-              <a:buChar char="•"/>
-            </a:pPr>
-            <a:r>
-              <a:rPr lang="en-US" dirty="0" smtClean="0">
-                <a:sym typeface="Wingdings"/>
-              </a:rPr>
-              <a:t>Callbacks are wrappers around </a:t>
-            </a:r>
-            <a:r>
-              <a:rPr lang="en-US" dirty="0" smtClean="0">
-                <a:solidFill>
-                  <a:srgbClr val="FF0000"/>
-                </a:solidFill>
-                <a:sym typeface="Wingdings"/>
-              </a:rPr>
-              <a:t>dispatch()</a:t>
-            </a:r>
-            <a:r>
-              <a:rPr lang="en-US" dirty="0" smtClean="0">
-                <a:sym typeface="Wingdings"/>
-              </a:rPr>
-              <a:t> of Actions</a:t>
-            </a:r>
-            <a:endParaRPr lang="en-US" dirty="0" smtClean="0"/>
-          </a:p>
-          <a:p>
-            <a:pPr marL="631825" lvl="1" indent="-342900">
-              <a:buFont typeface="Arial" charset="0"/>
-              <a:buChar char="•"/>
-            </a:pPr>
-            <a:endParaRPr lang="en-US" dirty="0" smtClean="0"/>
-          </a:p>
-        </p:txBody>
-      </p:sp>
-      <p:sp>
-        <p:nvSpPr>
-          <p:cNvPr id="3" name="Title 2"/>
-          <p:cNvSpPr>
-            <a:spLocks noGrp="1"/>
-          </p:cNvSpPr>
-          <p:nvPr>
-            <p:ph type="title"/>
-          </p:nvPr>
-        </p:nvSpPr>
-        <p:spPr/>
-        <p:txBody>
-          <a:bodyPr/>
-          <a:lstStyle/>
-          <a:p>
-            <a:r>
-              <a:rPr lang="en-US" dirty="0" smtClean="0"/>
-              <a:t>Overview</a:t>
-            </a:r>
-            <a:endParaRPr lang="en-US" dirty="0"/>
-          </a:p>
-        </p:txBody>
-      </p:sp>
-    </p:spTree>
-    <p:extLst>
-      <p:ext uri="{BB962C8B-B14F-4D97-AF65-F5344CB8AC3E}">
-        <p14:creationId xmlns:p14="http://schemas.microsoft.com/office/powerpoint/2010/main" val="1263611602"/>
-      </p:ext>
-    </p:extLst>
-  </p:cSld>
-  <p:clrMapOvr>
-    <a:masterClrMapping/>
-  </p:clrMapOvr>
-  <mc:AlternateContent xmlns:mc="http://schemas.openxmlformats.org/markup-compatibility/2006" xmlns:p14="http://schemas.microsoft.com/office/powerpoint/2010/main">
-    <mc:Choice Requires="p14">
-      <p:transition p14:dur="0"/>
-    </mc:Choice>
-    <mc:Fallback xmlns="">
-      <p:transition/>
-    </mc:Fallback>
-  </mc:AlternateContent>
-  <p:timing>
-    <p:tnLst>
-      <p:par>
-        <p:cTn id="1" dur="indefinite" restart="never" nodeType="tmRoot"/>
-      </p:par>
-    </p:tnLst>
-  </p:timing>
-</p:sld>
-</file>
-
-<file path=ppt/slides/slide20.xml><?xml version="1.0" encoding="utf-8"?>
-<p:sld xmlns:a="http://schemas.openxmlformats.org/drawingml/2006/main" xmlns:r="http://schemas.openxmlformats.org/officeDocument/2006/relationships" xmlns:p="http://schemas.openxmlformats.org/presentationml/2006/main">
-  <p:cSld>
-    <p:spTree>
-      <p:nvGrpSpPr>
-        <p:cNvPr id="1" name=""/>
-        <p:cNvGrpSpPr/>
-        <p:nvPr/>
-      </p:nvGrpSpPr>
-      <p:grpSpPr>
-        <a:xfrm>
-          <a:off x="0" y="0"/>
-          <a:ext cx="0" cy="0"/>
-          <a:chOff x="0" y="0"/>
-          <a:chExt cx="0" cy="0"/>
-        </a:xfrm>
-      </p:grpSpPr>
-      <p:sp>
-        <p:nvSpPr>
-          <p:cNvPr id="2" name="Text Placeholder 1"/>
-          <p:cNvSpPr>
-            <a:spLocks noGrp="1"/>
-          </p:cNvSpPr>
-          <p:nvPr>
-            <p:ph type="body" sz="quarter" idx="12"/>
-          </p:nvPr>
-        </p:nvSpPr>
-        <p:spPr/>
-        <p:txBody>
-          <a:bodyPr/>
-          <a:lstStyle/>
-          <a:p>
-            <a:pPr marL="342900" indent="-342900">
-              <a:buFont typeface="Arial" charset="0"/>
-              <a:buChar char="•"/>
-            </a:pPr>
-            <a:r>
-              <a:rPr lang="en-US" dirty="0" smtClean="0"/>
-              <a:t>The store contains the state of the application</a:t>
-            </a:r>
-          </a:p>
-          <a:p>
-            <a:pPr marL="342900" indent="-342900">
-              <a:buFont typeface="Arial" charset="0"/>
-              <a:buChar char="•"/>
-            </a:pPr>
-            <a:r>
-              <a:rPr lang="en-US" dirty="0" smtClean="0"/>
-              <a:t>All it does is </a:t>
-            </a:r>
-            <a:r>
-              <a:rPr lang="en-US" dirty="0" smtClean="0">
-                <a:solidFill>
-                  <a:srgbClr val="FF0000"/>
-                </a:solidFill>
-              </a:rPr>
-              <a:t>CALL THE REDUCERS</a:t>
-            </a:r>
-          </a:p>
-          <a:p>
-            <a:pPr marL="631825" lvl="1" indent="-342900">
-              <a:buFont typeface="Arial" charset="0"/>
-              <a:buChar char="•"/>
-            </a:pPr>
-            <a:r>
-              <a:rPr lang="en-US" dirty="0" smtClean="0"/>
-              <a:t>Reducer changes the </a:t>
-            </a:r>
-            <a:r>
-              <a:rPr lang="en-US" dirty="0" smtClean="0">
-                <a:solidFill>
-                  <a:srgbClr val="FF0000"/>
-                </a:solidFill>
-              </a:rPr>
-              <a:t>STATE </a:t>
-            </a:r>
-          </a:p>
-          <a:p>
-            <a:pPr marL="342900" indent="-342900">
-              <a:buFont typeface="Arial" charset="0"/>
-              <a:buChar char="•"/>
-            </a:pPr>
-            <a:r>
-              <a:rPr lang="en-US" dirty="0" smtClean="0"/>
-              <a:t>Can register listeners </a:t>
-            </a:r>
-          </a:p>
-          <a:p>
-            <a:pPr marL="342900" indent="-342900">
-              <a:buFont typeface="Arial" charset="0"/>
-              <a:buChar char="•"/>
-            </a:pPr>
-            <a:r>
-              <a:rPr lang="en-US" dirty="0" smtClean="0"/>
-              <a:t>Only </a:t>
-            </a:r>
-            <a:r>
-              <a:rPr lang="en-US" dirty="0" smtClean="0">
-                <a:solidFill>
-                  <a:srgbClr val="FF0000"/>
-                </a:solidFill>
-              </a:rPr>
-              <a:t>ONE</a:t>
-            </a:r>
-            <a:r>
-              <a:rPr lang="en-US" dirty="0" smtClean="0"/>
-              <a:t> store in a Redux application</a:t>
-            </a:r>
-          </a:p>
-          <a:p>
-            <a:pPr marL="631825" lvl="1" indent="-342900">
-              <a:buFont typeface="Arial" charset="0"/>
-              <a:buChar char="•"/>
-            </a:pPr>
-            <a:r>
-              <a:rPr lang="en-US" dirty="0" smtClean="0"/>
-              <a:t>Contains the entire application state</a:t>
-            </a:r>
-          </a:p>
-          <a:p>
-            <a:pPr marL="631825" lvl="1" indent="-342900">
-              <a:buFont typeface="Arial" charset="0"/>
-              <a:buChar char="•"/>
-            </a:pPr>
-            <a:r>
-              <a:rPr lang="en-US" dirty="0" smtClean="0"/>
-              <a:t>Change the </a:t>
-            </a:r>
-            <a:r>
-              <a:rPr lang="en-US" dirty="0" smtClean="0">
-                <a:solidFill>
-                  <a:srgbClr val="FF0000"/>
-                </a:solidFill>
-              </a:rPr>
-              <a:t>STATE</a:t>
-            </a:r>
-            <a:r>
-              <a:rPr lang="en-US" dirty="0" smtClean="0"/>
-              <a:t> using the REDUCER pattern</a:t>
-            </a:r>
-          </a:p>
-          <a:p>
-            <a:pPr marL="631825" lvl="1" indent="-342900">
-              <a:buFont typeface="Arial" charset="0"/>
-              <a:buChar char="•"/>
-            </a:pPr>
-            <a:endParaRPr lang="en-US" dirty="0" smtClean="0"/>
-          </a:p>
-        </p:txBody>
-      </p:sp>
-      <p:sp>
-        <p:nvSpPr>
-          <p:cNvPr id="3" name="Title 2"/>
-          <p:cNvSpPr>
-            <a:spLocks noGrp="1"/>
-          </p:cNvSpPr>
-          <p:nvPr>
-            <p:ph type="title"/>
-          </p:nvPr>
-        </p:nvSpPr>
-        <p:spPr/>
-        <p:txBody>
-          <a:bodyPr/>
-          <a:lstStyle/>
-          <a:p>
-            <a:r>
-              <a:rPr lang="en-US" dirty="0" smtClean="0"/>
-              <a:t>Store</a:t>
-            </a:r>
-            <a:endParaRPr lang="en-US" dirty="0"/>
-          </a:p>
-        </p:txBody>
-      </p:sp>
-    </p:spTree>
-    <p:extLst>
-      <p:ext uri="{BB962C8B-B14F-4D97-AF65-F5344CB8AC3E}">
-        <p14:creationId xmlns:p14="http://schemas.microsoft.com/office/powerpoint/2010/main" val="1893326752"/>
-      </p:ext>
-    </p:extLst>
-  </p:cSld>
-  <p:clrMapOvr>
-    <a:masterClrMapping/>
-  </p:clrMapOvr>
-  <mc:AlternateContent xmlns:mc="http://schemas.openxmlformats.org/markup-compatibility/2006" xmlns:p14="http://schemas.microsoft.com/office/powerpoint/2010/main">
-    <mc:Choice Requires="p14">
-      <p:transition p14:dur="0"/>
-    </mc:Choice>
-    <mc:Fallback xmlns="">
-      <p:transition/>
-    </mc:Fallback>
-  </mc:AlternateContent>
-  <p:timing>
-    <p:tnLst>
-      <p:par>
-        <p:cTn id="1" dur="indefinite" restart="never" nodeType="tmRoot"/>
-      </p:par>
-    </p:tnLst>
-  </p:timing>
-</p:sld>
-</file>
-
 <file path=ppt/slides/slide21.xml><?xml version="1.0" encoding="utf-8"?>
 <p:sld xmlns:a="http://schemas.openxmlformats.org/drawingml/2006/main" xmlns:r="http://schemas.openxmlformats.org/officeDocument/2006/relationships" xmlns:p="http://schemas.openxmlformats.org/presentationml/2006/main">
   <p:cSld>
@@ -16619,7 +16802,25 @@
             </a:pPr>
             <a:r>
               <a:rPr lang="en-US" dirty="0" smtClean="0"/>
-              <a:t>Test Questions</a:t>
+              <a:t>The store contains the state of the application</a:t>
+            </a:r>
+          </a:p>
+          <a:p>
+            <a:pPr marL="342900" indent="-342900">
+              <a:buFont typeface="Arial" charset="0"/>
+              <a:buChar char="•"/>
+            </a:pPr>
+            <a:r>
+              <a:rPr lang="en-US" dirty="0" smtClean="0"/>
+              <a:t>All it does is </a:t>
+            </a:r>
+            <a:r>
+              <a:rPr lang="en-US" dirty="0" smtClean="0">
+                <a:solidFill>
+                  <a:srgbClr val="FF0000"/>
+                </a:solidFill>
+              </a:rPr>
+              <a:t>CALL THE REDUCERS</a:t>
             </a:r>
           </a:p>
           <a:p>
@@ -16628,14 +16829,49 @@
               <a:buChar char="•"/>
             </a:pPr>
             <a:r>
-              <a:rPr lang="en-US" dirty="0"/>
-              <a:t>How many copies of the STATE are there</a:t>
-            </a:r>
-            <a:r>
-              <a:rPr lang="en-US" dirty="0" smtClean="0"/>
-              <a:t>?</a:t>
-            </a:r>
-            <a:endParaRPr lang="en-US" dirty="0"/>
+              <a:rPr lang="en-US" dirty="0" smtClean="0"/>
+              <a:t>Reducer changes the </a:t>
+            </a:r>
+            <a:r>
+              <a:rPr lang="en-US" dirty="0" smtClean="0">
+                <a:solidFill>
+                  <a:srgbClr val="FF0000"/>
+                </a:solidFill>
+              </a:rPr>
+              <a:t>STATE </a:t>
+            </a:r>
+          </a:p>
+          <a:p>
+            <a:pPr marL="342900" indent="-342900">
+              <a:buFont typeface="Arial" charset="0"/>
+              <a:buChar char="•"/>
+            </a:pPr>
+            <a:r>
+              <a:rPr lang="en-US" dirty="0" smtClean="0"/>
+              <a:t>Can register listeners </a:t>
+            </a:r>
+          </a:p>
+          <a:p>
+            <a:pPr marL="342900" indent="-342900">
+              <a:buFont typeface="Arial" charset="0"/>
+              <a:buChar char="•"/>
+            </a:pPr>
+            <a:r>
+              <a:rPr lang="en-US" dirty="0" smtClean="0"/>
+              <a:t>Only </a:t>
+            </a:r>
+            <a:r>
+              <a:rPr lang="en-US" dirty="0" smtClean="0">
+                <a:solidFill>
+                  <a:srgbClr val="FF0000"/>
+                </a:solidFill>
+              </a:rPr>
+              <a:t>ONE</a:t>
+            </a:r>
+            <a:r>
+              <a:rPr lang="en-US" dirty="0" smtClean="0"/>
+              <a:t> store in a Redux application</a:t>
+            </a:r>
           </a:p>
           <a:p>
             <a:pPr marL="631825" lvl="1" indent="-342900">
@@ -16644,7 +16880,7 @@
             </a:pPr>
             <a:r>
               <a:rPr lang="en-US" dirty="0" smtClean="0"/>
-              <a:t>What does a reducer do?</a:t>
+              <a:t>Contains the entire application state</a:t>
             </a:r>
           </a:p>
           <a:p>
@@ -16654,55 +16890,20 @@
             </a:pPr>
             <a:r>
               <a:rPr lang="en-US" dirty="0" smtClean="0"/>
-              <a:t>What are the parameters to the reducer?</a:t>
-            </a:r>
-          </a:p>
-          <a:p>
-            <a:pPr marL="631825" lvl="1" indent="-342900">
-              <a:buFont typeface="Arial" charset="0"/>
-              <a:buChar char="•"/>
-            </a:pPr>
-            <a:r>
-              <a:rPr lang="en-US" dirty="0" smtClean="0"/>
-              <a:t>What does the reducer return?</a:t>
-            </a:r>
-          </a:p>
-          <a:p>
-            <a:pPr marL="631825" lvl="1" indent="-342900">
-              <a:buFont typeface="Arial" charset="0"/>
-              <a:buChar char="•"/>
-            </a:pPr>
-            <a:r>
-              <a:rPr lang="en-US" dirty="0" smtClean="0"/>
-              <a:t>How do you call the Redux store?</a:t>
-            </a:r>
-          </a:p>
-          <a:p>
-            <a:pPr marL="631825" lvl="1" indent="-342900">
-              <a:buFont typeface="Arial" charset="0"/>
-              <a:buChar char="•"/>
-            </a:pPr>
-            <a:r>
-              <a:rPr lang="en-US" dirty="0" smtClean="0"/>
-              <a:t>What is the parameter to dispatch()?</a:t>
-            </a:r>
-          </a:p>
-          <a:p>
-            <a:pPr marL="631825" lvl="1" indent="-342900">
-              <a:buFont typeface="Arial" charset="0"/>
-              <a:buChar char="•"/>
-            </a:pPr>
-            <a:r>
-              <a:rPr lang="en-US" dirty="0" smtClean="0"/>
-              <a:t>What object is the command?</a:t>
-            </a:r>
-          </a:p>
-          <a:p>
-            <a:pPr marL="631825" lvl="1" indent="-342900">
-              <a:buFont typeface="Arial" charset="0"/>
-              <a:buChar char="•"/>
-            </a:pPr>
-            <a:endParaRPr lang="en-US" dirty="0" smtClean="0"/>
+              <a:t>Change the </a:t>
+            </a:r>
+            <a:r>
+              <a:rPr lang="en-US" dirty="0" smtClean="0">
+                <a:solidFill>
+                  <a:srgbClr val="FF0000"/>
+                </a:solidFill>
+              </a:rPr>
+              <a:t>STATE</a:t>
+            </a:r>
+            <a:r>
+              <a:rPr lang="en-US" dirty="0" smtClean="0"/>
+              <a:t> using the REDUCER pattern</a:t>
+            </a:r>
           </a:p>
           <a:p>
             <a:pPr marL="631825" lvl="1" indent="-342900">
@@ -16730,7 +16931,7 @@
           <a:p>
             <a:r>
               <a:rPr lang="en-US" dirty="0" smtClean="0"/>
-              <a:t>In Summary</a:t>
+              <a:t>Store</a:t>
             </a:r>
             <a:endParaRPr lang="en-US" dirty="0"/>
           </a:p>
@@ -16739,7 +16940,7 @@
     </p:spTree>
     <p:extLst>
       <p:ext uri="{BB962C8B-B14F-4D97-AF65-F5344CB8AC3E}">
-        <p14:creationId xmlns:p14="http://schemas.microsoft.com/office/powerpoint/2010/main" val="427519743"/>
+        <p14:creationId xmlns:p14="http://schemas.microsoft.com/office/powerpoint/2010/main" val="1893326752"/>
       </p:ext>
     </p:extLst>
   </p:cSld>
@@ -16811,23 +17012,14 @@
               <a:buChar char="•"/>
             </a:pPr>
             <a:r>
-              <a:rPr lang="en-US" dirty="0" smtClean="0"/>
-              <a:t>How many copies of the STATE are there? </a:t>
-            </a:r>
-            <a:r>
-              <a:rPr lang="en-US" dirty="0" smtClean="0">
-                <a:solidFill>
-                  <a:srgbClr val="FF0000"/>
-                </a:solidFill>
-                <a:sym typeface="Wingdings"/>
-              </a:rPr>
-              <a:t> ONE</a:t>
-            </a:r>
-            <a:endParaRPr lang="en-US" dirty="0" smtClean="0">
-              <a:solidFill>
-                <a:srgbClr val="FF0000"/>
-              </a:solidFill>
-            </a:endParaRPr>
+              <a:rPr lang="en-US" dirty="0"/>
+              <a:t>How many copies of the STATE are there</a:t>
+            </a:r>
+            <a:r>
+              <a:rPr lang="en-US" dirty="0" smtClean="0"/>
+              <a:t>?</a:t>
+            </a:r>
+            <a:endParaRPr lang="en-US" dirty="0"/>
           </a:p>
           <a:p>
             <a:pPr marL="631825" lvl="1" indent="-342900">
@@ -16836,13 +17028,8 @@
             </a:pPr>
             <a:r>
               <a:rPr lang="en-US" dirty="0" smtClean="0"/>
-              <a:t>What does a reducer do? </a:t>
-            </a:r>
-            <a:endParaRPr lang="en-US" dirty="0" smtClean="0">
-              <a:solidFill>
-                <a:srgbClr val="FF0000"/>
-              </a:solidFill>
-            </a:endParaRPr>
+              <a:t>What does a reducer do?</a:t>
+            </a:r>
           </a:p>
           <a:p>
             <a:pPr marL="631825" lvl="1" indent="-342900">
@@ -16851,7 +17038,7 @@
             </a:pPr>
             <a:r>
               <a:rPr lang="en-US" dirty="0" smtClean="0"/>
-              <a:t>What are the parameters to the reducer? </a:t>
+              <a:t>What are the parameters to the reducer?</a:t>
             </a:r>
           </a:p>
           <a:p>
@@ -16860,7 +17047,7 @@
               <a:buChar char="•"/>
             </a:pPr>
             <a:r>
-              <a:rPr lang="en-US" dirty="0"/>
+              <a:rPr lang="en-US" dirty="0" smtClean="0"/>
               <a:t>What does the reducer return?</a:t>
             </a:r>
           </a:p>
@@ -16873,11 +17060,6 @@
               <a:rPr lang="en-US" dirty="0" smtClean="0"/>
               <a:t>How do you call the Redux store?</a:t>
             </a:r>
-            <a:endParaRPr lang="en-US" dirty="0" smtClean="0">
-              <a:solidFill>
-                <a:srgbClr val="FF0000"/>
-              </a:solidFill>
-            </a:endParaRPr>
           </a:p>
           <a:p>
             <a:pPr marL="631825" lvl="1" indent="-342900">
@@ -16886,13 +17068,8 @@
             </a:pPr>
             <a:r>
               <a:rPr lang="en-US" dirty="0" smtClean="0"/>
-              <a:t>What is the parameter to dispatch()? </a:t>
-            </a:r>
-            <a:endParaRPr lang="en-US" dirty="0" smtClean="0">
-              <a:solidFill>
-                <a:srgbClr val="FF0000"/>
-              </a:solidFill>
-            </a:endParaRPr>
+              <a:t>What is the parameter to dispatch()?</a:t>
+            </a:r>
           </a:p>
           <a:p>
             <a:pPr marL="631825" lvl="1" indent="-342900">
@@ -16901,13 +17078,8 @@
             </a:pPr>
             <a:r>
               <a:rPr lang="en-US" dirty="0" smtClean="0"/>
-              <a:t>What object is the command? </a:t>
-            </a:r>
-            <a:endParaRPr lang="en-US" dirty="0" smtClean="0">
-              <a:solidFill>
-                <a:srgbClr val="FF0000"/>
-              </a:solidFill>
-            </a:endParaRPr>
+              <a:t>What object is the command?</a:t>
+            </a:r>
           </a:p>
           <a:p>
             <a:pPr marL="631825" lvl="1" indent="-342900">
@@ -16951,7 +17123,7 @@
     </p:spTree>
     <p:extLst>
       <p:ext uri="{BB962C8B-B14F-4D97-AF65-F5344CB8AC3E}">
-        <p14:creationId xmlns:p14="http://schemas.microsoft.com/office/powerpoint/2010/main" val="1382046745"/>
+        <p14:creationId xmlns:p14="http://schemas.microsoft.com/office/powerpoint/2010/main" val="427519743"/>
       </p:ext>
     </p:extLst>
   </p:cSld>
@@ -17050,15 +17222,6 @@
               <a:rPr lang="en-US" dirty="0" smtClean="0"/>
               <a:t>What does a reducer do? </a:t>
             </a:r>
-            <a:r>
-              <a:rPr lang="en-US" dirty="0" smtClean="0">
-                <a:solidFill>
-                  <a:srgbClr val="FF0000"/>
-                </a:solidFill>
-                <a:sym typeface="Wingdings"/>
-              </a:rPr>
-              <a:t> changes the STATE</a:t>
-            </a:r>
             <a:endParaRPr lang="en-US" dirty="0" smtClean="0">
               <a:solidFill>
                 <a:srgbClr val="FF0000"/>
@@ -17072,7 +17235,27 @@
             </a:pPr>
             <a:r>
               <a:rPr lang="en-US" dirty="0" smtClean="0"/>
-              <a:t>What are the parameters to the reducer?</a:t>
+              <a:t>What are the parameters to the reducer? </a:t>
+            </a:r>
+          </a:p>
+          <a:p>
+            <a:pPr marL="631825" lvl="1" indent="-342900">
+              <a:buFont typeface="Arial" charset="0"/>
+              <a:buChar char="•"/>
+            </a:pPr>
+            <a:r>
+              <a:rPr lang="en-US" dirty="0"/>
+              <a:t>What does the reducer return?</a:t>
+            </a:r>
+          </a:p>
+          <a:p>
+            <a:pPr marL="631825" lvl="1" indent="-342900">
+              <a:buFont typeface="Arial" charset="0"/>
+              <a:buChar char="•"/>
+            </a:pPr>
+            <a:r>
+              <a:rPr lang="en-US" dirty="0" smtClean="0"/>
+              <a:t>How do you call the Redux store?</a:t>
             </a:r>
             <a:endParaRPr lang="en-US" dirty="0" smtClean="0">
               <a:solidFill>
@@ -17086,33 +17269,8 @@
               <a:buChar char="•"/>
             </a:pPr>
             <a:r>
-              <a:rPr lang="en-US" dirty="0"/>
-              <a:t>What does the reducer return?</a:t>
-            </a:r>
-          </a:p>
-          <a:p>
-            <a:pPr marL="631825" lvl="1" indent="-342900">
-              <a:buFont typeface="Arial" charset="0"/>
-              <a:buChar char="•"/>
-            </a:pPr>
-            <a:r>
-              <a:rPr lang="en-US" dirty="0" smtClean="0"/>
-              <a:t>How do you call the Redux store? </a:t>
-            </a:r>
-            <a:endParaRPr lang="en-US" dirty="0" smtClean="0">
-              <a:solidFill>
-                <a:srgbClr val="FF0000"/>
-              </a:solidFill>
-            </a:endParaRPr>
-          </a:p>
-          <a:p>
-            <a:pPr marL="631825" lvl="1" indent="-342900">
-              <a:buFont typeface="Arial" charset="0"/>
-              <a:buChar char="•"/>
-            </a:pPr>
-            <a:r>
-              <a:rPr lang="en-US" dirty="0" smtClean="0"/>
-              <a:t>What is the parameter to dispatch()?</a:t>
+              <a:rPr lang="en-US" dirty="0" smtClean="0"/>
+              <a:t>What is the parameter to dispatch()? </a:t>
             </a:r>
             <a:endParaRPr lang="en-US" dirty="0" smtClean="0">
               <a:solidFill>
@@ -17177,7 +17335,7 @@
     </p:spTree>
     <p:extLst>
       <p:ext uri="{BB962C8B-B14F-4D97-AF65-F5344CB8AC3E}">
-        <p14:creationId xmlns:p14="http://schemas.microsoft.com/office/powerpoint/2010/main" val="866996561"/>
+        <p14:creationId xmlns:p14="http://schemas.microsoft.com/office/powerpoint/2010/main" val="1382046745"/>
       </p:ext>
     </p:extLst>
   </p:cSld>
@@ -17298,16 +17456,7 @@
             </a:pPr>
             <a:r>
               <a:rPr lang="en-US" dirty="0" smtClean="0"/>
-              <a:t>What are the parameters to the reducer? </a:t>
-            </a:r>
-            <a:r>
-              <a:rPr lang="en-US" dirty="0" smtClean="0">
-                <a:solidFill>
-                  <a:srgbClr val="FF0000"/>
-                </a:solidFill>
-                <a:sym typeface="Wingdings"/>
-              </a:rPr>
-              <a:t> (state, action)</a:t>
+              <a:t>What are the parameters to the reducer?</a:t>
             </a:r>
             <a:endParaRPr lang="en-US" dirty="0" smtClean="0">
               <a:solidFill>
@@ -17332,7 +17481,7 @@
             </a:pPr>
             <a:r>
               <a:rPr lang="en-US" dirty="0" smtClean="0"/>
-              <a:t>How do you call the Redux store?</a:t>
+              <a:t>How do you call the Redux store? </a:t>
             </a:r>
             <a:endParaRPr lang="en-US" dirty="0" smtClean="0">
               <a:solidFill>
@@ -17412,7 +17561,7 @@
     </p:spTree>
     <p:extLst>
       <p:ext uri="{BB962C8B-B14F-4D97-AF65-F5344CB8AC3E}">
-        <p14:creationId xmlns:p14="http://schemas.microsoft.com/office/powerpoint/2010/main" val="934655832"/>
+        <p14:creationId xmlns:p14="http://schemas.microsoft.com/office/powerpoint/2010/main" val="866996561"/>
       </p:ext>
     </p:extLst>
   </p:cSld>
@@ -17557,26 +17706,8 @@
             </a:pPr>
             <a:r>
               <a:rPr lang="en-US" dirty="0"/>
-              <a:t>What does the reducer return</a:t>
-            </a:r>
-            <a:r>
-              <a:rPr lang="en-US" dirty="0" smtClean="0"/>
-              <a:t>? </a:t>
-            </a:r>
-            <a:r>
-              <a:rPr lang="en-US" dirty="0" smtClean="0">
-                <a:solidFill>
-                  <a:srgbClr val="FF0000"/>
-                </a:solidFill>
-                <a:sym typeface="Wingdings"/>
-              </a:rPr>
-              <a:t> the new state</a:t>
-            </a:r>
-            <a:endParaRPr lang="en-US" dirty="0">
-              <a:solidFill>
-                <a:srgbClr val="FF0000"/>
-              </a:solidFill>
-            </a:endParaRPr>
+              <a:t>What does the reducer return?</a:t>
+            </a:r>
           </a:p>
           <a:p>
             <a:pPr marL="631825" lvl="1" indent="-342900">
@@ -17665,7 +17796,7 @@
     </p:spTree>
     <p:extLst>
       <p:ext uri="{BB962C8B-B14F-4D97-AF65-F5344CB8AC3E}">
-        <p14:creationId xmlns:p14="http://schemas.microsoft.com/office/powerpoint/2010/main" val="117841500"/>
+        <p14:creationId xmlns:p14="http://schemas.microsoft.com/office/powerpoint/2010/main" val="934655832"/>
       </p:ext>
     </p:extLst>
   </p:cSld>
@@ -17810,10 +17941,14 @@
             </a:pPr>
             <a:r>
               <a:rPr lang="en-US" dirty="0"/>
-              <a:t>What does the reducer return? </a:t>
-            </a:r>
-            <a:r>
-              <a:rPr lang="en-US" dirty="0">
+              <a:t>What does the reducer return</a:t>
+            </a:r>
+            <a:r>
+              <a:rPr lang="en-US" dirty="0" smtClean="0"/>
+              <a:t>? </a:t>
+            </a:r>
+            <a:r>
+              <a:rPr lang="en-US" dirty="0" smtClean="0">
                 <a:solidFill>
                   <a:srgbClr val="FF0000"/>
                 </a:solidFill>
@@ -17834,16 +17969,7 @@
             </a:pPr>
             <a:r>
               <a:rPr lang="en-US" dirty="0" smtClean="0"/>
-              <a:t>How do you call the Redux store? </a:t>
-            </a:r>
-            <a:r>
-              <a:rPr lang="en-US" dirty="0" smtClean="0">
-                <a:solidFill>
-                  <a:srgbClr val="FF0000"/>
-                </a:solidFill>
-                <a:sym typeface="Wingdings"/>
-              </a:rPr>
-              <a:t> dispatch( action )</a:t>
+              <a:t>How do you call the Redux store?</a:t>
             </a:r>
             <a:endParaRPr lang="en-US" dirty="0" smtClean="0">
               <a:solidFill>
@@ -17858,8 +17984,13 @@
             </a:pPr>
             <a:r>
               <a:rPr lang="en-US" dirty="0" smtClean="0"/>
-              <a:t>What is the parameter to dispatch()? </a:t>
-            </a:r>
+              <a:t>What is the parameter to dispatch()?</a:t>
+            </a:r>
+            <a:endParaRPr lang="en-US" dirty="0" smtClean="0">
+              <a:solidFill>
+                <a:srgbClr val="FF0000"/>
+              </a:solidFill>
+            </a:endParaRPr>
           </a:p>
           <a:p>
             <a:pPr marL="631825" lvl="1" indent="-342900">
@@ -17870,6 +18001,18 @@
               <a:rPr lang="en-US" dirty="0" smtClean="0"/>
               <a:t>What object is the command? </a:t>
             </a:r>
+            <a:endParaRPr lang="en-US" dirty="0" smtClean="0">
+              <a:solidFill>
+                <a:srgbClr val="FF0000"/>
+              </a:solidFill>
+            </a:endParaRPr>
+          </a:p>
+          <a:p>
+            <a:pPr marL="631825" lvl="1" indent="-342900">
+              <a:buFont typeface="Arial" charset="0"/>
+              <a:buChar char="•"/>
+            </a:pPr>
+            <a:endParaRPr lang="en-US" dirty="0" smtClean="0"/>
           </a:p>
           <a:p>
             <a:pPr marL="631825" lvl="1" indent="-342900">
@@ -17906,7 +18049,7 @@
     </p:spTree>
     <p:extLst>
       <p:ext uri="{BB962C8B-B14F-4D97-AF65-F5344CB8AC3E}">
-        <p14:creationId xmlns:p14="http://schemas.microsoft.com/office/powerpoint/2010/main" val="2065174266"/>
+        <p14:creationId xmlns:p14="http://schemas.microsoft.com/office/powerpoint/2010/main" val="117841500"/>
       </p:ext>
     </p:extLst>
   </p:cSld>
@@ -18101,20 +18244,6 @@
               <a:rPr lang="en-US" dirty="0" smtClean="0"/>
               <a:t>What is the parameter to dispatch()? </a:t>
             </a:r>
-            <a:r>
-              <a:rPr lang="en-US" dirty="0" smtClean="0">
-                <a:solidFill>
-                  <a:srgbClr val="FF0000"/>
-                </a:solidFill>
-                <a:sym typeface="Wingdings"/>
-              </a:rPr>
-              <a:t> an ACTION</a:t>
-            </a:r>
-            <a:endParaRPr lang="en-US" dirty="0" smtClean="0">
-              <a:solidFill>
-                <a:srgbClr val="FF0000"/>
-              </a:solidFill>
-            </a:endParaRPr>
           </a:p>
           <a:p>
             <a:pPr marL="631825" lvl="1" indent="-342900">
@@ -18161,7 +18290,7 @@
     </p:spTree>
     <p:extLst>
       <p:ext uri="{BB962C8B-B14F-4D97-AF65-F5344CB8AC3E}">
-        <p14:creationId xmlns:p14="http://schemas.microsoft.com/office/powerpoint/2010/main" val="1753185848"/>
+        <p14:creationId xmlns:p14="http://schemas.microsoft.com/office/powerpoint/2010/main" val="2065174266"/>
       </p:ext>
     </p:extLst>
   </p:cSld>
@@ -18380,27 +18509,6 @@
               <a:rPr lang="en-US" dirty="0" smtClean="0"/>
               <a:t>What object is the command? </a:t>
             </a:r>
-            <a:r>
-              <a:rPr lang="en-US" dirty="0" smtClean="0">
-                <a:solidFill>
-                  <a:srgbClr val="FF0000"/>
-                </a:solidFill>
-                <a:sym typeface="Wingdings"/>
-              </a:rPr>
-              <a:t> the Action</a:t>
-            </a:r>
-            <a:endParaRPr lang="en-US" dirty="0" smtClean="0">
-              <a:solidFill>
-                <a:srgbClr val="FF0000"/>
-              </a:solidFill>
-            </a:endParaRPr>
-          </a:p>
-          <a:p>
-            <a:pPr marL="631825" lvl="1" indent="-342900">
-              <a:buFont typeface="Arial" charset="0"/>
-              <a:buChar char="•"/>
-            </a:pPr>
-            <a:endParaRPr lang="en-US" dirty="0" smtClean="0"/>
           </a:p>
           <a:p>
             <a:pPr marL="631825" lvl="1" indent="-342900">
@@ -18437,7 +18545,7 @@
     </p:spTree>
     <p:extLst>
       <p:ext uri="{BB962C8B-B14F-4D97-AF65-F5344CB8AC3E}">
-        <p14:creationId xmlns:p14="http://schemas.microsoft.com/office/powerpoint/2010/main" val="171426849"/>
+        <p14:creationId xmlns:p14="http://schemas.microsoft.com/office/powerpoint/2010/main" val="1753185848"/>
       </p:ext>
     </p:extLst>
   </p:cSld>
@@ -18500,78 +18608,190 @@
             </a:pPr>
             <a:r>
               <a:rPr lang="en-US" dirty="0" smtClean="0"/>
-              <a:t>But what about </a:t>
-            </a:r>
-            <a:r>
-              <a:rPr lang="en-US" dirty="0" err="1" smtClean="0"/>
-              <a:t>Async</a:t>
-            </a:r>
-            <a:r>
-              <a:rPr lang="en-US" dirty="0" smtClean="0"/>
-              <a:t> calls? </a:t>
-            </a:r>
-            <a:r>
-              <a:rPr lang="mr-IN" dirty="0" smtClean="0"/>
-              <a:t>–</a:t>
-            </a:r>
-            <a:r>
-              <a:rPr lang="en-US" dirty="0" smtClean="0"/>
-              <a:t> like to a RESTful service</a:t>
-            </a:r>
-          </a:p>
-          <a:p>
-            <a:pPr marL="342900" indent="-342900">
-              <a:buFont typeface="Arial" charset="0"/>
-              <a:buChar char="•"/>
-            </a:pPr>
-            <a:r>
-              <a:rPr lang="en-US" dirty="0" smtClean="0"/>
-              <a:t>The reducer handles state change based on the action</a:t>
-            </a:r>
-          </a:p>
-          <a:p>
-            <a:pPr marL="342900" indent="-342900">
-              <a:buFont typeface="Arial" charset="0"/>
-              <a:buChar char="•"/>
-            </a:pPr>
-            <a:r>
-              <a:rPr lang="en-US" dirty="0" smtClean="0"/>
-              <a:t>We get the </a:t>
-            </a:r>
-            <a:r>
-              <a:rPr lang="en-US" dirty="0" err="1" smtClean="0"/>
-              <a:t>Async</a:t>
-            </a:r>
-            <a:r>
-              <a:rPr lang="en-US" dirty="0" smtClean="0"/>
-              <a:t> data and dispatch the reducer </a:t>
+              <a:t>Test Questions</a:t>
+            </a:r>
+          </a:p>
+          <a:p>
+            <a:pPr marL="631825" lvl="1" indent="-342900">
+              <a:buFont typeface="Arial" charset="0"/>
+              <a:buChar char="•"/>
+            </a:pPr>
+            <a:r>
+              <a:rPr lang="en-US" dirty="0" smtClean="0"/>
+              <a:t>How many copies of the STATE are there? </a:t>
             </a:r>
             <a:r>
               <a:rPr lang="en-US" dirty="0" smtClean="0">
                 <a:solidFill>
                   <a:srgbClr val="FF0000"/>
                 </a:solidFill>
-              </a:rPr>
-              <a:t>ourselves</a:t>
-            </a:r>
-          </a:p>
-          <a:p>
-            <a:pPr marL="342900" indent="-342900">
-              <a:buFont typeface="Arial" charset="0"/>
-              <a:buChar char="•"/>
-            </a:pPr>
-            <a:r>
-              <a:rPr lang="en-US" dirty="0" smtClean="0"/>
-              <a:t>The next section discusses </a:t>
-            </a:r>
-            <a:r>
-              <a:rPr lang="en-US" dirty="0" err="1" smtClean="0"/>
-              <a:t>Async</a:t>
-            </a:r>
-            <a:r>
-              <a:rPr lang="en-US" dirty="0" smtClean="0"/>
-              <a:t> Actions</a:t>
-            </a:r>
+                <a:sym typeface="Wingdings"/>
+              </a:rPr>
+              <a:t> ONE</a:t>
+            </a:r>
+            <a:endParaRPr lang="en-US" dirty="0" smtClean="0">
+              <a:solidFill>
+                <a:srgbClr val="FF0000"/>
+              </a:solidFill>
+            </a:endParaRPr>
+          </a:p>
+          <a:p>
+            <a:pPr marL="631825" lvl="1" indent="-342900">
+              <a:buFont typeface="Arial" charset="0"/>
+              <a:buChar char="•"/>
+            </a:pPr>
+            <a:r>
+              <a:rPr lang="en-US" dirty="0" smtClean="0"/>
+              <a:t>What does a reducer do? </a:t>
+            </a:r>
+            <a:r>
+              <a:rPr lang="en-US" dirty="0" smtClean="0">
+                <a:solidFill>
+                  <a:srgbClr val="FF0000"/>
+                </a:solidFill>
+                <a:sym typeface="Wingdings"/>
+              </a:rPr>
+              <a:t> changes the STATE</a:t>
+            </a:r>
+            <a:endParaRPr lang="en-US" dirty="0" smtClean="0">
+              <a:solidFill>
+                <a:srgbClr val="FF0000"/>
+              </a:solidFill>
+            </a:endParaRPr>
+          </a:p>
+          <a:p>
+            <a:pPr marL="631825" lvl="1" indent="-342900">
+              <a:buFont typeface="Arial" charset="0"/>
+              <a:buChar char="•"/>
+            </a:pPr>
+            <a:r>
+              <a:rPr lang="en-US" dirty="0" smtClean="0"/>
+              <a:t>What are the parameters to the reducer? </a:t>
+            </a:r>
+            <a:r>
+              <a:rPr lang="en-US" dirty="0" smtClean="0">
+                <a:solidFill>
+                  <a:srgbClr val="FF0000"/>
+                </a:solidFill>
+                <a:sym typeface="Wingdings"/>
+              </a:rPr>
+              <a:t> (state, action)</a:t>
+            </a:r>
+            <a:endParaRPr lang="en-US" dirty="0" smtClean="0">
+              <a:solidFill>
+                <a:srgbClr val="FF0000"/>
+              </a:solidFill>
+            </a:endParaRPr>
+          </a:p>
+          <a:p>
+            <a:pPr marL="631825" lvl="1" indent="-342900">
+              <a:buFont typeface="Arial" charset="0"/>
+              <a:buChar char="•"/>
+            </a:pPr>
+            <a:r>
+              <a:rPr lang="en-US" dirty="0"/>
+              <a:t>What does the reducer return? </a:t>
+            </a:r>
+            <a:r>
+              <a:rPr lang="en-US" dirty="0">
+                <a:solidFill>
+                  <a:srgbClr val="FF0000"/>
+                </a:solidFill>
+                <a:sym typeface="Wingdings"/>
+              </a:rPr>
+              <a:t> the new state</a:t>
+            </a:r>
+            <a:endParaRPr lang="en-US" dirty="0">
+              <a:solidFill>
+                <a:srgbClr val="FF0000"/>
+              </a:solidFill>
+            </a:endParaRPr>
+          </a:p>
+          <a:p>
+            <a:pPr marL="631825" lvl="1" indent="-342900">
+              <a:buFont typeface="Arial" charset="0"/>
+              <a:buChar char="•"/>
+            </a:pPr>
+            <a:r>
+              <a:rPr lang="en-US" dirty="0" smtClean="0"/>
+              <a:t>How do you call the Redux store? </a:t>
+            </a:r>
+            <a:r>
+              <a:rPr lang="en-US" dirty="0" smtClean="0">
+                <a:solidFill>
+                  <a:srgbClr val="FF0000"/>
+                </a:solidFill>
+                <a:sym typeface="Wingdings"/>
+              </a:rPr>
+              <a:t> dispatch( action )</a:t>
+            </a:r>
+            <a:endParaRPr lang="en-US" dirty="0" smtClean="0">
+              <a:solidFill>
+                <a:srgbClr val="FF0000"/>
+              </a:solidFill>
+            </a:endParaRPr>
+          </a:p>
+          <a:p>
+            <a:pPr marL="631825" lvl="1" indent="-342900">
+              <a:buFont typeface="Arial" charset="0"/>
+              <a:buChar char="•"/>
+            </a:pPr>
+            <a:r>
+              <a:rPr lang="en-US" dirty="0" smtClean="0"/>
+              <a:t>What is the parameter to dispatch()? </a:t>
+            </a:r>
+            <a:r>
+              <a:rPr lang="en-US" dirty="0" smtClean="0">
+                <a:solidFill>
+                  <a:srgbClr val="FF0000"/>
+                </a:solidFill>
+                <a:sym typeface="Wingdings"/>
+              </a:rPr>
+              <a:t> an ACTION</a:t>
+            </a:r>
+            <a:endParaRPr lang="en-US" dirty="0" smtClean="0">
+              <a:solidFill>
+                <a:srgbClr val="FF0000"/>
+              </a:solidFill>
+            </a:endParaRPr>
+          </a:p>
+          <a:p>
+            <a:pPr marL="631825" lvl="1" indent="-342900">
+              <a:buFont typeface="Arial" charset="0"/>
+              <a:buChar char="•"/>
+            </a:pPr>
+            <a:r>
+              <a:rPr lang="en-US" dirty="0" smtClean="0"/>
+              <a:t>What object is the command? </a:t>
+            </a:r>
+            <a:r>
+              <a:rPr lang="en-US" dirty="0" smtClean="0">
+                <a:solidFill>
+                  <a:srgbClr val="FF0000"/>
+                </a:solidFill>
+                <a:sym typeface="Wingdings"/>
+              </a:rPr>
+              <a:t> the Action</a:t>
+            </a:r>
+            <a:endParaRPr lang="en-US" dirty="0" smtClean="0">
+              <a:solidFill>
+                <a:srgbClr val="FF0000"/>
+              </a:solidFill>
+            </a:endParaRPr>
+          </a:p>
+          <a:p>
+            <a:pPr marL="631825" lvl="1" indent="-342900">
+              <a:buFont typeface="Arial" charset="0"/>
+              <a:buChar char="•"/>
+            </a:pPr>
+            <a:endParaRPr lang="en-US" dirty="0" smtClean="0"/>
+          </a:p>
+          <a:p>
+            <a:pPr marL="631825" lvl="1" indent="-342900">
+              <a:buFont typeface="Arial" charset="0"/>
+              <a:buChar char="•"/>
+            </a:pPr>
+            <a:endParaRPr lang="en-US" dirty="0" smtClean="0"/>
           </a:p>
         </p:txBody>
       </p:sp>
@@ -18591,12 +18811,8 @@
           <a:lstStyle/>
           <a:p>
             <a:r>
-              <a:rPr lang="en-US" dirty="0" err="1" smtClean="0"/>
-              <a:t>Async</a:t>
-            </a:r>
-            <a:r>
-              <a:rPr lang="en-US" dirty="0" smtClean="0"/>
-              <a:t> Actions</a:t>
+              <a:rPr lang="en-US" dirty="0" smtClean="0"/>
+              <a:t>In Summary</a:t>
             </a:r>
             <a:endParaRPr lang="en-US" dirty="0"/>
           </a:p>
@@ -18605,7 +18821,7 @@
     </p:spTree>
     <p:extLst>
       <p:ext uri="{BB962C8B-B14F-4D97-AF65-F5344CB8AC3E}">
-        <p14:creationId xmlns:p14="http://schemas.microsoft.com/office/powerpoint/2010/main" val="272993305"/>
+        <p14:creationId xmlns:p14="http://schemas.microsoft.com/office/powerpoint/2010/main" val="171426849"/>
       </p:ext>
     </p:extLst>
   </p:cSld>
@@ -18954,6 +19170,174 @@
             </a:pPr>
             <a:r>
               <a:rPr lang="en-US" dirty="0" smtClean="0"/>
+              <a:t>But what about </a:t>
+            </a:r>
+            <a:r>
+              <a:rPr lang="en-US" dirty="0" err="1" smtClean="0"/>
+              <a:t>Async</a:t>
+            </a:r>
+            <a:r>
+              <a:rPr lang="en-US" dirty="0" smtClean="0"/>
+              <a:t> calls? </a:t>
+            </a:r>
+            <a:r>
+              <a:rPr lang="mr-IN" dirty="0" smtClean="0"/>
+              <a:t>–</a:t>
+            </a:r>
+            <a:r>
+              <a:rPr lang="en-US" dirty="0" smtClean="0"/>
+              <a:t> like to a RESTful service</a:t>
+            </a:r>
+          </a:p>
+          <a:p>
+            <a:pPr marL="342900" indent="-342900">
+              <a:buFont typeface="Arial" charset="0"/>
+              <a:buChar char="•"/>
+            </a:pPr>
+            <a:r>
+              <a:rPr lang="en-US" dirty="0" smtClean="0"/>
+              <a:t>The reducer handles state change based on the action</a:t>
+            </a:r>
+          </a:p>
+          <a:p>
+            <a:pPr marL="342900" indent="-342900">
+              <a:buFont typeface="Arial" charset="0"/>
+              <a:buChar char="•"/>
+            </a:pPr>
+            <a:r>
+              <a:rPr lang="en-US" dirty="0" smtClean="0"/>
+              <a:t>We get the </a:t>
+            </a:r>
+            <a:r>
+              <a:rPr lang="en-US" dirty="0" err="1" smtClean="0"/>
+              <a:t>Async</a:t>
+            </a:r>
+            <a:r>
+              <a:rPr lang="en-US" dirty="0" smtClean="0"/>
+              <a:t> data and dispatch the reducer </a:t>
+            </a:r>
+            <a:r>
+              <a:rPr lang="en-US" dirty="0" smtClean="0">
+                <a:solidFill>
+                  <a:srgbClr val="FF0000"/>
+                </a:solidFill>
+              </a:rPr>
+              <a:t>ourselves</a:t>
+            </a:r>
+          </a:p>
+          <a:p>
+            <a:pPr marL="342900" indent="-342900">
+              <a:buFont typeface="Arial" charset="0"/>
+              <a:buChar char="•"/>
+            </a:pPr>
+            <a:r>
+              <a:rPr lang="en-US" dirty="0" smtClean="0"/>
+              <a:t>The next section discusses </a:t>
+            </a:r>
+            <a:r>
+              <a:rPr lang="en-US" dirty="0" err="1" smtClean="0"/>
+              <a:t>Async</a:t>
+            </a:r>
+            <a:r>
+              <a:rPr lang="en-US" dirty="0" smtClean="0"/>
+              <a:t> Actions</a:t>
+            </a:r>
+          </a:p>
+        </p:txBody>
+      </p:sp>
+      <p:sp>
+        <p:nvSpPr>
+          <p:cNvPr id="3" name="Title 2"/>
+          <p:cNvSpPr>
+            <a:spLocks noGrp="1"/>
+          </p:cNvSpPr>
+          <p:nvPr>
+            <p:ph type="title"/>
+          </p:nvPr>
+        </p:nvSpPr>
+        <p:spPr/>
+        <p:txBody>
+          <a:bodyPr/>
+          <a:lstStyle/>
+          <a:p>
+            <a:r>
+              <a:rPr lang="en-US" dirty="0" err="1" smtClean="0"/>
+              <a:t>Async</a:t>
+            </a:r>
+            <a:r>
+              <a:rPr lang="en-US" dirty="0" smtClean="0"/>
+              <a:t> Actions</a:t>
+            </a:r>
+            <a:endParaRPr lang="en-US" dirty="0"/>
+          </a:p>
+        </p:txBody>
+      </p:sp>
+    </p:spTree>
+    <p:extLst>
+      <p:ext uri="{BB962C8B-B14F-4D97-AF65-F5344CB8AC3E}">
+        <p14:creationId xmlns:p14="http://schemas.microsoft.com/office/powerpoint/2010/main" val="272993305"/>
+      </p:ext>
+    </p:extLst>
+  </p:cSld>
+  <p:clrMapOvr>
+    <a:masterClrMapping/>
+  </p:clrMapOvr>
+  <mc:AlternateContent xmlns:mc="http://schemas.openxmlformats.org/markup-compatibility/2006" xmlns:p14="http://schemas.microsoft.com/office/powerpoint/2010/main">
+    <mc:Choice Requires="p14">
+      <p:transition p14:dur="0"/>
+    </mc:Choice>
+    <mc:Fallback xmlns="">
+      <p:transition/>
+    </mc:Fallback>
+  </mc:AlternateContent>
+  <p:timing>
+    <p:tnLst>
+      <p:par>
+        <p:cTn id="1" dur="indefinite" restart="never" nodeType="tmRoot"/>
+      </p:par>
+    </p:tnLst>
+  </p:timing>
+</p:sld>
+</file>
+
+<file path=ppt/slides/slide31.xml><?xml version="1.0" encoding="utf-8"?>
+<p:sld xmlns:a="http://schemas.openxmlformats.org/drawingml/2006/main" xmlns:r="http://schemas.openxmlformats.org/officeDocument/2006/relationships" xmlns:p="http://schemas.openxmlformats.org/presentationml/2006/main">
+  <p:cSld>
+    <p:spTree>
+      <p:nvGrpSpPr>
+        <p:cNvPr id="1" name=""/>
+        <p:cNvGrpSpPr/>
+        <p:nvPr/>
+      </p:nvGrpSpPr>
+      <p:grpSpPr>
+        <a:xfrm>
+          <a:off x="0" y="0"/>
+          <a:ext cx="0" cy="0"/>
+          <a:chOff x="0" y="0"/>
+          <a:chExt cx="0" cy="0"/>
+        </a:xfrm>
+      </p:grpSpPr>
+      <p:sp>
+        <p:nvSpPr>
+          <p:cNvPr id="2" name="Text Placeholder 1"/>
+          <p:cNvSpPr>
+            <a:spLocks noGrp="1"/>
+          </p:cNvSpPr>
+          <p:nvPr>
+            <p:ph type="body" sz="quarter" idx="12"/>
+          </p:nvPr>
+        </p:nvSpPr>
+        <p:spPr/>
+        <p:txBody>
+          <a:bodyPr/>
+          <a:lstStyle/>
+          <a:p>
+            <a:pPr marL="342900" indent="-342900">
+              <a:buFont typeface="Arial" charset="0"/>
+              <a:buChar char="•"/>
+            </a:pPr>
+            <a:r>
+              <a:rPr lang="en-US" dirty="0" smtClean="0"/>
               <a:t>There are a lot of moving parts in Redux</a:t>
             </a:r>
           </a:p>
@@ -19248,7 +19632,7 @@
 </p:sld>
 </file>
 
-<file path=ppt/slides/slide31.xml><?xml version="1.0" encoding="utf-8"?>
+<file path=ppt/slides/slide32.xml><?xml version="1.0" encoding="utf-8"?>
 <p:sld xmlns:a="http://schemas.openxmlformats.org/drawingml/2006/main" xmlns:r="http://schemas.openxmlformats.org/officeDocument/2006/relationships" xmlns:p="http://schemas.openxmlformats.org/presentationml/2006/main">
   <p:cSld>
     <p:spTree>

--- a/lesson-react-40-redux/react-redux.pptx
+++ b/lesson-react-40-redux/react-redux.pptx
@@ -5,49 +5,50 @@
     <p:sldMasterId id="2147483674" r:id="rId1"/>
   </p:sldMasterIdLst>
   <p:notesMasterIdLst>
-    <p:notesMasterId r:id="rId34"/>
+    <p:notesMasterId r:id="rId35"/>
   </p:notesMasterIdLst>
   <p:handoutMasterIdLst>
-    <p:handoutMasterId r:id="rId35"/>
+    <p:handoutMasterId r:id="rId36"/>
   </p:handoutMasterIdLst>
   <p:sldIdLst>
     <p:sldId id="298" r:id="rId2"/>
     <p:sldId id="407" r:id="rId3"/>
     <p:sldId id="412" r:id="rId4"/>
-    <p:sldId id="422" r:id="rId5"/>
-    <p:sldId id="423" r:id="rId6"/>
-    <p:sldId id="424" r:id="rId7"/>
-    <p:sldId id="384" r:id="rId8"/>
-    <p:sldId id="411" r:id="rId9"/>
-    <p:sldId id="386" r:id="rId10"/>
-    <p:sldId id="385" r:id="rId11"/>
-    <p:sldId id="388" r:id="rId12"/>
-    <p:sldId id="409" r:id="rId13"/>
-    <p:sldId id="387" r:id="rId14"/>
-    <p:sldId id="425" r:id="rId15"/>
-    <p:sldId id="426" r:id="rId16"/>
-    <p:sldId id="389" r:id="rId17"/>
-    <p:sldId id="390" r:id="rId18"/>
-    <p:sldId id="427" r:id="rId19"/>
-    <p:sldId id="394" r:id="rId20"/>
-    <p:sldId id="413" r:id="rId21"/>
-    <p:sldId id="381" r:id="rId22"/>
-    <p:sldId id="397" r:id="rId23"/>
-    <p:sldId id="415" r:id="rId24"/>
-    <p:sldId id="416" r:id="rId25"/>
-    <p:sldId id="417" r:id="rId26"/>
-    <p:sldId id="421" r:id="rId27"/>
-    <p:sldId id="418" r:id="rId28"/>
-    <p:sldId id="419" r:id="rId29"/>
-    <p:sldId id="420" r:id="rId30"/>
-    <p:sldId id="414" r:id="rId31"/>
-    <p:sldId id="395" r:id="rId32"/>
-    <p:sldId id="379" r:id="rId33"/>
+    <p:sldId id="428" r:id="rId5"/>
+    <p:sldId id="422" r:id="rId6"/>
+    <p:sldId id="423" r:id="rId7"/>
+    <p:sldId id="424" r:id="rId8"/>
+    <p:sldId id="384" r:id="rId9"/>
+    <p:sldId id="411" r:id="rId10"/>
+    <p:sldId id="386" r:id="rId11"/>
+    <p:sldId id="385" r:id="rId12"/>
+    <p:sldId id="388" r:id="rId13"/>
+    <p:sldId id="409" r:id="rId14"/>
+    <p:sldId id="387" r:id="rId15"/>
+    <p:sldId id="425" r:id="rId16"/>
+    <p:sldId id="426" r:id="rId17"/>
+    <p:sldId id="389" r:id="rId18"/>
+    <p:sldId id="390" r:id="rId19"/>
+    <p:sldId id="427" r:id="rId20"/>
+    <p:sldId id="394" r:id="rId21"/>
+    <p:sldId id="413" r:id="rId22"/>
+    <p:sldId id="381" r:id="rId23"/>
+    <p:sldId id="397" r:id="rId24"/>
+    <p:sldId id="415" r:id="rId25"/>
+    <p:sldId id="416" r:id="rId26"/>
+    <p:sldId id="417" r:id="rId27"/>
+    <p:sldId id="421" r:id="rId28"/>
+    <p:sldId id="418" r:id="rId29"/>
+    <p:sldId id="419" r:id="rId30"/>
+    <p:sldId id="420" r:id="rId31"/>
+    <p:sldId id="414" r:id="rId32"/>
+    <p:sldId id="395" r:id="rId33"/>
+    <p:sldId id="379" r:id="rId34"/>
   </p:sldIdLst>
   <p:sldSz cx="9144000" cy="6858000" type="screen4x3"/>
   <p:notesSz cx="6858000" cy="9144000"/>
   <p:custDataLst>
-    <p:tags r:id="rId36"/>
+    <p:tags r:id="rId37"/>
   </p:custDataLst>
   <p:defaultTextStyle>
     <a:defPPr>
@@ -1975,7 +1976,7 @@
           <a:noFill/>
           <a:extLst>
             <a:ext uri="{909E8E84-426E-40dd-AFC4-6F175D3DCCD1}">
-              <a14:hiddenFill xmlns="" xmlns:a14="http://schemas.microsoft.com/office/drawing/2010/main">
+              <a14:hiddenFill xmlns:a14="http://schemas.microsoft.com/office/drawing/2010/main" xmlns="">
                 <a:solidFill>
                   <a:srgbClr val="FFFFFF"/>
                 </a:solidFill>
@@ -10500,6 +10501,531 @@
           <a:bodyPr/>
           <a:lstStyle/>
           <a:p>
+            <a:pPr marL="342900" indent="-342900">
+              <a:buFont typeface="Arial" charset="0"/>
+              <a:buChar char="•"/>
+            </a:pPr>
+            <a:endParaRPr lang="en-US" dirty="0" smtClean="0"/>
+          </a:p>
+          <a:p>
+            <a:pPr marL="342900" indent="-342900">
+              <a:buFont typeface="Arial" charset="0"/>
+              <a:buChar char="•"/>
+            </a:pPr>
+            <a:endParaRPr lang="en-US" dirty="0"/>
+          </a:p>
+          <a:p>
+            <a:pPr marL="342900" indent="-342900">
+              <a:buFont typeface="Arial" charset="0"/>
+              <a:buChar char="•"/>
+            </a:pPr>
+            <a:endParaRPr lang="en-US" dirty="0"/>
+          </a:p>
+          <a:p>
+            <a:pPr marL="342900" indent="-342900">
+              <a:buFont typeface="Arial" charset="0"/>
+              <a:buChar char="•"/>
+            </a:pPr>
+            <a:r>
+              <a:rPr lang="en-US" dirty="0" smtClean="0"/>
+              <a:t>User enters a Name and a Quote</a:t>
+            </a:r>
+          </a:p>
+          <a:p>
+            <a:pPr marL="342900" indent="-342900">
+              <a:buFont typeface="Arial" charset="0"/>
+              <a:buChar char="•"/>
+            </a:pPr>
+            <a:r>
+              <a:rPr lang="en-US" dirty="0" smtClean="0"/>
+              <a:t>User presses the Save button</a:t>
+            </a:r>
+          </a:p>
+          <a:p>
+            <a:pPr marL="342900" indent="-342900">
+              <a:buFont typeface="Arial" charset="0"/>
+              <a:buChar char="•"/>
+            </a:pPr>
+            <a:r>
+              <a:rPr lang="en-US" dirty="0" smtClean="0"/>
+              <a:t>Save performs a </a:t>
+            </a:r>
+            <a:r>
+              <a:rPr lang="en-US" dirty="0" smtClean="0">
+                <a:solidFill>
+                  <a:srgbClr val="FF0000"/>
+                </a:solidFill>
+              </a:rPr>
+              <a:t>submit()</a:t>
+            </a:r>
+            <a:r>
+              <a:rPr lang="en-US" dirty="0" smtClean="0"/>
+              <a:t> of the form</a:t>
+            </a:r>
+          </a:p>
+          <a:p>
+            <a:pPr marL="342900" indent="-342900">
+              <a:buFont typeface="Arial" charset="0"/>
+              <a:buChar char="•"/>
+            </a:pPr>
+            <a:r>
+              <a:rPr lang="en-US" dirty="0" smtClean="0"/>
+              <a:t>Called  by Redux which creates a Container for </a:t>
+            </a:r>
+            <a:r>
+              <a:rPr lang="en-US" dirty="0" smtClean="0">
+                <a:solidFill>
+                  <a:srgbClr val="FF0000"/>
+                </a:solidFill>
+              </a:rPr>
+              <a:t>&lt;Quote&gt;</a:t>
+            </a:r>
+            <a:r>
+              <a:rPr lang="en-US" dirty="0" smtClean="0"/>
+              <a:t>:</a:t>
+            </a:r>
+            <a:endParaRPr lang="en-US" dirty="0"/>
+          </a:p>
+          <a:p>
+            <a:pPr marL="917575" lvl="2" indent="-342900">
+              <a:buFont typeface="Arial" charset="0"/>
+              <a:buChar char="•"/>
+            </a:pPr>
+            <a:r>
+              <a:rPr lang="en-US" dirty="0" smtClean="0"/>
+              <a:t>&lt;</a:t>
+            </a:r>
+            <a:r>
+              <a:rPr lang="en-US" b="1" dirty="0" smtClean="0">
+                <a:solidFill>
+                  <a:srgbClr val="000080"/>
+                </a:solidFill>
+              </a:rPr>
+              <a:t>Quote </a:t>
+            </a:r>
+            <a:r>
+              <a:rPr lang="en-US" b="1" dirty="0">
+                <a:solidFill>
+                  <a:srgbClr val="000080"/>
+                </a:solidFill>
+              </a:rPr>
+              <a:t/>
+            </a:r>
+            <a:br>
+              <a:rPr lang="en-US" b="1" dirty="0">
+                <a:solidFill>
+                  <a:srgbClr val="000080"/>
+                </a:solidFill>
+              </a:rPr>
+            </a:br>
+            <a:r>
+              <a:rPr lang="en-US" b="1" dirty="0">
+                <a:solidFill>
+                  <a:srgbClr val="000080"/>
+                </a:solidFill>
+              </a:rPr>
+              <a:t>   </a:t>
+            </a:r>
+            <a:r>
+              <a:rPr lang="en-US" b="1" dirty="0">
+                <a:solidFill>
+                  <a:srgbClr val="0000FF"/>
+                </a:solidFill>
+              </a:rPr>
+              <a:t>name</a:t>
+            </a:r>
+            <a:r>
+              <a:rPr lang="en-US" b="1" dirty="0">
+                <a:solidFill>
+                  <a:srgbClr val="008000"/>
+                </a:solidFill>
+              </a:rPr>
+              <a:t>=</a:t>
+            </a:r>
+            <a:r>
+              <a:rPr lang="en-US" dirty="0"/>
+              <a:t>{</a:t>
+            </a:r>
+            <a:r>
+              <a:rPr lang="en-US" dirty="0" err="1"/>
+              <a:t>nameValue</a:t>
+            </a:r>
+            <a:r>
+              <a:rPr lang="en-US" dirty="0"/>
+              <a:t>} </a:t>
+            </a:r>
+            <a:br>
+              <a:rPr lang="en-US" dirty="0"/>
+            </a:br>
+            <a:r>
+              <a:rPr lang="en-US" dirty="0"/>
+              <a:t>   </a:t>
+            </a:r>
+            <a:r>
+              <a:rPr lang="en-US" b="1" dirty="0">
+                <a:solidFill>
+                  <a:srgbClr val="0000FF"/>
+                </a:solidFill>
+              </a:rPr>
+              <a:t>quote</a:t>
+            </a:r>
+            <a:r>
+              <a:rPr lang="en-US" b="1" dirty="0">
+                <a:solidFill>
+                  <a:srgbClr val="008000"/>
+                </a:solidFill>
+              </a:rPr>
+              <a:t>=</a:t>
+            </a:r>
+            <a:r>
+              <a:rPr lang="en-US" dirty="0"/>
+              <a:t>{</a:t>
+            </a:r>
+            <a:r>
+              <a:rPr lang="en-US" dirty="0" err="1"/>
+              <a:t>quoteValue</a:t>
+            </a:r>
+            <a:r>
+              <a:rPr lang="en-US" dirty="0"/>
+              <a:t>}</a:t>
+            </a:r>
+            <a:br>
+              <a:rPr lang="en-US" dirty="0"/>
+            </a:br>
+            <a:r>
+              <a:rPr lang="en-US" dirty="0"/>
+              <a:t>   </a:t>
+            </a:r>
+            <a:r>
+              <a:rPr lang="en-US" b="1" dirty="0" err="1" smtClean="0">
+                <a:solidFill>
+                  <a:srgbClr val="0000FF"/>
+                </a:solidFill>
+              </a:rPr>
+              <a:t>saveQuote</a:t>
+            </a:r>
+            <a:r>
+              <a:rPr lang="en-US" b="1" dirty="0" smtClean="0">
+                <a:solidFill>
+                  <a:srgbClr val="008000"/>
+                </a:solidFill>
+              </a:rPr>
+              <a:t>=</a:t>
+            </a:r>
+            <a:r>
+              <a:rPr lang="en-US" dirty="0" smtClean="0"/>
+              <a:t>{</a:t>
+            </a:r>
+            <a:r>
+              <a:rPr lang="en-US" dirty="0" err="1" smtClean="0"/>
+              <a:t>saveQuote</a:t>
+            </a:r>
+            <a:r>
+              <a:rPr lang="en-US" dirty="0" smtClean="0"/>
+              <a:t>} </a:t>
+            </a:r>
+            <a:r>
+              <a:rPr lang="en-US" dirty="0"/>
+              <a:t>/&gt;</a:t>
+            </a:r>
+            <a:br>
+              <a:rPr lang="en-US" dirty="0"/>
+            </a:br>
+            <a:endParaRPr lang="en-US" dirty="0" smtClean="0"/>
+          </a:p>
+        </p:txBody>
+      </p:sp>
+      <p:sp>
+        <p:nvSpPr>
+          <p:cNvPr id="3" name="Title 2"/>
+          <p:cNvSpPr>
+            <a:spLocks noGrp="1"/>
+          </p:cNvSpPr>
+          <p:nvPr>
+            <p:ph type="title"/>
+          </p:nvPr>
+        </p:nvSpPr>
+        <p:spPr/>
+        <p:txBody>
+          <a:bodyPr/>
+          <a:lstStyle/>
+          <a:p>
+            <a:r>
+              <a:rPr lang="en-US" dirty="0" smtClean="0"/>
+              <a:t>UI Example </a:t>
+            </a:r>
+            <a:r>
+              <a:rPr lang="mr-IN" dirty="0" smtClean="0"/>
+              <a:t>–</a:t>
+            </a:r>
+            <a:r>
+              <a:rPr lang="en-US" dirty="0" smtClean="0"/>
+              <a:t> Page 1</a:t>
+            </a:r>
+            <a:endParaRPr lang="en-US" dirty="0"/>
+          </a:p>
+        </p:txBody>
+      </p:sp>
+      <p:pic>
+        <p:nvPicPr>
+          <p:cNvPr id="4" name="Picture 3"/>
+          <p:cNvPicPr>
+            <a:picLocks noChangeAspect="1"/>
+          </p:cNvPicPr>
+          <p:nvPr/>
+        </p:nvPicPr>
+        <p:blipFill>
+          <a:blip r:embed="rId2"/>
+          <a:stretch>
+            <a:fillRect/>
+          </a:stretch>
+        </p:blipFill>
+        <p:spPr>
+          <a:xfrm>
+            <a:off x="1921329" y="1371600"/>
+            <a:ext cx="4686300" cy="1358900"/>
+          </a:xfrm>
+          <a:prstGeom prst="rect">
+            <a:avLst/>
+          </a:prstGeom>
+        </p:spPr>
+      </p:pic>
+      <p:cxnSp>
+        <p:nvCxnSpPr>
+          <p:cNvPr id="5" name="Straight Arrow Connector 4"/>
+          <p:cNvCxnSpPr/>
+          <p:nvPr/>
+        </p:nvCxnSpPr>
+        <p:spPr>
+          <a:xfrm flipH="1" flipV="1">
+            <a:off x="3733800" y="5057273"/>
+            <a:ext cx="1219200" cy="15644"/>
+          </a:xfrm>
+          <a:prstGeom prst="straightConnector1">
+            <a:avLst/>
+          </a:prstGeom>
+          <a:ln w="38100">
+            <a:solidFill>
+              <a:srgbClr val="FF0000"/>
+            </a:solidFill>
+            <a:tailEnd type="triangle"/>
+          </a:ln>
+        </p:spPr>
+        <p:style>
+          <a:lnRef idx="1">
+            <a:schemeClr val="accent1"/>
+          </a:lnRef>
+          <a:fillRef idx="0">
+            <a:schemeClr val="accent1"/>
+          </a:fillRef>
+          <a:effectRef idx="0">
+            <a:schemeClr val="accent1"/>
+          </a:effectRef>
+          <a:fontRef idx="minor">
+            <a:schemeClr val="tx1"/>
+          </a:fontRef>
+        </p:style>
+      </p:cxnSp>
+      <p:sp>
+        <p:nvSpPr>
+          <p:cNvPr id="6" name="TextBox 5"/>
+          <p:cNvSpPr txBox="1"/>
+          <p:nvPr/>
+        </p:nvSpPr>
+        <p:spPr>
+          <a:xfrm>
+            <a:off x="5107262" y="4918774"/>
+            <a:ext cx="2370329" cy="276999"/>
+          </a:xfrm>
+          <a:prstGeom prst="rect">
+            <a:avLst/>
+          </a:prstGeom>
+          <a:noFill/>
+        </p:spPr>
+        <p:txBody>
+          <a:bodyPr wrap="none" lIns="0" tIns="0" rIns="0" bIns="0" rtlCol="0">
+            <a:spAutoFit/>
+          </a:bodyPr>
+          <a:lstStyle/>
+          <a:p>
+            <a:pPr algn="ctr"/>
+            <a:r>
+              <a:rPr lang="en-US" dirty="0" smtClean="0">
+                <a:solidFill>
+                  <a:srgbClr val="FF0000"/>
+                </a:solidFill>
+              </a:rPr>
+              <a:t>Input Values from State</a:t>
+            </a:r>
+          </a:p>
+        </p:txBody>
+      </p:sp>
+      <p:sp>
+        <p:nvSpPr>
+          <p:cNvPr id="7" name="TextBox 6"/>
+          <p:cNvSpPr txBox="1"/>
+          <p:nvPr/>
+        </p:nvSpPr>
+        <p:spPr>
+          <a:xfrm>
+            <a:off x="5404962" y="5539700"/>
+            <a:ext cx="2157642" cy="276999"/>
+          </a:xfrm>
+          <a:prstGeom prst="rect">
+            <a:avLst/>
+          </a:prstGeom>
+          <a:noFill/>
+        </p:spPr>
+        <p:txBody>
+          <a:bodyPr wrap="none" lIns="0" tIns="0" rIns="0" bIns="0" rtlCol="0">
+            <a:spAutoFit/>
+          </a:bodyPr>
+          <a:lstStyle/>
+          <a:p>
+            <a:pPr algn="ctr"/>
+            <a:r>
+              <a:rPr lang="en-US" dirty="0" smtClean="0">
+                <a:solidFill>
+                  <a:srgbClr val="FF0000"/>
+                </a:solidFill>
+              </a:rPr>
+              <a:t>Callback to dispatch()</a:t>
+            </a:r>
+          </a:p>
+        </p:txBody>
+      </p:sp>
+      <p:cxnSp>
+        <p:nvCxnSpPr>
+          <p:cNvPr id="8" name="Straight Arrow Connector 7"/>
+          <p:cNvCxnSpPr/>
+          <p:nvPr/>
+        </p:nvCxnSpPr>
+        <p:spPr>
+          <a:xfrm flipH="1">
+            <a:off x="3810000" y="5195773"/>
+            <a:ext cx="1143000" cy="168248"/>
+          </a:xfrm>
+          <a:prstGeom prst="straightConnector1">
+            <a:avLst/>
+          </a:prstGeom>
+          <a:ln w="38100">
+            <a:solidFill>
+              <a:srgbClr val="FF0000"/>
+            </a:solidFill>
+            <a:tailEnd type="triangle"/>
+          </a:ln>
+        </p:spPr>
+        <p:style>
+          <a:lnRef idx="1">
+            <a:schemeClr val="accent1"/>
+          </a:lnRef>
+          <a:fillRef idx="0">
+            <a:schemeClr val="accent1"/>
+          </a:fillRef>
+          <a:effectRef idx="0">
+            <a:schemeClr val="accent1"/>
+          </a:effectRef>
+          <a:fontRef idx="minor">
+            <a:schemeClr val="tx1"/>
+          </a:fontRef>
+        </p:style>
+      </p:cxnSp>
+      <p:cxnSp>
+        <p:nvCxnSpPr>
+          <p:cNvPr id="9" name="Straight Arrow Connector 8"/>
+          <p:cNvCxnSpPr/>
+          <p:nvPr/>
+        </p:nvCxnSpPr>
+        <p:spPr>
+          <a:xfrm flipH="1" flipV="1">
+            <a:off x="4419600" y="5607786"/>
+            <a:ext cx="838200" cy="57151"/>
+          </a:xfrm>
+          <a:prstGeom prst="straightConnector1">
+            <a:avLst/>
+          </a:prstGeom>
+          <a:ln w="38100">
+            <a:solidFill>
+              <a:srgbClr val="FF0000"/>
+            </a:solidFill>
+            <a:tailEnd type="triangle"/>
+          </a:ln>
+        </p:spPr>
+        <p:style>
+          <a:lnRef idx="1">
+            <a:schemeClr val="accent1"/>
+          </a:lnRef>
+          <a:fillRef idx="0">
+            <a:schemeClr val="accent1"/>
+          </a:fillRef>
+          <a:effectRef idx="0">
+            <a:schemeClr val="accent1"/>
+          </a:effectRef>
+          <a:fontRef idx="minor">
+            <a:schemeClr val="tx1"/>
+          </a:fontRef>
+        </p:style>
+      </p:cxnSp>
+    </p:spTree>
+    <p:extLst>
+      <p:ext uri="{BB962C8B-B14F-4D97-AF65-F5344CB8AC3E}">
+        <p14:creationId xmlns:p14="http://schemas.microsoft.com/office/powerpoint/2010/main" val="389972799"/>
+      </p:ext>
+    </p:extLst>
+  </p:cSld>
+  <p:clrMapOvr>
+    <a:masterClrMapping/>
+  </p:clrMapOvr>
+  <mc:AlternateContent xmlns:mc="http://schemas.openxmlformats.org/markup-compatibility/2006" xmlns:p14="http://schemas.microsoft.com/office/powerpoint/2010/main">
+    <mc:Choice Requires="p14">
+      <p:transition p14:dur="0"/>
+    </mc:Choice>
+    <mc:Fallback xmlns="">
+      <p:transition/>
+    </mc:Fallback>
+  </mc:AlternateContent>
+  <p:timing>
+    <p:tnLst>
+      <p:par>
+        <p:cTn id="1" dur="indefinite" restart="never" nodeType="tmRoot"/>
+      </p:par>
+    </p:tnLst>
+  </p:timing>
+</p:sld>
+</file>
+
+<file path=ppt/slides/slide11.xml><?xml version="1.0" encoding="utf-8"?>
+<p:sld xmlns:a="http://schemas.openxmlformats.org/drawingml/2006/main" xmlns:r="http://schemas.openxmlformats.org/officeDocument/2006/relationships" xmlns:p="http://schemas.openxmlformats.org/presentationml/2006/main">
+  <p:cSld>
+    <p:spTree>
+      <p:nvGrpSpPr>
+        <p:cNvPr id="1" name=""/>
+        <p:cNvGrpSpPr/>
+        <p:nvPr/>
+      </p:nvGrpSpPr>
+      <p:grpSpPr>
+        <a:xfrm>
+          <a:off x="0" y="0"/>
+          <a:ext cx="0" cy="0"/>
+          <a:chOff x="0" y="0"/>
+          <a:chExt cx="0" cy="0"/>
+        </a:xfrm>
+      </p:grpSpPr>
+      <p:sp>
+        <p:nvSpPr>
+          <p:cNvPr id="2" name="Text Placeholder 1"/>
+          <p:cNvSpPr>
+            <a:spLocks noGrp="1"/>
+          </p:cNvSpPr>
+          <p:nvPr>
+            <p:ph type="body" sz="quarter" idx="12"/>
+          </p:nvPr>
+        </p:nvSpPr>
+        <p:spPr/>
+        <p:txBody>
+          <a:bodyPr/>
+          <a:lstStyle/>
+          <a:p>
             <a:pPr marL="631825" lvl="1" indent="-342900">
               <a:buFont typeface="Arial" charset="0"/>
               <a:buChar char="•"/>
@@ -11225,7 +11751,7 @@
 </p:sld>
 </file>
 
-<file path=ppt/slides/slide11.xml><?xml version="1.0" encoding="utf-8"?>
+<file path=ppt/slides/slide12.xml><?xml version="1.0" encoding="utf-8"?>
 <p:sld xmlns:a="http://schemas.openxmlformats.org/drawingml/2006/main" xmlns:r="http://schemas.openxmlformats.org/officeDocument/2006/relationships" xmlns:p="http://schemas.openxmlformats.org/presentationml/2006/main">
   <p:cSld>
     <p:spTree>
@@ -11886,7 +12412,7 @@
 </p:sld>
 </file>
 
-<file path=ppt/slides/slide12.xml><?xml version="1.0" encoding="utf-8"?>
+<file path=ppt/slides/slide13.xml><?xml version="1.0" encoding="utf-8"?>
 <p:sld xmlns:a="http://schemas.openxmlformats.org/drawingml/2006/main" xmlns:r="http://schemas.openxmlformats.org/officeDocument/2006/relationships" xmlns:p="http://schemas.openxmlformats.org/presentationml/2006/main">
   <p:cSld>
     <p:spTree>
@@ -12131,7 +12657,7 @@
 </p:sld>
 </file>
 
-<file path=ppt/slides/slide13.xml><?xml version="1.0" encoding="utf-8"?>
+<file path=ppt/slides/slide14.xml><?xml version="1.0" encoding="utf-8"?>
 <p:sld xmlns:a="http://schemas.openxmlformats.org/drawingml/2006/main" xmlns:r="http://schemas.openxmlformats.org/officeDocument/2006/relationships" xmlns:p="http://schemas.openxmlformats.org/presentationml/2006/main">
   <p:cSld>
     <p:spTree>
@@ -12846,406 +13372,6 @@
 </p:sld>
 </file>
 
-<file path=ppt/slides/slide14.xml><?xml version="1.0" encoding="utf-8"?>
-<p:sld xmlns:a="http://schemas.openxmlformats.org/drawingml/2006/main" xmlns:r="http://schemas.openxmlformats.org/officeDocument/2006/relationships" xmlns:p="http://schemas.openxmlformats.org/presentationml/2006/main">
-  <p:cSld>
-    <p:spTree>
-      <p:nvGrpSpPr>
-        <p:cNvPr id="1" name=""/>
-        <p:cNvGrpSpPr/>
-        <p:nvPr/>
-      </p:nvGrpSpPr>
-      <p:grpSpPr>
-        <a:xfrm>
-          <a:off x="0" y="0"/>
-          <a:ext cx="0" cy="0"/>
-          <a:chOff x="0" y="0"/>
-          <a:chExt cx="0" cy="0"/>
-        </a:xfrm>
-      </p:grpSpPr>
-      <p:sp>
-        <p:nvSpPr>
-          <p:cNvPr id="2" name="Text Placeholder 1"/>
-          <p:cNvSpPr>
-            <a:spLocks noGrp="1"/>
-          </p:cNvSpPr>
-          <p:nvPr>
-            <p:ph type="body" sz="quarter" idx="12"/>
-          </p:nvPr>
-        </p:nvSpPr>
-        <p:spPr/>
-        <p:txBody>
-          <a:bodyPr/>
-          <a:lstStyle/>
-          <a:p>
-            <a:pPr marL="342900" indent="-342900">
-              <a:buFont typeface="Arial" charset="0"/>
-              <a:buChar char="•"/>
-            </a:pPr>
-            <a:r>
-              <a:rPr lang="en-US" dirty="0" smtClean="0"/>
-              <a:t>Redux </a:t>
-            </a:r>
-            <a:r>
-              <a:rPr lang="en-US" dirty="0" smtClean="0">
-                <a:solidFill>
-                  <a:srgbClr val="FF0000"/>
-                </a:solidFill>
-              </a:rPr>
-              <a:t>CREATES</a:t>
-            </a:r>
-            <a:r>
-              <a:rPr lang="en-US" dirty="0" smtClean="0"/>
-              <a:t> Container Components</a:t>
-            </a:r>
-          </a:p>
-          <a:p>
-            <a:pPr marL="342900" indent="-342900">
-              <a:buFont typeface="Arial" charset="0"/>
-              <a:buChar char="•"/>
-            </a:pPr>
-            <a:r>
-              <a:rPr lang="en-US" dirty="0" smtClean="0"/>
-              <a:t>We want Redux to create a Container around </a:t>
-            </a:r>
-            <a:r>
-              <a:rPr lang="en-US" dirty="0" smtClean="0">
-                <a:solidFill>
-                  <a:srgbClr val="FF0000"/>
-                </a:solidFill>
-              </a:rPr>
-              <a:t>&lt;Quote&gt;</a:t>
-            </a:r>
-          </a:p>
-          <a:p>
-            <a:pPr marL="917575" lvl="2" indent="-342900">
-              <a:buFont typeface="Arial" charset="0"/>
-              <a:buChar char="•"/>
-            </a:pPr>
-            <a:r>
-              <a:rPr lang="en-US" dirty="0" smtClean="0"/>
-              <a:t>&lt;</a:t>
-            </a:r>
-            <a:r>
-              <a:rPr lang="en-US" b="1" dirty="0" smtClean="0">
-                <a:solidFill>
-                  <a:srgbClr val="000080"/>
-                </a:solidFill>
-              </a:rPr>
-              <a:t>Quote </a:t>
-            </a:r>
-            <a:r>
-              <a:rPr lang="en-US" b="1" dirty="0">
-                <a:solidFill>
-                  <a:srgbClr val="000080"/>
-                </a:solidFill>
-              </a:rPr>
-              <a:t/>
-            </a:r>
-            <a:br>
-              <a:rPr lang="en-US" b="1" dirty="0">
-                <a:solidFill>
-                  <a:srgbClr val="000080"/>
-                </a:solidFill>
-              </a:rPr>
-            </a:br>
-            <a:r>
-              <a:rPr lang="en-US" b="1" dirty="0">
-                <a:solidFill>
-                  <a:srgbClr val="000080"/>
-                </a:solidFill>
-              </a:rPr>
-              <a:t>   </a:t>
-            </a:r>
-            <a:r>
-              <a:rPr lang="en-US" b="1" dirty="0">
-                <a:solidFill>
-                  <a:srgbClr val="0000FF"/>
-                </a:solidFill>
-              </a:rPr>
-              <a:t>name</a:t>
-            </a:r>
-            <a:r>
-              <a:rPr lang="en-US" b="1" dirty="0">
-                <a:solidFill>
-                  <a:srgbClr val="008000"/>
-                </a:solidFill>
-              </a:rPr>
-              <a:t>=</a:t>
-            </a:r>
-            <a:r>
-              <a:rPr lang="en-US" dirty="0"/>
-              <a:t>{</a:t>
-            </a:r>
-            <a:r>
-              <a:rPr lang="en-US" dirty="0" err="1"/>
-              <a:t>nameValue</a:t>
-            </a:r>
-            <a:r>
-              <a:rPr lang="en-US" dirty="0"/>
-              <a:t>} </a:t>
-            </a:r>
-            <a:br>
-              <a:rPr lang="en-US" dirty="0"/>
-            </a:br>
-            <a:r>
-              <a:rPr lang="en-US" dirty="0"/>
-              <a:t>   </a:t>
-            </a:r>
-            <a:r>
-              <a:rPr lang="en-US" b="1" dirty="0">
-                <a:solidFill>
-                  <a:srgbClr val="0000FF"/>
-                </a:solidFill>
-              </a:rPr>
-              <a:t>quote</a:t>
-            </a:r>
-            <a:r>
-              <a:rPr lang="en-US" b="1" dirty="0">
-                <a:solidFill>
-                  <a:srgbClr val="008000"/>
-                </a:solidFill>
-              </a:rPr>
-              <a:t>=</a:t>
-            </a:r>
-            <a:r>
-              <a:rPr lang="en-US" dirty="0"/>
-              <a:t>{</a:t>
-            </a:r>
-            <a:r>
-              <a:rPr lang="en-US" dirty="0" err="1"/>
-              <a:t>quoteValue</a:t>
-            </a:r>
-            <a:r>
-              <a:rPr lang="en-US" dirty="0"/>
-              <a:t>}</a:t>
-            </a:r>
-            <a:br>
-              <a:rPr lang="en-US" dirty="0"/>
-            </a:br>
-            <a:r>
-              <a:rPr lang="en-US" dirty="0"/>
-              <a:t>   </a:t>
-            </a:r>
-            <a:r>
-              <a:rPr lang="en-US" b="1" dirty="0" err="1" smtClean="0">
-                <a:solidFill>
-                  <a:srgbClr val="0000FF"/>
-                </a:solidFill>
-              </a:rPr>
-              <a:t>saveQuote</a:t>
-            </a:r>
-            <a:r>
-              <a:rPr lang="en-US" b="1" dirty="0" smtClean="0">
-                <a:solidFill>
-                  <a:srgbClr val="008000"/>
-                </a:solidFill>
-              </a:rPr>
-              <a:t>=</a:t>
-            </a:r>
-            <a:r>
-              <a:rPr lang="en-US" dirty="0" smtClean="0"/>
-              <a:t>{</a:t>
-            </a:r>
-            <a:r>
-              <a:rPr lang="en-US" dirty="0" err="1" smtClean="0"/>
-              <a:t>saveQuote</a:t>
-            </a:r>
-            <a:r>
-              <a:rPr lang="en-US" dirty="0" smtClean="0"/>
-              <a:t>} </a:t>
-            </a:r>
-            <a:r>
-              <a:rPr lang="en-US" dirty="0"/>
-              <a:t>/&gt;</a:t>
-            </a:r>
-          </a:p>
-          <a:p>
-            <a:pPr marL="342900" indent="-342900">
-              <a:buFont typeface="Arial" charset="0"/>
-              <a:buChar char="•"/>
-            </a:pPr>
-            <a:r>
-              <a:rPr lang="en-US" dirty="0" smtClean="0"/>
-              <a:t>We have to map the </a:t>
-            </a:r>
-            <a:r>
-              <a:rPr lang="en-US" dirty="0" smtClean="0">
-                <a:solidFill>
-                  <a:srgbClr val="FF0000"/>
-                </a:solidFill>
-              </a:rPr>
-              <a:t>STATE</a:t>
-            </a:r>
-            <a:r>
-              <a:rPr lang="en-US" dirty="0" smtClean="0"/>
-              <a:t> properties to our </a:t>
-            </a:r>
-            <a:r>
-              <a:rPr lang="en-US" dirty="0" smtClean="0">
-                <a:solidFill>
-                  <a:srgbClr val="FF0000"/>
-                </a:solidFill>
-              </a:rPr>
-              <a:t>name</a:t>
-            </a:r>
-            <a:r>
-              <a:rPr lang="en-US" dirty="0" smtClean="0"/>
-              <a:t> and </a:t>
-            </a:r>
-            <a:r>
-              <a:rPr lang="en-US" dirty="0" smtClean="0">
-                <a:solidFill>
-                  <a:srgbClr val="FF0000"/>
-                </a:solidFill>
-              </a:rPr>
-              <a:t>quote</a:t>
-            </a:r>
-            <a:r>
-              <a:rPr lang="en-US" dirty="0" smtClean="0"/>
-              <a:t> attributes</a:t>
-            </a:r>
-          </a:p>
-          <a:p>
-            <a:pPr marL="342900" indent="-342900">
-              <a:buFont typeface="Arial" charset="0"/>
-              <a:buChar char="•"/>
-            </a:pPr>
-            <a:r>
-              <a:rPr lang="en-US" dirty="0" smtClean="0"/>
-              <a:t>We have to map the </a:t>
-            </a:r>
-            <a:r>
-              <a:rPr lang="en-US" dirty="0" err="1" smtClean="0">
-                <a:solidFill>
-                  <a:srgbClr val="FF0000"/>
-                </a:solidFill>
-              </a:rPr>
-              <a:t>saveQuote</a:t>
-            </a:r>
-            <a:r>
-              <a:rPr lang="en-US" dirty="0" smtClean="0">
-                <a:solidFill>
-                  <a:srgbClr val="FF0000"/>
-                </a:solidFill>
-              </a:rPr>
-              <a:t> </a:t>
-            </a:r>
-            <a:r>
-              <a:rPr lang="en-US" dirty="0" smtClean="0"/>
-              <a:t>attribute to our callback </a:t>
-            </a:r>
-            <a:endParaRPr lang="en-US" dirty="0"/>
-          </a:p>
-          <a:p>
-            <a:pPr marL="342900" indent="-342900">
-              <a:buFont typeface="Arial" charset="0"/>
-              <a:buChar char="•"/>
-            </a:pPr>
-            <a:r>
-              <a:rPr lang="en-US" dirty="0" smtClean="0"/>
-              <a:t>What are the parameters to our </a:t>
-            </a:r>
-            <a:r>
-              <a:rPr lang="en-US" dirty="0" err="1" smtClean="0">
-                <a:solidFill>
-                  <a:srgbClr val="FF0000"/>
-                </a:solidFill>
-              </a:rPr>
-              <a:t>saveQuote</a:t>
-            </a:r>
-            <a:r>
-              <a:rPr lang="en-US" dirty="0" smtClean="0">
-                <a:solidFill>
-                  <a:srgbClr val="FF0000"/>
-                </a:solidFill>
-              </a:rPr>
-              <a:t>()</a:t>
-            </a:r>
-            <a:r>
-              <a:rPr lang="en-US" dirty="0" smtClean="0"/>
-              <a:t> function </a:t>
-            </a:r>
-            <a:r>
-              <a:rPr lang="en-US" dirty="0" smtClean="0">
-                <a:solidFill>
-                  <a:srgbClr val="FF0000"/>
-                </a:solidFill>
-                <a:sym typeface="Wingdings"/>
-              </a:rPr>
-              <a:t> ???</a:t>
-            </a:r>
-            <a:r>
-              <a:rPr lang="en-US" dirty="0" smtClean="0">
-                <a:sym typeface="Wingdings"/>
-              </a:rPr>
-              <a:t> </a:t>
-            </a:r>
-            <a:endParaRPr lang="en-US" dirty="0" smtClean="0"/>
-          </a:p>
-          <a:p>
-            <a:pPr marL="631825" lvl="1" indent="-342900">
-              <a:buFont typeface="Arial" charset="0"/>
-              <a:buChar char="•"/>
-            </a:pPr>
-            <a:r>
-              <a:rPr lang="en-US" dirty="0" smtClean="0"/>
-              <a:t> </a:t>
-            </a:r>
-          </a:p>
-        </p:txBody>
-      </p:sp>
-      <p:sp>
-        <p:nvSpPr>
-          <p:cNvPr id="3" name="Title 2"/>
-          <p:cNvSpPr>
-            <a:spLocks noGrp="1"/>
-          </p:cNvSpPr>
-          <p:nvPr>
-            <p:ph type="title"/>
-          </p:nvPr>
-        </p:nvSpPr>
-        <p:spPr/>
-        <p:txBody>
-          <a:bodyPr/>
-          <a:lstStyle/>
-          <a:p>
-            <a:r>
-              <a:rPr lang="en-US" dirty="0" smtClean="0"/>
-              <a:t>Configure Redux</a:t>
-            </a:r>
-            <a:endParaRPr lang="en-US" dirty="0"/>
-          </a:p>
-        </p:txBody>
-      </p:sp>
-    </p:spTree>
-    <p:extLst>
-      <p:ext uri="{BB962C8B-B14F-4D97-AF65-F5344CB8AC3E}">
-        <p14:creationId xmlns:p14="http://schemas.microsoft.com/office/powerpoint/2010/main" val="477403740"/>
-      </p:ext>
-    </p:extLst>
-  </p:cSld>
-  <p:clrMapOvr>
-    <a:masterClrMapping/>
-  </p:clrMapOvr>
-  <mc:AlternateContent xmlns:mc="http://schemas.openxmlformats.org/markup-compatibility/2006" xmlns:p14="http://schemas.microsoft.com/office/powerpoint/2010/main">
-    <mc:Choice Requires="p14">
-      <p:transition p14:dur="0"/>
-    </mc:Choice>
-    <mc:Fallback xmlns="">
-      <p:transition/>
-    </mc:Fallback>
-  </mc:AlternateContent>
-  <p:timing>
-    <p:tnLst>
-      <p:par>
-        <p:cTn id="1" dur="indefinite" restart="never" nodeType="tmRoot"/>
-      </p:par>
-    </p:tnLst>
-  </p:timing>
-</p:sld>
-</file>
-
 <file path=ppt/slides/slide15.xml><?xml version="1.0" encoding="utf-8"?>
 <p:sld xmlns:a="http://schemas.openxmlformats.org/drawingml/2006/main" xmlns:r="http://schemas.openxmlformats.org/officeDocument/2006/relationships" xmlns:p="http://schemas.openxmlformats.org/presentationml/2006/main">
   <p:cSld>
@@ -13592,26 +13718,6 @@
               <a:rPr lang="en-US" dirty="0" smtClean="0"/>
               <a:t> </a:t>
             </a:r>
-            <a:r>
-              <a:rPr lang="en-US" dirty="0" err="1" smtClean="0"/>
-              <a:t>saveQuote</a:t>
-            </a:r>
-            <a:r>
-              <a:rPr lang="en-US" dirty="0" smtClean="0"/>
-              <a:t>( </a:t>
-            </a:r>
-            <a:r>
-              <a:rPr lang="en-US" dirty="0" smtClean="0">
-                <a:solidFill>
-                  <a:srgbClr val="FF0000"/>
-                </a:solidFill>
-              </a:rPr>
-              <a:t>name, quote</a:t>
-            </a:r>
-            <a:r>
-              <a:rPr lang="en-US" dirty="0" smtClean="0"/>
-              <a:t> )</a:t>
-            </a:r>
           </a:p>
         </p:txBody>
       </p:sp>
@@ -13641,7 +13747,7 @@
     </p:spTree>
     <p:extLst>
       <p:ext uri="{BB962C8B-B14F-4D97-AF65-F5344CB8AC3E}">
-        <p14:creationId xmlns:p14="http://schemas.microsoft.com/office/powerpoint/2010/main" val="1286115803"/>
+        <p14:creationId xmlns:p14="http://schemas.microsoft.com/office/powerpoint/2010/main" val="477403740"/>
       </p:ext>
     </p:extLst>
   </p:cSld>
@@ -13704,6 +13810,426 @@
             </a:pPr>
             <a:r>
               <a:rPr lang="en-US" dirty="0" smtClean="0"/>
+              <a:t>Redux </a:t>
+            </a:r>
+            <a:r>
+              <a:rPr lang="en-US" dirty="0" smtClean="0">
+                <a:solidFill>
+                  <a:srgbClr val="FF0000"/>
+                </a:solidFill>
+              </a:rPr>
+              <a:t>CREATES</a:t>
+            </a:r>
+            <a:r>
+              <a:rPr lang="en-US" dirty="0" smtClean="0"/>
+              <a:t> Container Components</a:t>
+            </a:r>
+          </a:p>
+          <a:p>
+            <a:pPr marL="342900" indent="-342900">
+              <a:buFont typeface="Arial" charset="0"/>
+              <a:buChar char="•"/>
+            </a:pPr>
+            <a:r>
+              <a:rPr lang="en-US" dirty="0" smtClean="0"/>
+              <a:t>We want Redux to create a Container around </a:t>
+            </a:r>
+            <a:r>
+              <a:rPr lang="en-US" dirty="0" smtClean="0">
+                <a:solidFill>
+                  <a:srgbClr val="FF0000"/>
+                </a:solidFill>
+              </a:rPr>
+              <a:t>&lt;Quote&gt;</a:t>
+            </a:r>
+          </a:p>
+          <a:p>
+            <a:pPr marL="917575" lvl="2" indent="-342900">
+              <a:buFont typeface="Arial" charset="0"/>
+              <a:buChar char="•"/>
+            </a:pPr>
+            <a:r>
+              <a:rPr lang="en-US" dirty="0" smtClean="0"/>
+              <a:t>&lt;</a:t>
+            </a:r>
+            <a:r>
+              <a:rPr lang="en-US" b="1" dirty="0" smtClean="0">
+                <a:solidFill>
+                  <a:srgbClr val="000080"/>
+                </a:solidFill>
+              </a:rPr>
+              <a:t>Quote </a:t>
+            </a:r>
+            <a:r>
+              <a:rPr lang="en-US" b="1" dirty="0">
+                <a:solidFill>
+                  <a:srgbClr val="000080"/>
+                </a:solidFill>
+              </a:rPr>
+              <a:t/>
+            </a:r>
+            <a:br>
+              <a:rPr lang="en-US" b="1" dirty="0">
+                <a:solidFill>
+                  <a:srgbClr val="000080"/>
+                </a:solidFill>
+              </a:rPr>
+            </a:br>
+            <a:r>
+              <a:rPr lang="en-US" b="1" dirty="0">
+                <a:solidFill>
+                  <a:srgbClr val="000080"/>
+                </a:solidFill>
+              </a:rPr>
+              <a:t>   </a:t>
+            </a:r>
+            <a:r>
+              <a:rPr lang="en-US" b="1" dirty="0">
+                <a:solidFill>
+                  <a:srgbClr val="0000FF"/>
+                </a:solidFill>
+              </a:rPr>
+              <a:t>name</a:t>
+            </a:r>
+            <a:r>
+              <a:rPr lang="en-US" b="1" dirty="0">
+                <a:solidFill>
+                  <a:srgbClr val="008000"/>
+                </a:solidFill>
+              </a:rPr>
+              <a:t>=</a:t>
+            </a:r>
+            <a:r>
+              <a:rPr lang="en-US" dirty="0"/>
+              <a:t>{</a:t>
+            </a:r>
+            <a:r>
+              <a:rPr lang="en-US" dirty="0" err="1"/>
+              <a:t>nameValue</a:t>
+            </a:r>
+            <a:r>
+              <a:rPr lang="en-US" dirty="0"/>
+              <a:t>} </a:t>
+            </a:r>
+            <a:br>
+              <a:rPr lang="en-US" dirty="0"/>
+            </a:br>
+            <a:r>
+              <a:rPr lang="en-US" dirty="0"/>
+              <a:t>   </a:t>
+            </a:r>
+            <a:r>
+              <a:rPr lang="en-US" b="1" dirty="0">
+                <a:solidFill>
+                  <a:srgbClr val="0000FF"/>
+                </a:solidFill>
+              </a:rPr>
+              <a:t>quote</a:t>
+            </a:r>
+            <a:r>
+              <a:rPr lang="en-US" b="1" dirty="0">
+                <a:solidFill>
+                  <a:srgbClr val="008000"/>
+                </a:solidFill>
+              </a:rPr>
+              <a:t>=</a:t>
+            </a:r>
+            <a:r>
+              <a:rPr lang="en-US" dirty="0"/>
+              <a:t>{</a:t>
+            </a:r>
+            <a:r>
+              <a:rPr lang="en-US" dirty="0" err="1"/>
+              <a:t>quoteValue</a:t>
+            </a:r>
+            <a:r>
+              <a:rPr lang="en-US" dirty="0"/>
+              <a:t>}</a:t>
+            </a:r>
+            <a:br>
+              <a:rPr lang="en-US" dirty="0"/>
+            </a:br>
+            <a:r>
+              <a:rPr lang="en-US" dirty="0"/>
+              <a:t>   </a:t>
+            </a:r>
+            <a:r>
+              <a:rPr lang="en-US" b="1" dirty="0" err="1" smtClean="0">
+                <a:solidFill>
+                  <a:srgbClr val="0000FF"/>
+                </a:solidFill>
+              </a:rPr>
+              <a:t>saveQuote</a:t>
+            </a:r>
+            <a:r>
+              <a:rPr lang="en-US" b="1" dirty="0" smtClean="0">
+                <a:solidFill>
+                  <a:srgbClr val="008000"/>
+                </a:solidFill>
+              </a:rPr>
+              <a:t>=</a:t>
+            </a:r>
+            <a:r>
+              <a:rPr lang="en-US" dirty="0" smtClean="0"/>
+              <a:t>{</a:t>
+            </a:r>
+            <a:r>
+              <a:rPr lang="en-US" dirty="0" err="1" smtClean="0"/>
+              <a:t>saveQuote</a:t>
+            </a:r>
+            <a:r>
+              <a:rPr lang="en-US" dirty="0" smtClean="0"/>
+              <a:t>} </a:t>
+            </a:r>
+            <a:r>
+              <a:rPr lang="en-US" dirty="0"/>
+              <a:t>/&gt;</a:t>
+            </a:r>
+          </a:p>
+          <a:p>
+            <a:pPr marL="342900" indent="-342900">
+              <a:buFont typeface="Arial" charset="0"/>
+              <a:buChar char="•"/>
+            </a:pPr>
+            <a:r>
+              <a:rPr lang="en-US" dirty="0" smtClean="0"/>
+              <a:t>We have to map the </a:t>
+            </a:r>
+            <a:r>
+              <a:rPr lang="en-US" dirty="0" smtClean="0">
+                <a:solidFill>
+                  <a:srgbClr val="FF0000"/>
+                </a:solidFill>
+              </a:rPr>
+              <a:t>STATE</a:t>
+            </a:r>
+            <a:r>
+              <a:rPr lang="en-US" dirty="0" smtClean="0"/>
+              <a:t> properties to our </a:t>
+            </a:r>
+            <a:r>
+              <a:rPr lang="en-US" dirty="0" smtClean="0">
+                <a:solidFill>
+                  <a:srgbClr val="FF0000"/>
+                </a:solidFill>
+              </a:rPr>
+              <a:t>name</a:t>
+            </a:r>
+            <a:r>
+              <a:rPr lang="en-US" dirty="0" smtClean="0"/>
+              <a:t> and </a:t>
+            </a:r>
+            <a:r>
+              <a:rPr lang="en-US" dirty="0" smtClean="0">
+                <a:solidFill>
+                  <a:srgbClr val="FF0000"/>
+                </a:solidFill>
+              </a:rPr>
+              <a:t>quote</a:t>
+            </a:r>
+            <a:r>
+              <a:rPr lang="en-US" dirty="0" smtClean="0"/>
+              <a:t> attributes</a:t>
+            </a:r>
+          </a:p>
+          <a:p>
+            <a:pPr marL="342900" indent="-342900">
+              <a:buFont typeface="Arial" charset="0"/>
+              <a:buChar char="•"/>
+            </a:pPr>
+            <a:r>
+              <a:rPr lang="en-US" dirty="0" smtClean="0"/>
+              <a:t>We have to map the </a:t>
+            </a:r>
+            <a:r>
+              <a:rPr lang="en-US" dirty="0" err="1" smtClean="0">
+                <a:solidFill>
+                  <a:srgbClr val="FF0000"/>
+                </a:solidFill>
+              </a:rPr>
+              <a:t>saveQuote</a:t>
+            </a:r>
+            <a:r>
+              <a:rPr lang="en-US" dirty="0" smtClean="0">
+                <a:solidFill>
+                  <a:srgbClr val="FF0000"/>
+                </a:solidFill>
+              </a:rPr>
+              <a:t> </a:t>
+            </a:r>
+            <a:r>
+              <a:rPr lang="en-US" dirty="0" smtClean="0"/>
+              <a:t>attribute to our callback </a:t>
+            </a:r>
+            <a:endParaRPr lang="en-US" dirty="0"/>
+          </a:p>
+          <a:p>
+            <a:pPr marL="342900" indent="-342900">
+              <a:buFont typeface="Arial" charset="0"/>
+              <a:buChar char="•"/>
+            </a:pPr>
+            <a:r>
+              <a:rPr lang="en-US" dirty="0" smtClean="0"/>
+              <a:t>What are the parameters to our </a:t>
+            </a:r>
+            <a:r>
+              <a:rPr lang="en-US" dirty="0" err="1" smtClean="0">
+                <a:solidFill>
+                  <a:srgbClr val="FF0000"/>
+                </a:solidFill>
+              </a:rPr>
+              <a:t>saveQuote</a:t>
+            </a:r>
+            <a:r>
+              <a:rPr lang="en-US" dirty="0" smtClean="0">
+                <a:solidFill>
+                  <a:srgbClr val="FF0000"/>
+                </a:solidFill>
+              </a:rPr>
+              <a:t>()</a:t>
+            </a:r>
+            <a:r>
+              <a:rPr lang="en-US" dirty="0" smtClean="0"/>
+              <a:t> function </a:t>
+            </a:r>
+            <a:r>
+              <a:rPr lang="en-US" dirty="0" smtClean="0">
+                <a:solidFill>
+                  <a:srgbClr val="FF0000"/>
+                </a:solidFill>
+                <a:sym typeface="Wingdings"/>
+              </a:rPr>
+              <a:t> ???</a:t>
+            </a:r>
+            <a:r>
+              <a:rPr lang="en-US" dirty="0" smtClean="0">
+                <a:sym typeface="Wingdings"/>
+              </a:rPr>
+              <a:t> </a:t>
+            </a:r>
+            <a:endParaRPr lang="en-US" dirty="0" smtClean="0"/>
+          </a:p>
+          <a:p>
+            <a:pPr marL="631825" lvl="1" indent="-342900">
+              <a:buFont typeface="Arial" charset="0"/>
+              <a:buChar char="•"/>
+            </a:pPr>
+            <a:r>
+              <a:rPr lang="en-US" dirty="0" smtClean="0"/>
+              <a:t> </a:t>
+            </a:r>
+            <a:r>
+              <a:rPr lang="en-US" dirty="0" err="1" smtClean="0"/>
+              <a:t>saveQuote</a:t>
+            </a:r>
+            <a:r>
+              <a:rPr lang="en-US" dirty="0" smtClean="0"/>
+              <a:t>( </a:t>
+            </a:r>
+            <a:r>
+              <a:rPr lang="en-US" dirty="0" smtClean="0">
+                <a:solidFill>
+                  <a:srgbClr val="FF0000"/>
+                </a:solidFill>
+              </a:rPr>
+              <a:t>name, quote</a:t>
+            </a:r>
+            <a:r>
+              <a:rPr lang="en-US" dirty="0" smtClean="0"/>
+              <a:t> )</a:t>
+            </a:r>
+          </a:p>
+        </p:txBody>
+      </p:sp>
+      <p:sp>
+        <p:nvSpPr>
+          <p:cNvPr id="3" name="Title 2"/>
+          <p:cNvSpPr>
+            <a:spLocks noGrp="1"/>
+          </p:cNvSpPr>
+          <p:nvPr>
+            <p:ph type="title"/>
+          </p:nvPr>
+        </p:nvSpPr>
+        <p:spPr/>
+        <p:txBody>
+          <a:bodyPr/>
+          <a:lstStyle/>
+          <a:p>
+            <a:r>
+              <a:rPr lang="en-US" dirty="0" smtClean="0"/>
+              <a:t>Configure Redux</a:t>
+            </a:r>
+            <a:endParaRPr lang="en-US" dirty="0"/>
+          </a:p>
+        </p:txBody>
+      </p:sp>
+    </p:spTree>
+    <p:extLst>
+      <p:ext uri="{BB962C8B-B14F-4D97-AF65-F5344CB8AC3E}">
+        <p14:creationId xmlns:p14="http://schemas.microsoft.com/office/powerpoint/2010/main" val="1286115803"/>
+      </p:ext>
+    </p:extLst>
+  </p:cSld>
+  <p:clrMapOvr>
+    <a:masterClrMapping/>
+  </p:clrMapOvr>
+  <mc:AlternateContent xmlns:mc="http://schemas.openxmlformats.org/markup-compatibility/2006" xmlns:p14="http://schemas.microsoft.com/office/powerpoint/2010/main">
+    <mc:Choice Requires="p14">
+      <p:transition p14:dur="0"/>
+    </mc:Choice>
+    <mc:Fallback xmlns="">
+      <p:transition/>
+    </mc:Fallback>
+  </mc:AlternateContent>
+  <p:timing>
+    <p:tnLst>
+      <p:par>
+        <p:cTn id="1" dur="indefinite" restart="never" nodeType="tmRoot"/>
+      </p:par>
+    </p:tnLst>
+  </p:timing>
+</p:sld>
+</file>
+
+<file path=ppt/slides/slide17.xml><?xml version="1.0" encoding="utf-8"?>
+<p:sld xmlns:a="http://schemas.openxmlformats.org/drawingml/2006/main" xmlns:r="http://schemas.openxmlformats.org/officeDocument/2006/relationships" xmlns:p="http://schemas.openxmlformats.org/presentationml/2006/main">
+  <p:cSld>
+    <p:spTree>
+      <p:nvGrpSpPr>
+        <p:cNvPr id="1" name=""/>
+        <p:cNvGrpSpPr/>
+        <p:nvPr/>
+      </p:nvGrpSpPr>
+      <p:grpSpPr>
+        <a:xfrm>
+          <a:off x="0" y="0"/>
+          <a:ext cx="0" cy="0"/>
+          <a:chOff x="0" y="0"/>
+          <a:chExt cx="0" cy="0"/>
+        </a:xfrm>
+      </p:grpSpPr>
+      <p:sp>
+        <p:nvSpPr>
+          <p:cNvPr id="2" name="Text Placeholder 1"/>
+          <p:cNvSpPr>
+            <a:spLocks noGrp="1"/>
+          </p:cNvSpPr>
+          <p:nvPr>
+            <p:ph type="body" sz="quarter" idx="12"/>
+          </p:nvPr>
+        </p:nvSpPr>
+        <p:spPr/>
+        <p:txBody>
+          <a:bodyPr/>
+          <a:lstStyle/>
+          <a:p>
+            <a:pPr marL="342900" indent="-342900">
+              <a:buFont typeface="Arial" charset="0"/>
+              <a:buChar char="•"/>
+            </a:pPr>
+            <a:r>
+              <a:rPr lang="en-US" dirty="0" smtClean="0"/>
               <a:t>Redux needs to know </a:t>
             </a:r>
           </a:p>
@@ -13949,7 +14475,7 @@
 </p:sld>
 </file>
 
-<file path=ppt/slides/slide17.xml><?xml version="1.0" encoding="utf-8"?>
+<file path=ppt/slides/slide18.xml><?xml version="1.0" encoding="utf-8"?>
 <p:sld xmlns:a="http://schemas.openxmlformats.org/drawingml/2006/main" xmlns:r="http://schemas.openxmlformats.org/officeDocument/2006/relationships" xmlns:p="http://schemas.openxmlformats.org/presentationml/2006/main">
   <p:cSld>
     <p:spTree>
@@ -14552,7 +15078,7 @@
 </p:sld>
 </file>
 
-<file path=ppt/slides/slide18.xml><?xml version="1.0" encoding="utf-8"?>
+<file path=ppt/slides/slide19.xml><?xml version="1.0" encoding="utf-8"?>
 <p:sld xmlns:a="http://schemas.openxmlformats.org/drawingml/2006/main" xmlns:r="http://schemas.openxmlformats.org/officeDocument/2006/relationships" xmlns:p="http://schemas.openxmlformats.org/presentationml/2006/main">
   <p:cSld>
     <p:spTree>
@@ -14612,7 +15138,6 @@
               <a:rPr lang="en-US" dirty="0" smtClean="0"/>
               <a:t> Component</a:t>
             </a:r>
-            <a:endParaRPr lang="en-US" dirty="0" smtClean="0"/>
           </a:p>
           <a:p>
             <a:pPr marL="342900" indent="-342900">
@@ -14621,19 +15146,7 @@
             </a:pPr>
             <a:r>
               <a:rPr lang="en-US" dirty="0" smtClean="0"/>
-              <a:t>Redux creates </a:t>
-            </a:r>
-            <a:r>
-              <a:rPr lang="en-US" dirty="0" smtClean="0"/>
-              <a:t>the</a:t>
-            </a:r>
-            <a:r>
-              <a:rPr lang="en-US" dirty="0" smtClean="0"/>
-              <a:t> </a:t>
-            </a:r>
-            <a:r>
-              <a:rPr lang="en-US" dirty="0" smtClean="0"/>
-              <a:t>Container around </a:t>
+              <a:t>Redux creates the Container around </a:t>
             </a:r>
             <a:r>
               <a:rPr lang="en-US" dirty="0" smtClean="0">
@@ -14862,7 +15375,6 @@
               <a:rPr lang="en-US" dirty="0" smtClean="0"/>
               <a:t>attribute to our callback </a:t>
             </a:r>
-            <a:endParaRPr lang="en-US" dirty="0" smtClean="0"/>
           </a:p>
           <a:p>
             <a:pPr marL="631825" lvl="1" indent="-342900">
@@ -14940,7 +15452,338 @@
 </p:sld>
 </file>
 
-<file path=ppt/slides/slide19.xml><?xml version="1.0" encoding="utf-8"?>
+<file path=ppt/slides/slide2.xml><?xml version="1.0" encoding="utf-8"?>
+<p:sld xmlns:a="http://schemas.openxmlformats.org/drawingml/2006/main" xmlns:r="http://schemas.openxmlformats.org/officeDocument/2006/relationships" xmlns:p="http://schemas.openxmlformats.org/presentationml/2006/main">
+  <p:cSld>
+    <p:spTree>
+      <p:nvGrpSpPr>
+        <p:cNvPr id="1" name=""/>
+        <p:cNvGrpSpPr/>
+        <p:nvPr/>
+      </p:nvGrpSpPr>
+      <p:grpSpPr>
+        <a:xfrm>
+          <a:off x="0" y="0"/>
+          <a:ext cx="0" cy="0"/>
+          <a:chOff x="0" y="0"/>
+          <a:chExt cx="0" cy="0"/>
+        </a:xfrm>
+      </p:grpSpPr>
+      <p:sp>
+        <p:nvSpPr>
+          <p:cNvPr id="2" name="Text Placeholder 1"/>
+          <p:cNvSpPr>
+            <a:spLocks noGrp="1"/>
+          </p:cNvSpPr>
+          <p:nvPr>
+            <p:ph type="body" sz="quarter" idx="12"/>
+          </p:nvPr>
+        </p:nvSpPr>
+        <p:spPr/>
+        <p:txBody>
+          <a:bodyPr/>
+          <a:lstStyle/>
+          <a:p>
+            <a:pPr marL="342900" indent="-342900">
+              <a:buFont typeface="Arial" charset="0"/>
+              <a:buChar char="•"/>
+            </a:pPr>
+            <a:r>
+              <a:rPr lang="en-US" dirty="0" smtClean="0">
+                <a:solidFill>
+                  <a:srgbClr val="FF0000"/>
+                </a:solidFill>
+              </a:rPr>
+              <a:t>Redux</a:t>
+            </a:r>
+          </a:p>
+          <a:p>
+            <a:pPr marL="631825" lvl="1" indent="-342900">
+              <a:buFont typeface="Arial" charset="0"/>
+              <a:buChar char="•"/>
+            </a:pPr>
+            <a:r>
+              <a:rPr lang="en-US" dirty="0" smtClean="0"/>
+              <a:t>Allows shared </a:t>
+            </a:r>
+            <a:r>
+              <a:rPr lang="en-US" dirty="0" smtClean="0">
+                <a:solidFill>
+                  <a:srgbClr val="FF0000"/>
+                </a:solidFill>
+              </a:rPr>
+              <a:t>STATE</a:t>
+            </a:r>
+            <a:r>
+              <a:rPr lang="en-US" dirty="0" smtClean="0"/>
+              <a:t> between independent components</a:t>
+            </a:r>
+          </a:p>
+          <a:p>
+            <a:pPr marL="917575" lvl="2" indent="-342900">
+              <a:buFont typeface="Arial" charset="0"/>
+              <a:buChar char="•"/>
+            </a:pPr>
+            <a:r>
+              <a:rPr lang="en-US" dirty="0" smtClean="0"/>
+              <a:t>Alternative </a:t>
+            </a:r>
+            <a:r>
+              <a:rPr lang="mr-IN" dirty="0" smtClean="0"/>
+              <a:t>–</a:t>
+            </a:r>
+            <a:r>
+              <a:rPr lang="en-US" dirty="0" smtClean="0"/>
+              <a:t> pass parts of state down to unrelated components</a:t>
+            </a:r>
+          </a:p>
+          <a:p>
+            <a:pPr marL="631825" lvl="1" indent="-342900">
+              <a:buFont typeface="Arial" charset="0"/>
+              <a:buChar char="•"/>
+            </a:pPr>
+            <a:r>
+              <a:rPr lang="en-US" dirty="0" smtClean="0"/>
+              <a:t>Provides a </a:t>
+            </a:r>
+            <a:r>
+              <a:rPr lang="en-US" dirty="0" smtClean="0">
+                <a:solidFill>
+                  <a:srgbClr val="FF0000"/>
+                </a:solidFill>
+              </a:rPr>
+              <a:t>single</a:t>
+            </a:r>
+            <a:r>
+              <a:rPr lang="en-US" dirty="0" smtClean="0"/>
+              <a:t> </a:t>
+            </a:r>
+            <a:r>
+              <a:rPr lang="en-US" dirty="0" smtClean="0">
+                <a:solidFill>
+                  <a:srgbClr val="FF0000"/>
+                </a:solidFill>
+              </a:rPr>
+              <a:t>STATE</a:t>
+            </a:r>
+            <a:r>
+              <a:rPr lang="en-US" dirty="0" smtClean="0"/>
+              <a:t> for the entire app</a:t>
+            </a:r>
+          </a:p>
+          <a:p>
+            <a:pPr marL="631825" lvl="1" indent="-342900">
+              <a:buFont typeface="Arial" charset="0"/>
+              <a:buChar char="•"/>
+            </a:pPr>
+            <a:r>
+              <a:rPr lang="en-US" dirty="0" smtClean="0"/>
+              <a:t>Provides a Command Pattern interface (with </a:t>
+            </a:r>
+            <a:r>
+              <a:rPr lang="en-US" dirty="0" smtClean="0">
+                <a:solidFill>
+                  <a:srgbClr val="FF0000"/>
+                </a:solidFill>
+              </a:rPr>
+              <a:t>Actions</a:t>
+            </a:r>
+            <a:r>
+              <a:rPr lang="en-US" dirty="0" smtClean="0"/>
+              <a:t>)</a:t>
+            </a:r>
+          </a:p>
+          <a:p>
+            <a:pPr marL="917575" lvl="2" indent="-342900">
+              <a:buFont typeface="Arial" charset="0"/>
+              <a:buChar char="•"/>
+            </a:pPr>
+            <a:r>
+              <a:rPr lang="en-US" dirty="0" smtClean="0"/>
+              <a:t>Like Do / Undo / Redo implementations</a:t>
+            </a:r>
+          </a:p>
+          <a:p>
+            <a:pPr marL="631825" lvl="1" indent="-342900">
+              <a:buFont typeface="Arial" charset="0"/>
+              <a:buChar char="•"/>
+            </a:pPr>
+            <a:r>
+              <a:rPr lang="en-US" dirty="0" smtClean="0"/>
+              <a:t>Provides a standard way to modify the STATE</a:t>
+            </a:r>
+          </a:p>
+          <a:p>
+            <a:pPr marL="917575" lvl="2" indent="-342900">
+              <a:buFont typeface="Arial" charset="0"/>
+              <a:buChar char="•"/>
+            </a:pPr>
+            <a:r>
+              <a:rPr lang="en-US" dirty="0"/>
+              <a:t> </a:t>
+            </a:r>
+            <a:r>
+              <a:rPr lang="en-US" dirty="0" smtClean="0">
+                <a:solidFill>
+                  <a:srgbClr val="FF0000"/>
+                </a:solidFill>
+              </a:rPr>
+              <a:t>dispatch()</a:t>
+            </a:r>
+            <a:r>
+              <a:rPr lang="en-US" dirty="0" smtClean="0"/>
+              <a:t> method </a:t>
+            </a:r>
+            <a:r>
+              <a:rPr lang="en-US" dirty="0" smtClean="0">
+                <a:sym typeface="Wingdings"/>
+              </a:rPr>
+              <a:t> dispatches the commands (</a:t>
+            </a:r>
+            <a:r>
+              <a:rPr lang="en-US" dirty="0" smtClean="0">
+                <a:solidFill>
+                  <a:srgbClr val="FF0000"/>
+                </a:solidFill>
+                <a:sym typeface="Wingdings"/>
+              </a:rPr>
+              <a:t>Actions</a:t>
+            </a:r>
+            <a:r>
+              <a:rPr lang="en-US" dirty="0" smtClean="0">
+                <a:sym typeface="Wingdings"/>
+              </a:rPr>
+              <a:t>)</a:t>
+            </a:r>
+          </a:p>
+          <a:p>
+            <a:pPr marL="631825" lvl="1" indent="-342900">
+              <a:buFont typeface="Arial" charset="0"/>
+              <a:buChar char="•"/>
+            </a:pPr>
+            <a:r>
+              <a:rPr lang="en-US" dirty="0" smtClean="0">
+                <a:sym typeface="Wingdings"/>
+              </a:rPr>
+              <a:t>Provides a standard way to CREATE CONTAINERS</a:t>
+            </a:r>
+          </a:p>
+          <a:p>
+            <a:pPr marL="917575" lvl="2" indent="-342900">
+              <a:buFont typeface="Arial" charset="0"/>
+              <a:buChar char="•"/>
+            </a:pPr>
+            <a:r>
+              <a:rPr lang="en-US" dirty="0">
+                <a:sym typeface="Wingdings"/>
+              </a:rPr>
+              <a:t> </a:t>
+            </a:r>
+            <a:r>
+              <a:rPr lang="en-US" dirty="0" smtClean="0">
+                <a:solidFill>
+                  <a:srgbClr val="FF0000"/>
+                </a:solidFill>
+                <a:sym typeface="Wingdings"/>
+              </a:rPr>
+              <a:t>props</a:t>
+            </a:r>
+            <a:r>
+              <a:rPr lang="en-US" dirty="0" smtClean="0">
+                <a:sym typeface="Wingdings"/>
+              </a:rPr>
+              <a:t> are a subset of single STATE </a:t>
+            </a:r>
+          </a:p>
+          <a:p>
+            <a:pPr marL="917575" lvl="2" indent="-342900">
+              <a:buFont typeface="Arial" charset="0"/>
+              <a:buChar char="•"/>
+            </a:pPr>
+            <a:r>
+              <a:rPr lang="en-US" dirty="0" smtClean="0">
+                <a:sym typeface="Wingdings"/>
+              </a:rPr>
+              <a:t>Callbacks are wrappers around </a:t>
+            </a:r>
+            <a:r>
+              <a:rPr lang="en-US" dirty="0" smtClean="0">
+                <a:solidFill>
+                  <a:srgbClr val="FF0000"/>
+                </a:solidFill>
+                <a:sym typeface="Wingdings"/>
+              </a:rPr>
+              <a:t>dispatch()</a:t>
+            </a:r>
+            <a:r>
+              <a:rPr lang="en-US" dirty="0" smtClean="0">
+                <a:sym typeface="Wingdings"/>
+              </a:rPr>
+              <a:t> of Actions</a:t>
+            </a:r>
+            <a:endParaRPr lang="en-US" dirty="0" smtClean="0"/>
+          </a:p>
+          <a:p>
+            <a:pPr marL="631825" lvl="1" indent="-342900">
+              <a:buFont typeface="Arial" charset="0"/>
+              <a:buChar char="•"/>
+            </a:pPr>
+            <a:endParaRPr lang="en-US" dirty="0" smtClean="0"/>
+          </a:p>
+        </p:txBody>
+      </p:sp>
+      <p:sp>
+        <p:nvSpPr>
+          <p:cNvPr id="3" name="Title 2"/>
+          <p:cNvSpPr>
+            <a:spLocks noGrp="1"/>
+          </p:cNvSpPr>
+          <p:nvPr>
+            <p:ph type="title"/>
+          </p:nvPr>
+        </p:nvSpPr>
+        <p:spPr/>
+        <p:txBody>
+          <a:bodyPr/>
+          <a:lstStyle/>
+          <a:p>
+            <a:r>
+              <a:rPr lang="en-US" dirty="0" smtClean="0"/>
+              <a:t>Overview</a:t>
+            </a:r>
+            <a:endParaRPr lang="en-US" dirty="0"/>
+          </a:p>
+        </p:txBody>
+      </p:sp>
+    </p:spTree>
+    <p:extLst>
+      <p:ext uri="{BB962C8B-B14F-4D97-AF65-F5344CB8AC3E}">
+        <p14:creationId xmlns:p14="http://schemas.microsoft.com/office/powerpoint/2010/main" val="1263611602"/>
+      </p:ext>
+    </p:extLst>
+  </p:cSld>
+  <p:clrMapOvr>
+    <a:masterClrMapping/>
+  </p:clrMapOvr>
+  <mc:AlternateContent xmlns:mc="http://schemas.openxmlformats.org/markup-compatibility/2006" xmlns:p14="http://schemas.microsoft.com/office/powerpoint/2010/main">
+    <mc:Choice Requires="p14">
+      <p:transition p14:dur="0"/>
+    </mc:Choice>
+    <mc:Fallback xmlns="">
+      <p:transition/>
+    </mc:Fallback>
+  </mc:AlternateContent>
+  <p:timing>
+    <p:tnLst>
+      <p:par>
+        <p:cTn id="1" dur="indefinite" restart="never" nodeType="tmRoot"/>
+      </p:par>
+    </p:tnLst>
+  </p:timing>
+</p:sld>
+</file>
+
+<file path=ppt/slides/slide20.xml><?xml version="1.0" encoding="utf-8"?>
 <p:sld xmlns:a="http://schemas.openxmlformats.org/drawingml/2006/main" xmlns:r="http://schemas.openxmlformats.org/officeDocument/2006/relationships" xmlns:p="http://schemas.openxmlformats.org/presentationml/2006/main">
   <p:cSld>
     <p:spTree>
@@ -15841,338 +16684,7 @@
 </p:sld>
 </file>
 
-<file path=ppt/slides/slide2.xml><?xml version="1.0" encoding="utf-8"?>
-<p:sld xmlns:a="http://schemas.openxmlformats.org/drawingml/2006/main" xmlns:r="http://schemas.openxmlformats.org/officeDocument/2006/relationships" xmlns:p="http://schemas.openxmlformats.org/presentationml/2006/main">
-  <p:cSld>
-    <p:spTree>
-      <p:nvGrpSpPr>
-        <p:cNvPr id="1" name=""/>
-        <p:cNvGrpSpPr/>
-        <p:nvPr/>
-      </p:nvGrpSpPr>
-      <p:grpSpPr>
-        <a:xfrm>
-          <a:off x="0" y="0"/>
-          <a:ext cx="0" cy="0"/>
-          <a:chOff x="0" y="0"/>
-          <a:chExt cx="0" cy="0"/>
-        </a:xfrm>
-      </p:grpSpPr>
-      <p:sp>
-        <p:nvSpPr>
-          <p:cNvPr id="2" name="Text Placeholder 1"/>
-          <p:cNvSpPr>
-            <a:spLocks noGrp="1"/>
-          </p:cNvSpPr>
-          <p:nvPr>
-            <p:ph type="body" sz="quarter" idx="12"/>
-          </p:nvPr>
-        </p:nvSpPr>
-        <p:spPr/>
-        <p:txBody>
-          <a:bodyPr/>
-          <a:lstStyle/>
-          <a:p>
-            <a:pPr marL="342900" indent="-342900">
-              <a:buFont typeface="Arial" charset="0"/>
-              <a:buChar char="•"/>
-            </a:pPr>
-            <a:r>
-              <a:rPr lang="en-US" dirty="0" smtClean="0">
-                <a:solidFill>
-                  <a:srgbClr val="FF0000"/>
-                </a:solidFill>
-              </a:rPr>
-              <a:t>Redux</a:t>
-            </a:r>
-          </a:p>
-          <a:p>
-            <a:pPr marL="631825" lvl="1" indent="-342900">
-              <a:buFont typeface="Arial" charset="0"/>
-              <a:buChar char="•"/>
-            </a:pPr>
-            <a:r>
-              <a:rPr lang="en-US" dirty="0" smtClean="0"/>
-              <a:t>Allows shared </a:t>
-            </a:r>
-            <a:r>
-              <a:rPr lang="en-US" dirty="0" smtClean="0">
-                <a:solidFill>
-                  <a:srgbClr val="FF0000"/>
-                </a:solidFill>
-              </a:rPr>
-              <a:t>STATE</a:t>
-            </a:r>
-            <a:r>
-              <a:rPr lang="en-US" dirty="0" smtClean="0"/>
-              <a:t> between independent components</a:t>
-            </a:r>
-          </a:p>
-          <a:p>
-            <a:pPr marL="917575" lvl="2" indent="-342900">
-              <a:buFont typeface="Arial" charset="0"/>
-              <a:buChar char="•"/>
-            </a:pPr>
-            <a:r>
-              <a:rPr lang="en-US" dirty="0" smtClean="0"/>
-              <a:t>Alternative </a:t>
-            </a:r>
-            <a:r>
-              <a:rPr lang="mr-IN" dirty="0" smtClean="0"/>
-              <a:t>–</a:t>
-            </a:r>
-            <a:r>
-              <a:rPr lang="en-US" dirty="0" smtClean="0"/>
-              <a:t> pass parts of state down to unrelated components</a:t>
-            </a:r>
-          </a:p>
-          <a:p>
-            <a:pPr marL="631825" lvl="1" indent="-342900">
-              <a:buFont typeface="Arial" charset="0"/>
-              <a:buChar char="•"/>
-            </a:pPr>
-            <a:r>
-              <a:rPr lang="en-US" dirty="0" smtClean="0"/>
-              <a:t>Provides a </a:t>
-            </a:r>
-            <a:r>
-              <a:rPr lang="en-US" dirty="0" smtClean="0">
-                <a:solidFill>
-                  <a:srgbClr val="FF0000"/>
-                </a:solidFill>
-              </a:rPr>
-              <a:t>single</a:t>
-            </a:r>
-            <a:r>
-              <a:rPr lang="en-US" dirty="0" smtClean="0"/>
-              <a:t> </a:t>
-            </a:r>
-            <a:r>
-              <a:rPr lang="en-US" dirty="0" smtClean="0">
-                <a:solidFill>
-                  <a:srgbClr val="FF0000"/>
-                </a:solidFill>
-              </a:rPr>
-              <a:t>STATE</a:t>
-            </a:r>
-            <a:r>
-              <a:rPr lang="en-US" dirty="0" smtClean="0"/>
-              <a:t> for the entire app</a:t>
-            </a:r>
-          </a:p>
-          <a:p>
-            <a:pPr marL="631825" lvl="1" indent="-342900">
-              <a:buFont typeface="Arial" charset="0"/>
-              <a:buChar char="•"/>
-            </a:pPr>
-            <a:r>
-              <a:rPr lang="en-US" dirty="0" smtClean="0"/>
-              <a:t>Provides a Command Pattern interface (with </a:t>
-            </a:r>
-            <a:r>
-              <a:rPr lang="en-US" dirty="0" smtClean="0">
-                <a:solidFill>
-                  <a:srgbClr val="FF0000"/>
-                </a:solidFill>
-              </a:rPr>
-              <a:t>Actions</a:t>
-            </a:r>
-            <a:r>
-              <a:rPr lang="en-US" dirty="0" smtClean="0"/>
-              <a:t>)</a:t>
-            </a:r>
-          </a:p>
-          <a:p>
-            <a:pPr marL="917575" lvl="2" indent="-342900">
-              <a:buFont typeface="Arial" charset="0"/>
-              <a:buChar char="•"/>
-            </a:pPr>
-            <a:r>
-              <a:rPr lang="en-US" dirty="0" smtClean="0"/>
-              <a:t>Like Do / Undo / Redo implementations</a:t>
-            </a:r>
-          </a:p>
-          <a:p>
-            <a:pPr marL="631825" lvl="1" indent="-342900">
-              <a:buFont typeface="Arial" charset="0"/>
-              <a:buChar char="•"/>
-            </a:pPr>
-            <a:r>
-              <a:rPr lang="en-US" dirty="0" smtClean="0"/>
-              <a:t>Provides a standard way to modify the STATE</a:t>
-            </a:r>
-          </a:p>
-          <a:p>
-            <a:pPr marL="917575" lvl="2" indent="-342900">
-              <a:buFont typeface="Arial" charset="0"/>
-              <a:buChar char="•"/>
-            </a:pPr>
-            <a:r>
-              <a:rPr lang="en-US" dirty="0"/>
-              <a:t> </a:t>
-            </a:r>
-            <a:r>
-              <a:rPr lang="en-US" dirty="0" smtClean="0">
-                <a:solidFill>
-                  <a:srgbClr val="FF0000"/>
-                </a:solidFill>
-              </a:rPr>
-              <a:t>dispatch()</a:t>
-            </a:r>
-            <a:r>
-              <a:rPr lang="en-US" dirty="0" smtClean="0"/>
-              <a:t> method </a:t>
-            </a:r>
-            <a:r>
-              <a:rPr lang="en-US" dirty="0" smtClean="0">
-                <a:sym typeface="Wingdings"/>
-              </a:rPr>
-              <a:t> dispatches the commands (</a:t>
-            </a:r>
-            <a:r>
-              <a:rPr lang="en-US" dirty="0" smtClean="0">
-                <a:solidFill>
-                  <a:srgbClr val="FF0000"/>
-                </a:solidFill>
-                <a:sym typeface="Wingdings"/>
-              </a:rPr>
-              <a:t>Actions</a:t>
-            </a:r>
-            <a:r>
-              <a:rPr lang="en-US" dirty="0" smtClean="0">
-                <a:sym typeface="Wingdings"/>
-              </a:rPr>
-              <a:t>)</a:t>
-            </a:r>
-          </a:p>
-          <a:p>
-            <a:pPr marL="631825" lvl="1" indent="-342900">
-              <a:buFont typeface="Arial" charset="0"/>
-              <a:buChar char="•"/>
-            </a:pPr>
-            <a:r>
-              <a:rPr lang="en-US" dirty="0" smtClean="0">
-                <a:sym typeface="Wingdings"/>
-              </a:rPr>
-              <a:t>Provides a standard way to CREATE CONTAINERS</a:t>
-            </a:r>
-          </a:p>
-          <a:p>
-            <a:pPr marL="917575" lvl="2" indent="-342900">
-              <a:buFont typeface="Arial" charset="0"/>
-              <a:buChar char="•"/>
-            </a:pPr>
-            <a:r>
-              <a:rPr lang="en-US" dirty="0">
-                <a:sym typeface="Wingdings"/>
-              </a:rPr>
-              <a:t> </a:t>
-            </a:r>
-            <a:r>
-              <a:rPr lang="en-US" dirty="0" smtClean="0">
-                <a:solidFill>
-                  <a:srgbClr val="FF0000"/>
-                </a:solidFill>
-                <a:sym typeface="Wingdings"/>
-              </a:rPr>
-              <a:t>props</a:t>
-            </a:r>
-            <a:r>
-              <a:rPr lang="en-US" dirty="0" smtClean="0">
-                <a:sym typeface="Wingdings"/>
-              </a:rPr>
-              <a:t> are a subset of single STATE </a:t>
-            </a:r>
-          </a:p>
-          <a:p>
-            <a:pPr marL="917575" lvl="2" indent="-342900">
-              <a:buFont typeface="Arial" charset="0"/>
-              <a:buChar char="•"/>
-            </a:pPr>
-            <a:r>
-              <a:rPr lang="en-US" dirty="0" smtClean="0">
-                <a:sym typeface="Wingdings"/>
-              </a:rPr>
-              <a:t>Callbacks are wrappers around </a:t>
-            </a:r>
-            <a:r>
-              <a:rPr lang="en-US" dirty="0" smtClean="0">
-                <a:solidFill>
-                  <a:srgbClr val="FF0000"/>
-                </a:solidFill>
-                <a:sym typeface="Wingdings"/>
-              </a:rPr>
-              <a:t>dispatch()</a:t>
-            </a:r>
-            <a:r>
-              <a:rPr lang="en-US" dirty="0" smtClean="0">
-                <a:sym typeface="Wingdings"/>
-              </a:rPr>
-              <a:t> of Actions</a:t>
-            </a:r>
-            <a:endParaRPr lang="en-US" dirty="0" smtClean="0"/>
-          </a:p>
-          <a:p>
-            <a:pPr marL="631825" lvl="1" indent="-342900">
-              <a:buFont typeface="Arial" charset="0"/>
-              <a:buChar char="•"/>
-            </a:pPr>
-            <a:endParaRPr lang="en-US" dirty="0" smtClean="0"/>
-          </a:p>
-        </p:txBody>
-      </p:sp>
-      <p:sp>
-        <p:nvSpPr>
-          <p:cNvPr id="3" name="Title 2"/>
-          <p:cNvSpPr>
-            <a:spLocks noGrp="1"/>
-          </p:cNvSpPr>
-          <p:nvPr>
-            <p:ph type="title"/>
-          </p:nvPr>
-        </p:nvSpPr>
-        <p:spPr/>
-        <p:txBody>
-          <a:bodyPr/>
-          <a:lstStyle/>
-          <a:p>
-            <a:r>
-              <a:rPr lang="en-US" dirty="0" smtClean="0"/>
-              <a:t>Overview</a:t>
-            </a:r>
-            <a:endParaRPr lang="en-US" dirty="0"/>
-          </a:p>
-        </p:txBody>
-      </p:sp>
-    </p:spTree>
-    <p:extLst>
-      <p:ext uri="{BB962C8B-B14F-4D97-AF65-F5344CB8AC3E}">
-        <p14:creationId xmlns:p14="http://schemas.microsoft.com/office/powerpoint/2010/main" val="1263611602"/>
-      </p:ext>
-    </p:extLst>
-  </p:cSld>
-  <p:clrMapOvr>
-    <a:masterClrMapping/>
-  </p:clrMapOvr>
-  <mc:AlternateContent xmlns:mc="http://schemas.openxmlformats.org/markup-compatibility/2006" xmlns:p14="http://schemas.microsoft.com/office/powerpoint/2010/main">
-    <mc:Choice Requires="p14">
-      <p:transition p14:dur="0"/>
-    </mc:Choice>
-    <mc:Fallback xmlns="">
-      <p:transition/>
-    </mc:Fallback>
-  </mc:AlternateContent>
-  <p:timing>
-    <p:tnLst>
-      <p:par>
-        <p:cTn id="1" dur="indefinite" restart="never" nodeType="tmRoot"/>
-      </p:par>
-    </p:tnLst>
-  </p:timing>
-</p:sld>
-</file>
-
-<file path=ppt/slides/slide20.xml><?xml version="1.0" encoding="utf-8"?>
+<file path=ppt/slides/slide21.xml><?xml version="1.0" encoding="utf-8"?>
 <p:sld xmlns:a="http://schemas.openxmlformats.org/drawingml/2006/main" xmlns:r="http://schemas.openxmlformats.org/officeDocument/2006/relationships" xmlns:p="http://schemas.openxmlformats.org/presentationml/2006/main">
   <p:cSld>
     <p:spTree>
@@ -16459,11 +16971,7 @@
           <a:p>
             <a:r>
               <a:rPr lang="en-US" dirty="0" smtClean="0"/>
-              <a:t>Configure </a:t>
-            </a:r>
-            <a:r>
-              <a:rPr lang="en-US" dirty="0" smtClean="0"/>
-              <a:t>Redux </a:t>
+              <a:t>Configure Redux </a:t>
             </a:r>
             <a:r>
               <a:rPr lang="mr-IN" dirty="0" smtClean="0"/>
@@ -16471,11 +16979,7 @@
             </a:r>
             <a:r>
               <a:rPr lang="en-US" dirty="0" smtClean="0"/>
-              <a:t> </a:t>
-            </a:r>
-            <a:r>
-              <a:rPr lang="en-US" dirty="0" smtClean="0"/>
-              <a:t>Multiple Reducers</a:t>
+              <a:t> Multiple Reducers</a:t>
             </a:r>
             <a:endParaRPr lang="en-US" dirty="0"/>
           </a:p>
@@ -16764,207 +17268,6 @@
 </p:sld>
 </file>
 
-<file path=ppt/slides/slide21.xml><?xml version="1.0" encoding="utf-8"?>
-<p:sld xmlns:a="http://schemas.openxmlformats.org/drawingml/2006/main" xmlns:r="http://schemas.openxmlformats.org/officeDocument/2006/relationships" xmlns:p="http://schemas.openxmlformats.org/presentationml/2006/main">
-  <p:cSld>
-    <p:spTree>
-      <p:nvGrpSpPr>
-        <p:cNvPr id="1" name=""/>
-        <p:cNvGrpSpPr/>
-        <p:nvPr/>
-      </p:nvGrpSpPr>
-      <p:grpSpPr>
-        <a:xfrm>
-          <a:off x="0" y="0"/>
-          <a:ext cx="0" cy="0"/>
-          <a:chOff x="0" y="0"/>
-          <a:chExt cx="0" cy="0"/>
-        </a:xfrm>
-      </p:grpSpPr>
-      <p:sp>
-        <p:nvSpPr>
-          <p:cNvPr id="2" name="Text Placeholder 1"/>
-          <p:cNvSpPr>
-            <a:spLocks noGrp="1"/>
-          </p:cNvSpPr>
-          <p:nvPr>
-            <p:ph type="body" sz="quarter" idx="12"/>
-          </p:nvPr>
-        </p:nvSpPr>
-        <p:spPr/>
-        <p:txBody>
-          <a:bodyPr/>
-          <a:lstStyle/>
-          <a:p>
-            <a:pPr marL="342900" indent="-342900">
-              <a:buFont typeface="Arial" charset="0"/>
-              <a:buChar char="•"/>
-            </a:pPr>
-            <a:r>
-              <a:rPr lang="en-US" dirty="0" smtClean="0"/>
-              <a:t>The store contains the state of the application</a:t>
-            </a:r>
-          </a:p>
-          <a:p>
-            <a:pPr marL="342900" indent="-342900">
-              <a:buFont typeface="Arial" charset="0"/>
-              <a:buChar char="•"/>
-            </a:pPr>
-            <a:r>
-              <a:rPr lang="en-US" dirty="0" smtClean="0"/>
-              <a:t>All it does is </a:t>
-            </a:r>
-            <a:r>
-              <a:rPr lang="en-US" dirty="0" smtClean="0">
-                <a:solidFill>
-                  <a:srgbClr val="FF0000"/>
-                </a:solidFill>
-              </a:rPr>
-              <a:t>CALL THE REDUCERS</a:t>
-            </a:r>
-          </a:p>
-          <a:p>
-            <a:pPr marL="631825" lvl="1" indent="-342900">
-              <a:buFont typeface="Arial" charset="0"/>
-              <a:buChar char="•"/>
-            </a:pPr>
-            <a:r>
-              <a:rPr lang="en-US" dirty="0" smtClean="0"/>
-              <a:t>Reducer changes the </a:t>
-            </a:r>
-            <a:r>
-              <a:rPr lang="en-US" dirty="0" smtClean="0">
-                <a:solidFill>
-                  <a:srgbClr val="FF0000"/>
-                </a:solidFill>
-              </a:rPr>
-              <a:t>STATE </a:t>
-            </a:r>
-          </a:p>
-          <a:p>
-            <a:pPr marL="342900" indent="-342900">
-              <a:buFont typeface="Arial" charset="0"/>
-              <a:buChar char="•"/>
-            </a:pPr>
-            <a:r>
-              <a:rPr lang="en-US" dirty="0" smtClean="0"/>
-              <a:t>Can register listeners </a:t>
-            </a:r>
-          </a:p>
-          <a:p>
-            <a:pPr marL="342900" indent="-342900">
-              <a:buFont typeface="Arial" charset="0"/>
-              <a:buChar char="•"/>
-            </a:pPr>
-            <a:r>
-              <a:rPr lang="en-US" dirty="0" smtClean="0"/>
-              <a:t>Only </a:t>
-            </a:r>
-            <a:r>
-              <a:rPr lang="en-US" dirty="0" smtClean="0">
-                <a:solidFill>
-                  <a:srgbClr val="FF0000"/>
-                </a:solidFill>
-              </a:rPr>
-              <a:t>ONE</a:t>
-            </a:r>
-            <a:r>
-              <a:rPr lang="en-US" dirty="0" smtClean="0"/>
-              <a:t> store in a Redux application</a:t>
-            </a:r>
-          </a:p>
-          <a:p>
-            <a:pPr marL="631825" lvl="1" indent="-342900">
-              <a:buFont typeface="Arial" charset="0"/>
-              <a:buChar char="•"/>
-            </a:pPr>
-            <a:r>
-              <a:rPr lang="en-US" dirty="0" smtClean="0"/>
-              <a:t>Contains the entire application state</a:t>
-            </a:r>
-          </a:p>
-          <a:p>
-            <a:pPr marL="631825" lvl="1" indent="-342900">
-              <a:buFont typeface="Arial" charset="0"/>
-              <a:buChar char="•"/>
-            </a:pPr>
-            <a:r>
-              <a:rPr lang="en-US" dirty="0" smtClean="0"/>
-              <a:t>Change the </a:t>
-            </a:r>
-            <a:r>
-              <a:rPr lang="en-US" dirty="0" smtClean="0">
-                <a:solidFill>
-                  <a:srgbClr val="FF0000"/>
-                </a:solidFill>
-              </a:rPr>
-              <a:t>STATE</a:t>
-            </a:r>
-            <a:r>
-              <a:rPr lang="en-US" dirty="0" smtClean="0"/>
-              <a:t> using the REDUCER pattern</a:t>
-            </a:r>
-          </a:p>
-          <a:p>
-            <a:pPr marL="631825" lvl="1" indent="-342900">
-              <a:buFont typeface="Arial" charset="0"/>
-              <a:buChar char="•"/>
-            </a:pPr>
-            <a:endParaRPr lang="en-US" dirty="0" smtClean="0"/>
-          </a:p>
-        </p:txBody>
-      </p:sp>
-      <p:sp>
-        <p:nvSpPr>
-          <p:cNvPr id="3" name="Title 2"/>
-          <p:cNvSpPr>
-            <a:spLocks noGrp="1"/>
-          </p:cNvSpPr>
-          <p:nvPr>
-            <p:ph type="title"/>
-          </p:nvPr>
-        </p:nvSpPr>
-        <p:spPr/>
-        <p:txBody>
-          <a:bodyPr/>
-          <a:lstStyle/>
-          <a:p>
-            <a:r>
-              <a:rPr lang="en-US" dirty="0" smtClean="0"/>
-              <a:t>Store</a:t>
-            </a:r>
-            <a:endParaRPr lang="en-US" dirty="0"/>
-          </a:p>
-        </p:txBody>
-      </p:sp>
-    </p:spTree>
-    <p:extLst>
-      <p:ext uri="{BB962C8B-B14F-4D97-AF65-F5344CB8AC3E}">
-        <p14:creationId xmlns:p14="http://schemas.microsoft.com/office/powerpoint/2010/main" val="1893326752"/>
-      </p:ext>
-    </p:extLst>
-  </p:cSld>
-  <p:clrMapOvr>
-    <a:masterClrMapping/>
-  </p:clrMapOvr>
-  <mc:AlternateContent xmlns:mc="http://schemas.openxmlformats.org/markup-compatibility/2006" xmlns:p14="http://schemas.microsoft.com/office/powerpoint/2010/main">
-    <mc:Choice Requires="p14">
-      <p:transition p14:dur="0"/>
-    </mc:Choice>
-    <mc:Fallback xmlns="">
-      <p:transition/>
-    </mc:Fallback>
-  </mc:AlternateContent>
-  <p:timing>
-    <p:tnLst>
-      <p:par>
-        <p:cTn id="1" dur="indefinite" restart="never" nodeType="tmRoot"/>
-      </p:par>
-    </p:tnLst>
-  </p:timing>
-</p:sld>
-</file>
-
 <file path=ppt/slides/slide22.xml><?xml version="1.0" encoding="utf-8"?>
 <p:sld xmlns:a="http://schemas.openxmlformats.org/drawingml/2006/main" xmlns:r="http://schemas.openxmlformats.org/officeDocument/2006/relationships" xmlns:p="http://schemas.openxmlformats.org/presentationml/2006/main">
   <p:cSld>
@@ -17003,7 +17306,25 @@
             </a:pPr>
             <a:r>
               <a:rPr lang="en-US" dirty="0" smtClean="0"/>
-              <a:t>Test Questions</a:t>
+              <a:t>The store contains the state of the application</a:t>
+            </a:r>
+          </a:p>
+          <a:p>
+            <a:pPr marL="342900" indent="-342900">
+              <a:buFont typeface="Arial" charset="0"/>
+              <a:buChar char="•"/>
+            </a:pPr>
+            <a:r>
+              <a:rPr lang="en-US" dirty="0" smtClean="0"/>
+              <a:t>All it does is </a:t>
+            </a:r>
+            <a:r>
+              <a:rPr lang="en-US" dirty="0" smtClean="0">
+                <a:solidFill>
+                  <a:srgbClr val="FF0000"/>
+                </a:solidFill>
+              </a:rPr>
+              <a:t>CALL THE REDUCERS</a:t>
             </a:r>
           </a:p>
           <a:p>
@@ -17012,14 +17333,49 @@
               <a:buChar char="•"/>
             </a:pPr>
             <a:r>
-              <a:rPr lang="en-US" dirty="0"/>
-              <a:t>How many copies of the STATE are there</a:t>
-            </a:r>
-            <a:r>
-              <a:rPr lang="en-US" dirty="0" smtClean="0"/>
-              <a:t>?</a:t>
-            </a:r>
-            <a:endParaRPr lang="en-US" dirty="0"/>
+              <a:rPr lang="en-US" dirty="0" smtClean="0"/>
+              <a:t>Reducer changes the </a:t>
+            </a:r>
+            <a:r>
+              <a:rPr lang="en-US" dirty="0" smtClean="0">
+                <a:solidFill>
+                  <a:srgbClr val="FF0000"/>
+                </a:solidFill>
+              </a:rPr>
+              <a:t>STATE </a:t>
+            </a:r>
+          </a:p>
+          <a:p>
+            <a:pPr marL="342900" indent="-342900">
+              <a:buFont typeface="Arial" charset="0"/>
+              <a:buChar char="•"/>
+            </a:pPr>
+            <a:r>
+              <a:rPr lang="en-US" dirty="0" smtClean="0"/>
+              <a:t>Can register listeners </a:t>
+            </a:r>
+          </a:p>
+          <a:p>
+            <a:pPr marL="342900" indent="-342900">
+              <a:buFont typeface="Arial" charset="0"/>
+              <a:buChar char="•"/>
+            </a:pPr>
+            <a:r>
+              <a:rPr lang="en-US" dirty="0" smtClean="0"/>
+              <a:t>Only </a:t>
+            </a:r>
+            <a:r>
+              <a:rPr lang="en-US" dirty="0" smtClean="0">
+                <a:solidFill>
+                  <a:srgbClr val="FF0000"/>
+                </a:solidFill>
+              </a:rPr>
+              <a:t>ONE</a:t>
+            </a:r>
+            <a:r>
+              <a:rPr lang="en-US" dirty="0" smtClean="0"/>
+              <a:t> store in a Redux application</a:t>
+            </a:r>
           </a:p>
           <a:p>
             <a:pPr marL="631825" lvl="1" indent="-342900">
@@ -17028,7 +17384,7 @@
             </a:pPr>
             <a:r>
               <a:rPr lang="en-US" dirty="0" smtClean="0"/>
-              <a:t>What does a reducer do?</a:t>
+              <a:t>Contains the entire application state</a:t>
             </a:r>
           </a:p>
           <a:p>
@@ -17038,55 +17394,20 @@
             </a:pPr>
             <a:r>
               <a:rPr lang="en-US" dirty="0" smtClean="0"/>
-              <a:t>What are the parameters to the reducer?</a:t>
-            </a:r>
-          </a:p>
-          <a:p>
-            <a:pPr marL="631825" lvl="1" indent="-342900">
-              <a:buFont typeface="Arial" charset="0"/>
-              <a:buChar char="•"/>
-            </a:pPr>
-            <a:r>
-              <a:rPr lang="en-US" dirty="0" smtClean="0"/>
-              <a:t>What does the reducer return?</a:t>
-            </a:r>
-          </a:p>
-          <a:p>
-            <a:pPr marL="631825" lvl="1" indent="-342900">
-              <a:buFont typeface="Arial" charset="0"/>
-              <a:buChar char="•"/>
-            </a:pPr>
-            <a:r>
-              <a:rPr lang="en-US" dirty="0" smtClean="0"/>
-              <a:t>How do you call the Redux store?</a:t>
-            </a:r>
-          </a:p>
-          <a:p>
-            <a:pPr marL="631825" lvl="1" indent="-342900">
-              <a:buFont typeface="Arial" charset="0"/>
-              <a:buChar char="•"/>
-            </a:pPr>
-            <a:r>
-              <a:rPr lang="en-US" dirty="0" smtClean="0"/>
-              <a:t>What is the parameter to dispatch()?</a:t>
-            </a:r>
-          </a:p>
-          <a:p>
-            <a:pPr marL="631825" lvl="1" indent="-342900">
-              <a:buFont typeface="Arial" charset="0"/>
-              <a:buChar char="•"/>
-            </a:pPr>
-            <a:r>
-              <a:rPr lang="en-US" dirty="0" smtClean="0"/>
-              <a:t>What object is the command?</a:t>
-            </a:r>
-          </a:p>
-          <a:p>
-            <a:pPr marL="631825" lvl="1" indent="-342900">
-              <a:buFont typeface="Arial" charset="0"/>
-              <a:buChar char="•"/>
-            </a:pPr>
-            <a:endParaRPr lang="en-US" dirty="0" smtClean="0"/>
+              <a:t>Change the </a:t>
+            </a:r>
+            <a:r>
+              <a:rPr lang="en-US" dirty="0" smtClean="0">
+                <a:solidFill>
+                  <a:srgbClr val="FF0000"/>
+                </a:solidFill>
+              </a:rPr>
+              <a:t>STATE</a:t>
+            </a:r>
+            <a:r>
+              <a:rPr lang="en-US" dirty="0" smtClean="0"/>
+              <a:t> using the REDUCER pattern</a:t>
+            </a:r>
           </a:p>
           <a:p>
             <a:pPr marL="631825" lvl="1" indent="-342900">
@@ -17114,7 +17435,7 @@
           <a:p>
             <a:r>
               <a:rPr lang="en-US" dirty="0" smtClean="0"/>
-              <a:t>In Summary</a:t>
+              <a:t>Store</a:t>
             </a:r>
             <a:endParaRPr lang="en-US" dirty="0"/>
           </a:p>
@@ -17123,7 +17444,7 @@
     </p:spTree>
     <p:extLst>
       <p:ext uri="{BB962C8B-B14F-4D97-AF65-F5344CB8AC3E}">
-        <p14:creationId xmlns:p14="http://schemas.microsoft.com/office/powerpoint/2010/main" val="427519743"/>
+        <p14:creationId xmlns:p14="http://schemas.microsoft.com/office/powerpoint/2010/main" val="1893326752"/>
       </p:ext>
     </p:extLst>
   </p:cSld>
@@ -17195,23 +17516,14 @@
               <a:buChar char="•"/>
             </a:pPr>
             <a:r>
-              <a:rPr lang="en-US" dirty="0" smtClean="0"/>
-              <a:t>How many copies of the STATE are there? </a:t>
-            </a:r>
-            <a:r>
-              <a:rPr lang="en-US" dirty="0" smtClean="0">
-                <a:solidFill>
-                  <a:srgbClr val="FF0000"/>
-                </a:solidFill>
-                <a:sym typeface="Wingdings"/>
-              </a:rPr>
-              <a:t> ONE</a:t>
-            </a:r>
-            <a:endParaRPr lang="en-US" dirty="0" smtClean="0">
-              <a:solidFill>
-                <a:srgbClr val="FF0000"/>
-              </a:solidFill>
-            </a:endParaRPr>
+              <a:rPr lang="en-US" dirty="0"/>
+              <a:t>How many copies of the STATE are there</a:t>
+            </a:r>
+            <a:r>
+              <a:rPr lang="en-US" dirty="0" smtClean="0"/>
+              <a:t>?</a:t>
+            </a:r>
+            <a:endParaRPr lang="en-US" dirty="0"/>
           </a:p>
           <a:p>
             <a:pPr marL="631825" lvl="1" indent="-342900">
@@ -17220,13 +17532,8 @@
             </a:pPr>
             <a:r>
               <a:rPr lang="en-US" dirty="0" smtClean="0"/>
-              <a:t>What does a reducer do? </a:t>
-            </a:r>
-            <a:endParaRPr lang="en-US" dirty="0" smtClean="0">
-              <a:solidFill>
-                <a:srgbClr val="FF0000"/>
-              </a:solidFill>
-            </a:endParaRPr>
+              <a:t>What does a reducer do?</a:t>
+            </a:r>
           </a:p>
           <a:p>
             <a:pPr marL="631825" lvl="1" indent="-342900">
@@ -17235,7 +17542,7 @@
             </a:pPr>
             <a:r>
               <a:rPr lang="en-US" dirty="0" smtClean="0"/>
-              <a:t>What are the parameters to the reducer? </a:t>
+              <a:t>What are the parameters to the reducer?</a:t>
             </a:r>
           </a:p>
           <a:p>
@@ -17244,7 +17551,7 @@
               <a:buChar char="•"/>
             </a:pPr>
             <a:r>
-              <a:rPr lang="en-US" dirty="0"/>
+              <a:rPr lang="en-US" dirty="0" smtClean="0"/>
               <a:t>What does the reducer return?</a:t>
             </a:r>
           </a:p>
@@ -17257,11 +17564,6 @@
               <a:rPr lang="en-US" dirty="0" smtClean="0"/>
               <a:t>How do you call the Redux store?</a:t>
             </a:r>
-            <a:endParaRPr lang="en-US" dirty="0" smtClean="0">
-              <a:solidFill>
-                <a:srgbClr val="FF0000"/>
-              </a:solidFill>
-            </a:endParaRPr>
           </a:p>
           <a:p>
             <a:pPr marL="631825" lvl="1" indent="-342900">
@@ -17270,13 +17572,8 @@
             </a:pPr>
             <a:r>
               <a:rPr lang="en-US" dirty="0" smtClean="0"/>
-              <a:t>What is the parameter to dispatch()? </a:t>
-            </a:r>
-            <a:endParaRPr lang="en-US" dirty="0" smtClean="0">
-              <a:solidFill>
-                <a:srgbClr val="FF0000"/>
-              </a:solidFill>
-            </a:endParaRPr>
+              <a:t>What is the parameter to dispatch()?</a:t>
+            </a:r>
           </a:p>
           <a:p>
             <a:pPr marL="631825" lvl="1" indent="-342900">
@@ -17285,13 +17582,8 @@
             </a:pPr>
             <a:r>
               <a:rPr lang="en-US" dirty="0" smtClean="0"/>
-              <a:t>What object is the command? </a:t>
-            </a:r>
-            <a:endParaRPr lang="en-US" dirty="0" smtClean="0">
-              <a:solidFill>
-                <a:srgbClr val="FF0000"/>
-              </a:solidFill>
-            </a:endParaRPr>
+              <a:t>What object is the command?</a:t>
+            </a:r>
           </a:p>
           <a:p>
             <a:pPr marL="631825" lvl="1" indent="-342900">
@@ -17335,7 +17627,7 @@
     </p:spTree>
     <p:extLst>
       <p:ext uri="{BB962C8B-B14F-4D97-AF65-F5344CB8AC3E}">
-        <p14:creationId xmlns:p14="http://schemas.microsoft.com/office/powerpoint/2010/main" val="1382046745"/>
+        <p14:creationId xmlns:p14="http://schemas.microsoft.com/office/powerpoint/2010/main" val="427519743"/>
       </p:ext>
     </p:extLst>
   </p:cSld>
@@ -17434,15 +17726,6 @@
               <a:rPr lang="en-US" dirty="0" smtClean="0"/>
               <a:t>What does a reducer do? </a:t>
             </a:r>
-            <a:r>
-              <a:rPr lang="en-US" dirty="0" smtClean="0">
-                <a:solidFill>
-                  <a:srgbClr val="FF0000"/>
-                </a:solidFill>
-                <a:sym typeface="Wingdings"/>
-              </a:rPr>
-              <a:t> changes the STATE</a:t>
-            </a:r>
             <a:endParaRPr lang="en-US" dirty="0" smtClean="0">
               <a:solidFill>
                 <a:srgbClr val="FF0000"/>
@@ -17456,7 +17739,27 @@
             </a:pPr>
             <a:r>
               <a:rPr lang="en-US" dirty="0" smtClean="0"/>
-              <a:t>What are the parameters to the reducer?</a:t>
+              <a:t>What are the parameters to the reducer? </a:t>
+            </a:r>
+          </a:p>
+          <a:p>
+            <a:pPr marL="631825" lvl="1" indent="-342900">
+              <a:buFont typeface="Arial" charset="0"/>
+              <a:buChar char="•"/>
+            </a:pPr>
+            <a:r>
+              <a:rPr lang="en-US" dirty="0"/>
+              <a:t>What does the reducer return?</a:t>
+            </a:r>
+          </a:p>
+          <a:p>
+            <a:pPr marL="631825" lvl="1" indent="-342900">
+              <a:buFont typeface="Arial" charset="0"/>
+              <a:buChar char="•"/>
+            </a:pPr>
+            <a:r>
+              <a:rPr lang="en-US" dirty="0" smtClean="0"/>
+              <a:t>How do you call the Redux store?</a:t>
             </a:r>
             <a:endParaRPr lang="en-US" dirty="0" smtClean="0">
               <a:solidFill>
@@ -17470,33 +17773,8 @@
               <a:buChar char="•"/>
             </a:pPr>
             <a:r>
-              <a:rPr lang="en-US" dirty="0"/>
-              <a:t>What does the reducer return?</a:t>
-            </a:r>
-          </a:p>
-          <a:p>
-            <a:pPr marL="631825" lvl="1" indent="-342900">
-              <a:buFont typeface="Arial" charset="0"/>
-              <a:buChar char="•"/>
-            </a:pPr>
-            <a:r>
-              <a:rPr lang="en-US" dirty="0" smtClean="0"/>
-              <a:t>How do you call the Redux store? </a:t>
-            </a:r>
-            <a:endParaRPr lang="en-US" dirty="0" smtClean="0">
-              <a:solidFill>
-                <a:srgbClr val="FF0000"/>
-              </a:solidFill>
-            </a:endParaRPr>
-          </a:p>
-          <a:p>
-            <a:pPr marL="631825" lvl="1" indent="-342900">
-              <a:buFont typeface="Arial" charset="0"/>
-              <a:buChar char="•"/>
-            </a:pPr>
-            <a:r>
-              <a:rPr lang="en-US" dirty="0" smtClean="0"/>
-              <a:t>What is the parameter to dispatch()?</a:t>
+              <a:rPr lang="en-US" dirty="0" smtClean="0"/>
+              <a:t>What is the parameter to dispatch()? </a:t>
             </a:r>
             <a:endParaRPr lang="en-US" dirty="0" smtClean="0">
               <a:solidFill>
@@ -17561,7 +17839,7 @@
     </p:spTree>
     <p:extLst>
       <p:ext uri="{BB962C8B-B14F-4D97-AF65-F5344CB8AC3E}">
-        <p14:creationId xmlns:p14="http://schemas.microsoft.com/office/powerpoint/2010/main" val="866996561"/>
+        <p14:creationId xmlns:p14="http://schemas.microsoft.com/office/powerpoint/2010/main" val="1382046745"/>
       </p:ext>
     </p:extLst>
   </p:cSld>
@@ -17682,16 +17960,7 @@
             </a:pPr>
             <a:r>
               <a:rPr lang="en-US" dirty="0" smtClean="0"/>
-              <a:t>What are the parameters to the reducer? </a:t>
-            </a:r>
-            <a:r>
-              <a:rPr lang="en-US" dirty="0" smtClean="0">
-                <a:solidFill>
-                  <a:srgbClr val="FF0000"/>
-                </a:solidFill>
-                <a:sym typeface="Wingdings"/>
-              </a:rPr>
-              <a:t> (state, action)</a:t>
+              <a:t>What are the parameters to the reducer?</a:t>
             </a:r>
             <a:endParaRPr lang="en-US" dirty="0" smtClean="0">
               <a:solidFill>
@@ -17716,7 +17985,7 @@
             </a:pPr>
             <a:r>
               <a:rPr lang="en-US" dirty="0" smtClean="0"/>
-              <a:t>How do you call the Redux store?</a:t>
+              <a:t>How do you call the Redux store? </a:t>
             </a:r>
             <a:endParaRPr lang="en-US" dirty="0" smtClean="0">
               <a:solidFill>
@@ -17796,7 +18065,7 @@
     </p:spTree>
     <p:extLst>
       <p:ext uri="{BB962C8B-B14F-4D97-AF65-F5344CB8AC3E}">
-        <p14:creationId xmlns:p14="http://schemas.microsoft.com/office/powerpoint/2010/main" val="934655832"/>
+        <p14:creationId xmlns:p14="http://schemas.microsoft.com/office/powerpoint/2010/main" val="866996561"/>
       </p:ext>
     </p:extLst>
   </p:cSld>
@@ -17941,26 +18210,8 @@
             </a:pPr>
             <a:r>
               <a:rPr lang="en-US" dirty="0"/>
-              <a:t>What does the reducer return</a:t>
-            </a:r>
-            <a:r>
-              <a:rPr lang="en-US" dirty="0" smtClean="0"/>
-              <a:t>? </a:t>
-            </a:r>
-            <a:r>
-              <a:rPr lang="en-US" dirty="0" smtClean="0">
-                <a:solidFill>
-                  <a:srgbClr val="FF0000"/>
-                </a:solidFill>
-                <a:sym typeface="Wingdings"/>
-              </a:rPr>
-              <a:t> the new state</a:t>
-            </a:r>
-            <a:endParaRPr lang="en-US" dirty="0">
-              <a:solidFill>
-                <a:srgbClr val="FF0000"/>
-              </a:solidFill>
-            </a:endParaRPr>
+              <a:t>What does the reducer return?</a:t>
+            </a:r>
           </a:p>
           <a:p>
             <a:pPr marL="631825" lvl="1" indent="-342900">
@@ -18049,7 +18300,7 @@
     </p:spTree>
     <p:extLst>
       <p:ext uri="{BB962C8B-B14F-4D97-AF65-F5344CB8AC3E}">
-        <p14:creationId xmlns:p14="http://schemas.microsoft.com/office/powerpoint/2010/main" val="117841500"/>
+        <p14:creationId xmlns:p14="http://schemas.microsoft.com/office/powerpoint/2010/main" val="934655832"/>
       </p:ext>
     </p:extLst>
   </p:cSld>
@@ -18194,10 +18445,14 @@
             </a:pPr>
             <a:r>
               <a:rPr lang="en-US" dirty="0"/>
-              <a:t>What does the reducer return? </a:t>
-            </a:r>
-            <a:r>
-              <a:rPr lang="en-US" dirty="0">
+              <a:t>What does the reducer return</a:t>
+            </a:r>
+            <a:r>
+              <a:rPr lang="en-US" dirty="0" smtClean="0"/>
+              <a:t>? </a:t>
+            </a:r>
+            <a:r>
+              <a:rPr lang="en-US" dirty="0" smtClean="0">
                 <a:solidFill>
                   <a:srgbClr val="FF0000"/>
                 </a:solidFill>
@@ -18218,16 +18473,7 @@
             </a:pPr>
             <a:r>
               <a:rPr lang="en-US" dirty="0" smtClean="0"/>
-              <a:t>How do you call the Redux store? </a:t>
-            </a:r>
-            <a:r>
-              <a:rPr lang="en-US" dirty="0" smtClean="0">
-                <a:solidFill>
-                  <a:srgbClr val="FF0000"/>
-                </a:solidFill>
-                <a:sym typeface="Wingdings"/>
-              </a:rPr>
-              <a:t> dispatch( action )</a:t>
+              <a:t>How do you call the Redux store?</a:t>
             </a:r>
             <a:endParaRPr lang="en-US" dirty="0" smtClean="0">
               <a:solidFill>
@@ -18242,8 +18488,13 @@
             </a:pPr>
             <a:r>
               <a:rPr lang="en-US" dirty="0" smtClean="0"/>
-              <a:t>What is the parameter to dispatch()? </a:t>
-            </a:r>
+              <a:t>What is the parameter to dispatch()?</a:t>
+            </a:r>
+            <a:endParaRPr lang="en-US" dirty="0" smtClean="0">
+              <a:solidFill>
+                <a:srgbClr val="FF0000"/>
+              </a:solidFill>
+            </a:endParaRPr>
           </a:p>
           <a:p>
             <a:pPr marL="631825" lvl="1" indent="-342900">
@@ -18254,6 +18505,18 @@
               <a:rPr lang="en-US" dirty="0" smtClean="0"/>
               <a:t>What object is the command? </a:t>
             </a:r>
+            <a:endParaRPr lang="en-US" dirty="0" smtClean="0">
+              <a:solidFill>
+                <a:srgbClr val="FF0000"/>
+              </a:solidFill>
+            </a:endParaRPr>
+          </a:p>
+          <a:p>
+            <a:pPr marL="631825" lvl="1" indent="-342900">
+              <a:buFont typeface="Arial" charset="0"/>
+              <a:buChar char="•"/>
+            </a:pPr>
+            <a:endParaRPr lang="en-US" dirty="0" smtClean="0"/>
           </a:p>
           <a:p>
             <a:pPr marL="631825" lvl="1" indent="-342900">
@@ -18290,7 +18553,7 @@
     </p:spTree>
     <p:extLst>
       <p:ext uri="{BB962C8B-B14F-4D97-AF65-F5344CB8AC3E}">
-        <p14:creationId xmlns:p14="http://schemas.microsoft.com/office/powerpoint/2010/main" val="2065174266"/>
+        <p14:creationId xmlns:p14="http://schemas.microsoft.com/office/powerpoint/2010/main" val="117841500"/>
       </p:ext>
     </p:extLst>
   </p:cSld>
@@ -18485,20 +18748,6 @@
               <a:rPr lang="en-US" dirty="0" smtClean="0"/>
               <a:t>What is the parameter to dispatch()? </a:t>
             </a:r>
-            <a:r>
-              <a:rPr lang="en-US" dirty="0" smtClean="0">
-                <a:solidFill>
-                  <a:srgbClr val="FF0000"/>
-                </a:solidFill>
-                <a:sym typeface="Wingdings"/>
-              </a:rPr>
-              <a:t> an ACTION</a:t>
-            </a:r>
-            <a:endParaRPr lang="en-US" dirty="0" smtClean="0">
-              <a:solidFill>
-                <a:srgbClr val="FF0000"/>
-              </a:solidFill>
-            </a:endParaRPr>
           </a:p>
           <a:p>
             <a:pPr marL="631825" lvl="1" indent="-342900">
@@ -18545,7 +18794,7 @@
     </p:spTree>
     <p:extLst>
       <p:ext uri="{BB962C8B-B14F-4D97-AF65-F5344CB8AC3E}">
-        <p14:creationId xmlns:p14="http://schemas.microsoft.com/office/powerpoint/2010/main" val="1753185848"/>
+        <p14:creationId xmlns:p14="http://schemas.microsoft.com/office/powerpoint/2010/main" val="2065174266"/>
       </p:ext>
     </p:extLst>
   </p:cSld>
@@ -18764,27 +19013,6 @@
               <a:rPr lang="en-US" dirty="0" smtClean="0"/>
               <a:t>What object is the command? </a:t>
             </a:r>
-            <a:r>
-              <a:rPr lang="en-US" dirty="0" smtClean="0">
-                <a:solidFill>
-                  <a:srgbClr val="FF0000"/>
-                </a:solidFill>
-                <a:sym typeface="Wingdings"/>
-              </a:rPr>
-              <a:t> the Action</a:t>
-            </a:r>
-            <a:endParaRPr lang="en-US" dirty="0" smtClean="0">
-              <a:solidFill>
-                <a:srgbClr val="FF0000"/>
-              </a:solidFill>
-            </a:endParaRPr>
-          </a:p>
-          <a:p>
-            <a:pPr marL="631825" lvl="1" indent="-342900">
-              <a:buFont typeface="Arial" charset="0"/>
-              <a:buChar char="•"/>
-            </a:pPr>
-            <a:endParaRPr lang="en-US" dirty="0" smtClean="0"/>
           </a:p>
           <a:p>
             <a:pPr marL="631825" lvl="1" indent="-342900">
@@ -18821,7 +19049,7 @@
     </p:spTree>
     <p:extLst>
       <p:ext uri="{BB962C8B-B14F-4D97-AF65-F5344CB8AC3E}">
-        <p14:creationId xmlns:p14="http://schemas.microsoft.com/office/powerpoint/2010/main" val="171426849"/>
+        <p14:creationId xmlns:p14="http://schemas.microsoft.com/office/powerpoint/2010/main" val="1753185848"/>
       </p:ext>
     </p:extLst>
   </p:cSld>
@@ -19170,78 +19398,190 @@
             </a:pPr>
             <a:r>
               <a:rPr lang="en-US" dirty="0" smtClean="0"/>
-              <a:t>But what about </a:t>
-            </a:r>
-            <a:r>
-              <a:rPr lang="en-US" dirty="0" err="1" smtClean="0"/>
-              <a:t>Async</a:t>
-            </a:r>
-            <a:r>
-              <a:rPr lang="en-US" dirty="0" smtClean="0"/>
-              <a:t> calls? </a:t>
-            </a:r>
-            <a:r>
-              <a:rPr lang="mr-IN" dirty="0" smtClean="0"/>
-              <a:t>–</a:t>
-            </a:r>
-            <a:r>
-              <a:rPr lang="en-US" dirty="0" smtClean="0"/>
-              <a:t> like to a RESTful service</a:t>
-            </a:r>
-          </a:p>
-          <a:p>
-            <a:pPr marL="342900" indent="-342900">
-              <a:buFont typeface="Arial" charset="0"/>
-              <a:buChar char="•"/>
-            </a:pPr>
-            <a:r>
-              <a:rPr lang="en-US" dirty="0" smtClean="0"/>
-              <a:t>The reducer handles state change based on the action</a:t>
-            </a:r>
-          </a:p>
-          <a:p>
-            <a:pPr marL="342900" indent="-342900">
-              <a:buFont typeface="Arial" charset="0"/>
-              <a:buChar char="•"/>
-            </a:pPr>
-            <a:r>
-              <a:rPr lang="en-US" dirty="0" smtClean="0"/>
-              <a:t>We get the </a:t>
-            </a:r>
-            <a:r>
-              <a:rPr lang="en-US" dirty="0" err="1" smtClean="0"/>
-              <a:t>Async</a:t>
-            </a:r>
-            <a:r>
-              <a:rPr lang="en-US" dirty="0" smtClean="0"/>
-              <a:t> data and dispatch the reducer </a:t>
+              <a:t>Test Questions</a:t>
+            </a:r>
+          </a:p>
+          <a:p>
+            <a:pPr marL="631825" lvl="1" indent="-342900">
+              <a:buFont typeface="Arial" charset="0"/>
+              <a:buChar char="•"/>
+            </a:pPr>
+            <a:r>
+              <a:rPr lang="en-US" dirty="0" smtClean="0"/>
+              <a:t>How many copies of the STATE are there? </a:t>
             </a:r>
             <a:r>
               <a:rPr lang="en-US" dirty="0" smtClean="0">
                 <a:solidFill>
                   <a:srgbClr val="FF0000"/>
                 </a:solidFill>
-              </a:rPr>
-              <a:t>ourselves</a:t>
-            </a:r>
-          </a:p>
-          <a:p>
-            <a:pPr marL="342900" indent="-342900">
-              <a:buFont typeface="Arial" charset="0"/>
-              <a:buChar char="•"/>
-            </a:pPr>
-            <a:r>
-              <a:rPr lang="en-US" dirty="0" smtClean="0"/>
-              <a:t>The next section discusses </a:t>
-            </a:r>
-            <a:r>
-              <a:rPr lang="en-US" dirty="0" err="1" smtClean="0"/>
-              <a:t>Async</a:t>
-            </a:r>
-            <a:r>
-              <a:rPr lang="en-US" dirty="0" smtClean="0"/>
-              <a:t> Actions</a:t>
-            </a:r>
+                <a:sym typeface="Wingdings"/>
+              </a:rPr>
+              <a:t> ONE</a:t>
+            </a:r>
+            <a:endParaRPr lang="en-US" dirty="0" smtClean="0">
+              <a:solidFill>
+                <a:srgbClr val="FF0000"/>
+              </a:solidFill>
+            </a:endParaRPr>
+          </a:p>
+          <a:p>
+            <a:pPr marL="631825" lvl="1" indent="-342900">
+              <a:buFont typeface="Arial" charset="0"/>
+              <a:buChar char="•"/>
+            </a:pPr>
+            <a:r>
+              <a:rPr lang="en-US" dirty="0" smtClean="0"/>
+              <a:t>What does a reducer do? </a:t>
+            </a:r>
+            <a:r>
+              <a:rPr lang="en-US" dirty="0" smtClean="0">
+                <a:solidFill>
+                  <a:srgbClr val="FF0000"/>
+                </a:solidFill>
+                <a:sym typeface="Wingdings"/>
+              </a:rPr>
+              <a:t> changes the STATE</a:t>
+            </a:r>
+            <a:endParaRPr lang="en-US" dirty="0" smtClean="0">
+              <a:solidFill>
+                <a:srgbClr val="FF0000"/>
+              </a:solidFill>
+            </a:endParaRPr>
+          </a:p>
+          <a:p>
+            <a:pPr marL="631825" lvl="1" indent="-342900">
+              <a:buFont typeface="Arial" charset="0"/>
+              <a:buChar char="•"/>
+            </a:pPr>
+            <a:r>
+              <a:rPr lang="en-US" dirty="0" smtClean="0"/>
+              <a:t>What are the parameters to the reducer? </a:t>
+            </a:r>
+            <a:r>
+              <a:rPr lang="en-US" dirty="0" smtClean="0">
+                <a:solidFill>
+                  <a:srgbClr val="FF0000"/>
+                </a:solidFill>
+                <a:sym typeface="Wingdings"/>
+              </a:rPr>
+              <a:t> (state, action)</a:t>
+            </a:r>
+            <a:endParaRPr lang="en-US" dirty="0" smtClean="0">
+              <a:solidFill>
+                <a:srgbClr val="FF0000"/>
+              </a:solidFill>
+            </a:endParaRPr>
+          </a:p>
+          <a:p>
+            <a:pPr marL="631825" lvl="1" indent="-342900">
+              <a:buFont typeface="Arial" charset="0"/>
+              <a:buChar char="•"/>
+            </a:pPr>
+            <a:r>
+              <a:rPr lang="en-US" dirty="0"/>
+              <a:t>What does the reducer return? </a:t>
+            </a:r>
+            <a:r>
+              <a:rPr lang="en-US" dirty="0">
+                <a:solidFill>
+                  <a:srgbClr val="FF0000"/>
+                </a:solidFill>
+                <a:sym typeface="Wingdings"/>
+              </a:rPr>
+              <a:t> the new state</a:t>
+            </a:r>
+            <a:endParaRPr lang="en-US" dirty="0">
+              <a:solidFill>
+                <a:srgbClr val="FF0000"/>
+              </a:solidFill>
+            </a:endParaRPr>
+          </a:p>
+          <a:p>
+            <a:pPr marL="631825" lvl="1" indent="-342900">
+              <a:buFont typeface="Arial" charset="0"/>
+              <a:buChar char="•"/>
+            </a:pPr>
+            <a:r>
+              <a:rPr lang="en-US" dirty="0" smtClean="0"/>
+              <a:t>How do you call the Redux store? </a:t>
+            </a:r>
+            <a:r>
+              <a:rPr lang="en-US" dirty="0" smtClean="0">
+                <a:solidFill>
+                  <a:srgbClr val="FF0000"/>
+                </a:solidFill>
+                <a:sym typeface="Wingdings"/>
+              </a:rPr>
+              <a:t> dispatch( action )</a:t>
+            </a:r>
+            <a:endParaRPr lang="en-US" dirty="0" smtClean="0">
+              <a:solidFill>
+                <a:srgbClr val="FF0000"/>
+              </a:solidFill>
+            </a:endParaRPr>
+          </a:p>
+          <a:p>
+            <a:pPr marL="631825" lvl="1" indent="-342900">
+              <a:buFont typeface="Arial" charset="0"/>
+              <a:buChar char="•"/>
+            </a:pPr>
+            <a:r>
+              <a:rPr lang="en-US" dirty="0" smtClean="0"/>
+              <a:t>What is the parameter to dispatch()? </a:t>
+            </a:r>
+            <a:r>
+              <a:rPr lang="en-US" dirty="0" smtClean="0">
+                <a:solidFill>
+                  <a:srgbClr val="FF0000"/>
+                </a:solidFill>
+                <a:sym typeface="Wingdings"/>
+              </a:rPr>
+              <a:t> an ACTION</a:t>
+            </a:r>
+            <a:endParaRPr lang="en-US" dirty="0" smtClean="0">
+              <a:solidFill>
+                <a:srgbClr val="FF0000"/>
+              </a:solidFill>
+            </a:endParaRPr>
+          </a:p>
+          <a:p>
+            <a:pPr marL="631825" lvl="1" indent="-342900">
+              <a:buFont typeface="Arial" charset="0"/>
+              <a:buChar char="•"/>
+            </a:pPr>
+            <a:r>
+              <a:rPr lang="en-US" dirty="0" smtClean="0"/>
+              <a:t>What object is the command? </a:t>
+            </a:r>
+            <a:r>
+              <a:rPr lang="en-US" dirty="0" smtClean="0">
+                <a:solidFill>
+                  <a:srgbClr val="FF0000"/>
+                </a:solidFill>
+                <a:sym typeface="Wingdings"/>
+              </a:rPr>
+              <a:t> the Action</a:t>
+            </a:r>
+            <a:endParaRPr lang="en-US" dirty="0" smtClean="0">
+              <a:solidFill>
+                <a:srgbClr val="FF0000"/>
+              </a:solidFill>
+            </a:endParaRPr>
+          </a:p>
+          <a:p>
+            <a:pPr marL="631825" lvl="1" indent="-342900">
+              <a:buFont typeface="Arial" charset="0"/>
+              <a:buChar char="•"/>
+            </a:pPr>
+            <a:endParaRPr lang="en-US" dirty="0" smtClean="0"/>
+          </a:p>
+          <a:p>
+            <a:pPr marL="631825" lvl="1" indent="-342900">
+              <a:buFont typeface="Arial" charset="0"/>
+              <a:buChar char="•"/>
+            </a:pPr>
+            <a:endParaRPr lang="en-US" dirty="0" smtClean="0"/>
           </a:p>
         </p:txBody>
       </p:sp>
@@ -19261,12 +19601,8 @@
           <a:lstStyle/>
           <a:p>
             <a:r>
-              <a:rPr lang="en-US" dirty="0" err="1" smtClean="0"/>
-              <a:t>Async</a:t>
-            </a:r>
-            <a:r>
-              <a:rPr lang="en-US" dirty="0" smtClean="0"/>
-              <a:t> Actions</a:t>
+              <a:rPr lang="en-US" dirty="0" smtClean="0"/>
+              <a:t>In Summary</a:t>
             </a:r>
             <a:endParaRPr lang="en-US" dirty="0"/>
           </a:p>
@@ -19275,7 +19611,7 @@
     </p:spTree>
     <p:extLst>
       <p:ext uri="{BB962C8B-B14F-4D97-AF65-F5344CB8AC3E}">
-        <p14:creationId xmlns:p14="http://schemas.microsoft.com/office/powerpoint/2010/main" val="272993305"/>
+        <p14:creationId xmlns:p14="http://schemas.microsoft.com/office/powerpoint/2010/main" val="171426849"/>
       </p:ext>
     </p:extLst>
   </p:cSld>
@@ -19338,7 +19674,23 @@
             </a:pPr>
             <a:r>
               <a:rPr lang="en-US" dirty="0" smtClean="0"/>
-              <a:t>There are a lot of moving parts in Redux</a:t>
+              <a:t>But what about </a:t>
+            </a:r>
+            <a:r>
+              <a:rPr lang="en-US" dirty="0" err="1" smtClean="0"/>
+              <a:t>Async</a:t>
+            </a:r>
+            <a:r>
+              <a:rPr lang="en-US" dirty="0" smtClean="0"/>
+              <a:t> calls? </a:t>
+            </a:r>
+            <a:r>
+              <a:rPr lang="mr-IN" dirty="0" smtClean="0"/>
+              <a:t>–</a:t>
+            </a:r>
+            <a:r>
+              <a:rPr lang="en-US" dirty="0" smtClean="0"/>
+              <a:t> like to a RESTful service</a:t>
             </a:r>
           </a:p>
           <a:p>
@@ -19348,7 +19700,25 @@
             </a:pPr>
             <a:r>
               <a:rPr lang="en-US" dirty="0" smtClean="0"/>
-              <a:t>Redux has a </a:t>
+              <a:t>The reducer handles state change based on the action</a:t>
+            </a:r>
+          </a:p>
+          <a:p>
+            <a:pPr marL="342900" indent="-342900">
+              <a:buFont typeface="Arial" charset="0"/>
+              <a:buChar char="•"/>
+            </a:pPr>
+            <a:r>
+              <a:rPr lang="en-US" dirty="0" smtClean="0"/>
+              <a:t>We get the </a:t>
+            </a:r>
+            <a:r>
+              <a:rPr lang="en-US" dirty="0" err="1" smtClean="0"/>
+              <a:t>Async</a:t>
+            </a:r>
+            <a:r>
+              <a:rPr lang="en-US" dirty="0" smtClean="0"/>
+              <a:t> data and dispatch the reducer </a:t>
             </a:r>
             <a:r>
               <a:rPr lang="en-US" dirty="0" smtClean="0">
@@ -19356,11 +19726,7 @@
                   <a:srgbClr val="FF0000"/>
                 </a:solidFill>
               </a:rPr>
-              <a:t>SINGLE STATE</a:t>
-            </a:r>
-            <a:r>
-              <a:rPr lang="en-US" dirty="0" smtClean="0"/>
-              <a:t> for the whole app</a:t>
+              <a:t>ourselves</a:t>
             </a:r>
           </a:p>
           <a:p>
@@ -19370,214 +19736,16 @@
             </a:pPr>
             <a:r>
               <a:rPr lang="en-US" dirty="0" smtClean="0"/>
-              <a:t>Reducers allow changing the state within the store</a:t>
-            </a:r>
-          </a:p>
-          <a:p>
-            <a:pPr marL="631825" lvl="1" indent="-342900">
-              <a:buFont typeface="Arial" charset="0"/>
-              <a:buChar char="•"/>
-            </a:pPr>
-            <a:r>
-              <a:rPr lang="en-US" dirty="0" smtClean="0"/>
-              <a:t>Signature </a:t>
-            </a:r>
-            <a:r>
-              <a:rPr lang="en-US" dirty="0" smtClean="0">
-                <a:solidFill>
-                  <a:srgbClr val="FF0000"/>
-                </a:solidFill>
-              </a:rPr>
-              <a:t>( state, action ) =&gt; state</a:t>
-            </a:r>
-          </a:p>
-          <a:p>
-            <a:pPr marL="631825" lvl="1" indent="-342900">
-              <a:buFont typeface="Arial" charset="0"/>
-              <a:buChar char="•"/>
-            </a:pPr>
-            <a:r>
-              <a:rPr lang="en-US" dirty="0" smtClean="0"/>
-              <a:t>Pure functions</a:t>
-            </a:r>
-          </a:p>
-          <a:p>
-            <a:pPr marL="631825" lvl="1" indent="-342900">
-              <a:buFont typeface="Arial" charset="0"/>
-              <a:buChar char="•"/>
-            </a:pPr>
-            <a:r>
-              <a:rPr lang="en-US" dirty="0" smtClean="0"/>
-              <a:t>Should NOT be asynchronous</a:t>
-            </a:r>
-          </a:p>
-          <a:p>
-            <a:pPr marL="342900" indent="-342900">
-              <a:buFont typeface="Arial" charset="0"/>
-              <a:buChar char="•"/>
-            </a:pPr>
-            <a:r>
-              <a:rPr lang="en-US" dirty="0" smtClean="0"/>
-              <a:t>Actions define </a:t>
-            </a:r>
-            <a:r>
-              <a:rPr lang="en-US" dirty="0" smtClean="0">
-                <a:solidFill>
-                  <a:srgbClr val="FF0000"/>
-                </a:solidFill>
-              </a:rPr>
-              <a:t>WHAT</a:t>
-            </a:r>
-            <a:r>
-              <a:rPr lang="en-US" dirty="0" smtClean="0"/>
-              <a:t> you can do to the state ( CRUD )</a:t>
-            </a:r>
-          </a:p>
-          <a:p>
-            <a:pPr marL="631825" lvl="1" indent="-342900">
-              <a:buFont typeface="Arial" charset="0"/>
-              <a:buChar char="•"/>
-            </a:pPr>
-            <a:r>
-              <a:rPr lang="en-US" dirty="0"/>
-              <a:t>B</a:t>
-            </a:r>
-            <a:r>
-              <a:rPr lang="en-US" dirty="0" smtClean="0"/>
-              <a:t>usiness Logic </a:t>
-            </a:r>
-            <a:r>
-              <a:rPr lang="en-US" dirty="0" smtClean="0">
-                <a:solidFill>
-                  <a:srgbClr val="FF0000"/>
-                </a:solidFill>
-              </a:rPr>
-              <a:t>results</a:t>
-            </a:r>
-            <a:r>
-              <a:rPr lang="en-US" dirty="0" smtClean="0"/>
-              <a:t> </a:t>
-            </a:r>
-            <a:r>
-              <a:rPr lang="en-US" dirty="0" smtClean="0">
-                <a:sym typeface="Wingdings"/>
-              </a:rPr>
-              <a:t></a:t>
-            </a:r>
-            <a:r>
-              <a:rPr lang="en-US" dirty="0" smtClean="0"/>
-              <a:t> </a:t>
-            </a:r>
-            <a:r>
-              <a:rPr lang="en-US" dirty="0" smtClean="0">
-                <a:solidFill>
-                  <a:srgbClr val="FF0000"/>
-                </a:solidFill>
-              </a:rPr>
-              <a:t>dispatch()</a:t>
-            </a:r>
-            <a:r>
-              <a:rPr lang="en-US" dirty="0" smtClean="0"/>
-              <a:t> </a:t>
-            </a:r>
-            <a:r>
-              <a:rPr lang="en-US" dirty="0" smtClean="0">
-                <a:sym typeface="Wingdings"/>
-              </a:rPr>
-              <a:t></a:t>
-            </a:r>
-            <a:r>
-              <a:rPr lang="en-US" dirty="0" smtClean="0"/>
-              <a:t> </a:t>
-            </a:r>
-            <a:r>
-              <a:rPr lang="en-US" dirty="0" smtClean="0">
-                <a:solidFill>
-                  <a:srgbClr val="FF0000"/>
-                </a:solidFill>
-              </a:rPr>
-              <a:t>REDUCER</a:t>
-            </a:r>
-            <a:r>
-              <a:rPr lang="en-US" dirty="0" smtClean="0"/>
-              <a:t> </a:t>
-            </a:r>
-          </a:p>
-          <a:p>
-            <a:pPr marL="342900" indent="-342900">
-              <a:buFont typeface="Arial" charset="0"/>
-              <a:buChar char="•"/>
-            </a:pPr>
-            <a:r>
-              <a:rPr lang="en-US" dirty="0" smtClean="0"/>
-              <a:t>Containers </a:t>
-            </a:r>
-            <a:r>
-              <a:rPr lang="en-US" dirty="0" smtClean="0">
-                <a:solidFill>
-                  <a:srgbClr val="FF0000"/>
-                </a:solidFill>
-              </a:rPr>
-              <a:t>MAP</a:t>
-            </a:r>
-            <a:r>
-              <a:rPr lang="en-US" dirty="0" smtClean="0"/>
-              <a:t> the state to props and actions to props</a:t>
-            </a:r>
-          </a:p>
-          <a:p>
-            <a:pPr marL="631825" lvl="1" indent="-342900">
-              <a:buFont typeface="Arial" charset="0"/>
-              <a:buChar char="•"/>
-            </a:pPr>
-            <a:r>
-              <a:rPr lang="en-US" dirty="0" smtClean="0"/>
-              <a:t>Tells Redux the input and output props to Components</a:t>
-            </a:r>
-          </a:p>
-          <a:p>
-            <a:pPr marL="631825" lvl="1" indent="-342900">
-              <a:buFont typeface="Arial" charset="0"/>
-              <a:buChar char="•"/>
-            </a:pPr>
-            <a:r>
-              <a:rPr lang="en-US" dirty="0"/>
-              <a:t> </a:t>
-            </a:r>
-            <a:r>
-              <a:rPr lang="en-US" dirty="0" smtClean="0">
-                <a:solidFill>
-                  <a:srgbClr val="FF0000"/>
-                </a:solidFill>
-              </a:rPr>
-              <a:t>STATE</a:t>
-            </a:r>
-            <a:r>
-              <a:rPr lang="en-US" dirty="0" smtClean="0"/>
-              <a:t> </a:t>
-            </a:r>
-            <a:r>
-              <a:rPr lang="en-US" dirty="0" smtClean="0">
-                <a:sym typeface="Wingdings"/>
-              </a:rPr>
-              <a:t> input props,  </a:t>
-            </a:r>
-            <a:r>
-              <a:rPr lang="en-US" dirty="0" smtClean="0">
-                <a:solidFill>
-                  <a:srgbClr val="FF0000"/>
-                </a:solidFill>
-                <a:sym typeface="Wingdings"/>
-              </a:rPr>
-              <a:t>ACTIONS</a:t>
-            </a:r>
-            <a:r>
-              <a:rPr lang="en-US" dirty="0" smtClean="0">
-                <a:sym typeface="Wingdings"/>
-              </a:rPr>
-              <a:t> -&gt; callback props</a:t>
-            </a:r>
-            <a:endParaRPr lang="en-US" dirty="0" smtClean="0"/>
+              <a:t>The next section discusses </a:t>
+            </a:r>
+            <a:r>
+              <a:rPr lang="en-US" dirty="0" err="1" smtClean="0"/>
+              <a:t>Async</a:t>
+            </a:r>
+            <a:r>
+              <a:rPr lang="en-US" dirty="0" smtClean="0"/>
+              <a:t> Actions</a:t>
+            </a:r>
           </a:p>
         </p:txBody>
       </p:sp>
@@ -19597,8 +19765,12 @@
           <a:lstStyle/>
           <a:p>
             <a:r>
-              <a:rPr lang="en-US" dirty="0" smtClean="0"/>
-              <a:t>Summary</a:t>
+              <a:rPr lang="en-US" dirty="0" err="1" smtClean="0"/>
+              <a:t>Async</a:t>
+            </a:r>
+            <a:r>
+              <a:rPr lang="en-US" dirty="0" smtClean="0"/>
+              <a:t> Actions</a:t>
             </a:r>
             <a:endParaRPr lang="en-US" dirty="0"/>
           </a:p>
@@ -19607,7 +19779,7 @@
     </p:spTree>
     <p:extLst>
       <p:ext uri="{BB962C8B-B14F-4D97-AF65-F5344CB8AC3E}">
-        <p14:creationId xmlns:p14="http://schemas.microsoft.com/office/powerpoint/2010/main" val="1482048915"/>
+        <p14:creationId xmlns:p14="http://schemas.microsoft.com/office/powerpoint/2010/main" val="272993305"/>
       </p:ext>
     </p:extLst>
   </p:cSld>
@@ -19670,6 +19842,338 @@
             </a:pPr>
             <a:r>
               <a:rPr lang="en-US" dirty="0" smtClean="0"/>
+              <a:t>There are a lot of moving parts in Redux</a:t>
+            </a:r>
+          </a:p>
+          <a:p>
+            <a:pPr marL="342900" indent="-342900">
+              <a:buFont typeface="Arial" charset="0"/>
+              <a:buChar char="•"/>
+            </a:pPr>
+            <a:r>
+              <a:rPr lang="en-US" dirty="0" smtClean="0"/>
+              <a:t>Redux has a </a:t>
+            </a:r>
+            <a:r>
+              <a:rPr lang="en-US" dirty="0" smtClean="0">
+                <a:solidFill>
+                  <a:srgbClr val="FF0000"/>
+                </a:solidFill>
+              </a:rPr>
+              <a:t>SINGLE STATE</a:t>
+            </a:r>
+            <a:r>
+              <a:rPr lang="en-US" dirty="0" smtClean="0"/>
+              <a:t> for the whole app</a:t>
+            </a:r>
+          </a:p>
+          <a:p>
+            <a:pPr marL="342900" indent="-342900">
+              <a:buFont typeface="Arial" charset="0"/>
+              <a:buChar char="•"/>
+            </a:pPr>
+            <a:r>
+              <a:rPr lang="en-US" dirty="0" smtClean="0"/>
+              <a:t>Reducers allow changing the state within the store</a:t>
+            </a:r>
+          </a:p>
+          <a:p>
+            <a:pPr marL="631825" lvl="1" indent="-342900">
+              <a:buFont typeface="Arial" charset="0"/>
+              <a:buChar char="•"/>
+            </a:pPr>
+            <a:r>
+              <a:rPr lang="en-US" dirty="0" smtClean="0"/>
+              <a:t>Signature </a:t>
+            </a:r>
+            <a:r>
+              <a:rPr lang="en-US" dirty="0" smtClean="0">
+                <a:solidFill>
+                  <a:srgbClr val="FF0000"/>
+                </a:solidFill>
+              </a:rPr>
+              <a:t>( state, action ) =&gt; state</a:t>
+            </a:r>
+          </a:p>
+          <a:p>
+            <a:pPr marL="631825" lvl="1" indent="-342900">
+              <a:buFont typeface="Arial" charset="0"/>
+              <a:buChar char="•"/>
+            </a:pPr>
+            <a:r>
+              <a:rPr lang="en-US" dirty="0" smtClean="0"/>
+              <a:t>Pure functions</a:t>
+            </a:r>
+          </a:p>
+          <a:p>
+            <a:pPr marL="631825" lvl="1" indent="-342900">
+              <a:buFont typeface="Arial" charset="0"/>
+              <a:buChar char="•"/>
+            </a:pPr>
+            <a:r>
+              <a:rPr lang="en-US" dirty="0" smtClean="0"/>
+              <a:t>Should NOT be asynchronous</a:t>
+            </a:r>
+          </a:p>
+          <a:p>
+            <a:pPr marL="342900" indent="-342900">
+              <a:buFont typeface="Arial" charset="0"/>
+              <a:buChar char="•"/>
+            </a:pPr>
+            <a:r>
+              <a:rPr lang="en-US" dirty="0" smtClean="0"/>
+              <a:t>Actions define </a:t>
+            </a:r>
+            <a:r>
+              <a:rPr lang="en-US" dirty="0" smtClean="0">
+                <a:solidFill>
+                  <a:srgbClr val="FF0000"/>
+                </a:solidFill>
+              </a:rPr>
+              <a:t>WHAT</a:t>
+            </a:r>
+            <a:r>
+              <a:rPr lang="en-US" dirty="0" smtClean="0"/>
+              <a:t> you can do to the state ( CRUD )</a:t>
+            </a:r>
+          </a:p>
+          <a:p>
+            <a:pPr marL="631825" lvl="1" indent="-342900">
+              <a:buFont typeface="Arial" charset="0"/>
+              <a:buChar char="•"/>
+            </a:pPr>
+            <a:r>
+              <a:rPr lang="en-US" dirty="0"/>
+              <a:t>B</a:t>
+            </a:r>
+            <a:r>
+              <a:rPr lang="en-US" dirty="0" smtClean="0"/>
+              <a:t>usiness Logic </a:t>
+            </a:r>
+            <a:r>
+              <a:rPr lang="en-US" dirty="0" smtClean="0">
+                <a:solidFill>
+                  <a:srgbClr val="FF0000"/>
+                </a:solidFill>
+              </a:rPr>
+              <a:t>results</a:t>
+            </a:r>
+            <a:r>
+              <a:rPr lang="en-US" dirty="0" smtClean="0"/>
+              <a:t> </a:t>
+            </a:r>
+            <a:r>
+              <a:rPr lang="en-US" dirty="0" smtClean="0">
+                <a:sym typeface="Wingdings"/>
+              </a:rPr>
+              <a:t></a:t>
+            </a:r>
+            <a:r>
+              <a:rPr lang="en-US" dirty="0" smtClean="0"/>
+              <a:t> </a:t>
+            </a:r>
+            <a:r>
+              <a:rPr lang="en-US" dirty="0" smtClean="0">
+                <a:solidFill>
+                  <a:srgbClr val="FF0000"/>
+                </a:solidFill>
+              </a:rPr>
+              <a:t>dispatch()</a:t>
+            </a:r>
+            <a:r>
+              <a:rPr lang="en-US" dirty="0" smtClean="0"/>
+              <a:t> </a:t>
+            </a:r>
+            <a:r>
+              <a:rPr lang="en-US" dirty="0" smtClean="0">
+                <a:sym typeface="Wingdings"/>
+              </a:rPr>
+              <a:t></a:t>
+            </a:r>
+            <a:r>
+              <a:rPr lang="en-US" dirty="0" smtClean="0"/>
+              <a:t> </a:t>
+            </a:r>
+            <a:r>
+              <a:rPr lang="en-US" dirty="0" smtClean="0">
+                <a:solidFill>
+                  <a:srgbClr val="FF0000"/>
+                </a:solidFill>
+              </a:rPr>
+              <a:t>REDUCER</a:t>
+            </a:r>
+            <a:r>
+              <a:rPr lang="en-US" dirty="0" smtClean="0"/>
+              <a:t> </a:t>
+            </a:r>
+          </a:p>
+          <a:p>
+            <a:pPr marL="342900" indent="-342900">
+              <a:buFont typeface="Arial" charset="0"/>
+              <a:buChar char="•"/>
+            </a:pPr>
+            <a:r>
+              <a:rPr lang="en-US" dirty="0" smtClean="0"/>
+              <a:t>Containers </a:t>
+            </a:r>
+            <a:r>
+              <a:rPr lang="en-US" dirty="0" smtClean="0">
+                <a:solidFill>
+                  <a:srgbClr val="FF0000"/>
+                </a:solidFill>
+              </a:rPr>
+              <a:t>MAP</a:t>
+            </a:r>
+            <a:r>
+              <a:rPr lang="en-US" dirty="0" smtClean="0"/>
+              <a:t> the state to props and actions to props</a:t>
+            </a:r>
+          </a:p>
+          <a:p>
+            <a:pPr marL="631825" lvl="1" indent="-342900">
+              <a:buFont typeface="Arial" charset="0"/>
+              <a:buChar char="•"/>
+            </a:pPr>
+            <a:r>
+              <a:rPr lang="en-US" dirty="0" smtClean="0"/>
+              <a:t>Tells Redux the input and output props to Components</a:t>
+            </a:r>
+          </a:p>
+          <a:p>
+            <a:pPr marL="631825" lvl="1" indent="-342900">
+              <a:buFont typeface="Arial" charset="0"/>
+              <a:buChar char="•"/>
+            </a:pPr>
+            <a:r>
+              <a:rPr lang="en-US" dirty="0"/>
+              <a:t> </a:t>
+            </a:r>
+            <a:r>
+              <a:rPr lang="en-US" dirty="0" smtClean="0">
+                <a:solidFill>
+                  <a:srgbClr val="FF0000"/>
+                </a:solidFill>
+              </a:rPr>
+              <a:t>STATE</a:t>
+            </a:r>
+            <a:r>
+              <a:rPr lang="en-US" dirty="0" smtClean="0"/>
+              <a:t> </a:t>
+            </a:r>
+            <a:r>
+              <a:rPr lang="en-US" dirty="0" smtClean="0">
+                <a:sym typeface="Wingdings"/>
+              </a:rPr>
+              <a:t> input props,  </a:t>
+            </a:r>
+            <a:r>
+              <a:rPr lang="en-US" dirty="0" smtClean="0">
+                <a:solidFill>
+                  <a:srgbClr val="FF0000"/>
+                </a:solidFill>
+                <a:sym typeface="Wingdings"/>
+              </a:rPr>
+              <a:t>ACTIONS</a:t>
+            </a:r>
+            <a:r>
+              <a:rPr lang="en-US" dirty="0" smtClean="0">
+                <a:sym typeface="Wingdings"/>
+              </a:rPr>
+              <a:t> -&gt; callback props</a:t>
+            </a:r>
+            <a:endParaRPr lang="en-US" dirty="0" smtClean="0"/>
+          </a:p>
+        </p:txBody>
+      </p:sp>
+      <p:sp>
+        <p:nvSpPr>
+          <p:cNvPr id="3" name="Title 2"/>
+          <p:cNvSpPr>
+            <a:spLocks noGrp="1"/>
+          </p:cNvSpPr>
+          <p:nvPr>
+            <p:ph type="title"/>
+          </p:nvPr>
+        </p:nvSpPr>
+        <p:spPr/>
+        <p:txBody>
+          <a:bodyPr/>
+          <a:lstStyle/>
+          <a:p>
+            <a:r>
+              <a:rPr lang="en-US" dirty="0" smtClean="0"/>
+              <a:t>Summary</a:t>
+            </a:r>
+            <a:endParaRPr lang="en-US" dirty="0"/>
+          </a:p>
+        </p:txBody>
+      </p:sp>
+    </p:spTree>
+    <p:extLst>
+      <p:ext uri="{BB962C8B-B14F-4D97-AF65-F5344CB8AC3E}">
+        <p14:creationId xmlns:p14="http://schemas.microsoft.com/office/powerpoint/2010/main" val="1482048915"/>
+      </p:ext>
+    </p:extLst>
+  </p:cSld>
+  <p:clrMapOvr>
+    <a:masterClrMapping/>
+  </p:clrMapOvr>
+  <mc:AlternateContent xmlns:mc="http://schemas.openxmlformats.org/markup-compatibility/2006" xmlns:p14="http://schemas.microsoft.com/office/powerpoint/2010/main">
+    <mc:Choice Requires="p14">
+      <p:transition p14:dur="0"/>
+    </mc:Choice>
+    <mc:Fallback xmlns="">
+      <p:transition/>
+    </mc:Fallback>
+  </mc:AlternateContent>
+  <p:timing>
+    <p:tnLst>
+      <p:par>
+        <p:cTn id="1" dur="indefinite" restart="never" nodeType="tmRoot"/>
+      </p:par>
+    </p:tnLst>
+  </p:timing>
+</p:sld>
+</file>
+
+<file path=ppt/slides/slide33.xml><?xml version="1.0" encoding="utf-8"?>
+<p:sld xmlns:a="http://schemas.openxmlformats.org/drawingml/2006/main" xmlns:r="http://schemas.openxmlformats.org/officeDocument/2006/relationships" xmlns:p="http://schemas.openxmlformats.org/presentationml/2006/main">
+  <p:cSld>
+    <p:spTree>
+      <p:nvGrpSpPr>
+        <p:cNvPr id="1" name=""/>
+        <p:cNvGrpSpPr/>
+        <p:nvPr/>
+      </p:nvGrpSpPr>
+      <p:grpSpPr>
+        <a:xfrm>
+          <a:off x="0" y="0"/>
+          <a:ext cx="0" cy="0"/>
+          <a:chOff x="0" y="0"/>
+          <a:chExt cx="0" cy="0"/>
+        </a:xfrm>
+      </p:grpSpPr>
+      <p:sp>
+        <p:nvSpPr>
+          <p:cNvPr id="2" name="Text Placeholder 1"/>
+          <p:cNvSpPr>
+            <a:spLocks noGrp="1"/>
+          </p:cNvSpPr>
+          <p:nvPr>
+            <p:ph type="body" sz="quarter" idx="12"/>
+          </p:nvPr>
+        </p:nvSpPr>
+        <p:spPr/>
+        <p:txBody>
+          <a:bodyPr/>
+          <a:lstStyle/>
+          <a:p>
+            <a:pPr marL="342900" indent="-342900">
+              <a:buFont typeface="Arial" charset="0"/>
+              <a:buChar char="•"/>
+            </a:pPr>
+            <a:r>
+              <a:rPr lang="en-US" dirty="0" smtClean="0"/>
               <a:t>In this lab, you will:</a:t>
             </a:r>
           </a:p>
@@ -19778,6 +20282,396 @@
 </file>
 
 <file path=ppt/slides/slide4.xml><?xml version="1.0" encoding="utf-8"?>
+<p:sld xmlns:a="http://schemas.openxmlformats.org/drawingml/2006/main" xmlns:r="http://schemas.openxmlformats.org/officeDocument/2006/relationships" xmlns:p="http://schemas.openxmlformats.org/presentationml/2006/main">
+  <p:cSld>
+    <p:spTree>
+      <p:nvGrpSpPr>
+        <p:cNvPr id="1" name=""/>
+        <p:cNvGrpSpPr/>
+        <p:nvPr/>
+      </p:nvGrpSpPr>
+      <p:grpSpPr>
+        <a:xfrm>
+          <a:off x="0" y="0"/>
+          <a:ext cx="0" cy="0"/>
+          <a:chOff x="0" y="0"/>
+          <a:chExt cx="0" cy="0"/>
+        </a:xfrm>
+      </p:grpSpPr>
+      <p:sp>
+        <p:nvSpPr>
+          <p:cNvPr id="2" name="Text Placeholder 1"/>
+          <p:cNvSpPr>
+            <a:spLocks noGrp="1"/>
+          </p:cNvSpPr>
+          <p:nvPr>
+            <p:ph type="body" sz="quarter" idx="12"/>
+          </p:nvPr>
+        </p:nvSpPr>
+        <p:spPr/>
+        <p:txBody>
+          <a:bodyPr/>
+          <a:lstStyle/>
+          <a:p>
+            <a:pPr marL="342900" indent="-342900">
+              <a:buFont typeface="Arial" charset="0"/>
+              <a:buChar char="•"/>
+            </a:pPr>
+            <a:r>
+              <a:rPr lang="en-US" dirty="0" smtClean="0"/>
+              <a:t>Redux </a:t>
+            </a:r>
+            <a:r>
+              <a:rPr lang="en-US" dirty="0" smtClean="0">
+                <a:sym typeface="Wingdings"/>
+              </a:rPr>
+              <a:t> Starts up, registers all </a:t>
+            </a:r>
+            <a:r>
+              <a:rPr lang="en-US" dirty="0" smtClean="0">
+                <a:solidFill>
+                  <a:srgbClr val="FF0000"/>
+                </a:solidFill>
+                <a:sym typeface="Wingdings"/>
+              </a:rPr>
+              <a:t>Reducers</a:t>
+            </a:r>
+            <a:r>
+              <a:rPr lang="en-US" dirty="0" smtClean="0">
+                <a:sym typeface="Wingdings"/>
+              </a:rPr>
+              <a:t> (think Flux stores)</a:t>
+            </a:r>
+          </a:p>
+          <a:p>
+            <a:pPr marL="342900" indent="-342900">
+              <a:buFont typeface="Arial" charset="0"/>
+              <a:buChar char="•"/>
+            </a:pPr>
+            <a:r>
+              <a:rPr lang="en-US" dirty="0" smtClean="0">
+                <a:sym typeface="Wingdings"/>
+              </a:rPr>
+              <a:t>Redux  </a:t>
+            </a:r>
+            <a:r>
+              <a:rPr lang="en-US" dirty="0" smtClean="0">
+                <a:solidFill>
+                  <a:srgbClr val="FF0000"/>
+                </a:solidFill>
+                <a:sym typeface="Wingdings"/>
+              </a:rPr>
+              <a:t>Creates</a:t>
+            </a:r>
+            <a:r>
+              <a:rPr lang="en-US" dirty="0" smtClean="0">
+                <a:sym typeface="Wingdings"/>
+              </a:rPr>
+              <a:t> Container wrapper around Component</a:t>
+            </a:r>
+          </a:p>
+          <a:p>
+            <a:pPr marL="631825" lvl="1" indent="-342900">
+              <a:buFont typeface="Arial" charset="0"/>
+              <a:buChar char="•"/>
+            </a:pPr>
+            <a:r>
+              <a:rPr lang="en-US" dirty="0" smtClean="0">
+                <a:sym typeface="Wingdings"/>
+              </a:rPr>
+              <a:t>Maps </a:t>
+            </a:r>
+            <a:r>
+              <a:rPr lang="en-US" dirty="0" smtClean="0">
+                <a:solidFill>
+                  <a:srgbClr val="FF0000"/>
+                </a:solidFill>
+                <a:sym typeface="Wingdings"/>
+              </a:rPr>
+              <a:t>State</a:t>
+            </a:r>
+            <a:r>
+              <a:rPr lang="en-US" dirty="0" smtClean="0">
+                <a:sym typeface="Wingdings"/>
+              </a:rPr>
+              <a:t> data to input </a:t>
+            </a:r>
+            <a:r>
+              <a:rPr lang="en-US" dirty="0" smtClean="0">
+                <a:solidFill>
+                  <a:srgbClr val="FF0000"/>
+                </a:solidFill>
+                <a:sym typeface="Wingdings"/>
+              </a:rPr>
+              <a:t>attributes</a:t>
+            </a:r>
+            <a:r>
+              <a:rPr lang="en-US" dirty="0" smtClean="0">
+                <a:sym typeface="Wingdings"/>
+              </a:rPr>
+              <a:t> on the Component</a:t>
+            </a:r>
+          </a:p>
+          <a:p>
+            <a:pPr marL="631825" lvl="1" indent="-342900">
+              <a:buFont typeface="Arial" charset="0"/>
+              <a:buChar char="•"/>
+            </a:pPr>
+            <a:r>
+              <a:rPr lang="en-US" dirty="0" smtClean="0">
+                <a:sym typeface="Wingdings"/>
+              </a:rPr>
+              <a:t>Maps </a:t>
+            </a:r>
+            <a:r>
+              <a:rPr lang="en-US" dirty="0" smtClean="0">
+                <a:solidFill>
+                  <a:srgbClr val="FF0000"/>
+                </a:solidFill>
+                <a:sym typeface="Wingdings"/>
+              </a:rPr>
+              <a:t>Callbacks</a:t>
+            </a:r>
+            <a:r>
+              <a:rPr lang="en-US" dirty="0" smtClean="0">
+                <a:sym typeface="Wingdings"/>
+              </a:rPr>
+              <a:t> (dispatches to Redux) to </a:t>
+            </a:r>
+            <a:r>
+              <a:rPr lang="en-US" dirty="0" smtClean="0">
+                <a:solidFill>
+                  <a:srgbClr val="FF0000"/>
+                </a:solidFill>
+                <a:sym typeface="Wingdings"/>
+              </a:rPr>
+              <a:t>attributes</a:t>
+            </a:r>
+            <a:r>
+              <a:rPr lang="en-US" dirty="0" smtClean="0">
+                <a:sym typeface="Wingdings"/>
+              </a:rPr>
+              <a:t> on the Component</a:t>
+            </a:r>
+          </a:p>
+          <a:p>
+            <a:pPr marL="342900" indent="-342900">
+              <a:buFont typeface="Arial" charset="0"/>
+              <a:buChar char="•"/>
+            </a:pPr>
+            <a:r>
+              <a:rPr lang="en-US" dirty="0" smtClean="0">
+                <a:sym typeface="Wingdings"/>
+              </a:rPr>
+              <a:t>Component  User </a:t>
+            </a:r>
+            <a:r>
+              <a:rPr lang="en-US" dirty="0" smtClean="0">
+                <a:solidFill>
+                  <a:srgbClr val="FF0000"/>
+                </a:solidFill>
+                <a:sym typeface="Wingdings"/>
+              </a:rPr>
+              <a:t>clicks</a:t>
+            </a:r>
+            <a:r>
+              <a:rPr lang="en-US" dirty="0" smtClean="0">
+                <a:sym typeface="Wingdings"/>
+              </a:rPr>
+              <a:t> on something</a:t>
+            </a:r>
+          </a:p>
+          <a:p>
+            <a:pPr marL="342900" indent="-342900">
+              <a:buFont typeface="Arial" charset="0"/>
+              <a:buChar char="•"/>
+            </a:pPr>
+            <a:r>
+              <a:rPr lang="en-US" dirty="0" smtClean="0">
+                <a:sym typeface="Wingdings"/>
+              </a:rPr>
+              <a:t>Component  Invokes a </a:t>
+            </a:r>
+            <a:r>
+              <a:rPr lang="en-US" dirty="0" smtClean="0">
+                <a:solidFill>
+                  <a:srgbClr val="FF0000"/>
+                </a:solidFill>
+                <a:sym typeface="Wingdings"/>
+              </a:rPr>
+              <a:t>callback</a:t>
+            </a:r>
+            <a:r>
+              <a:rPr lang="en-US" dirty="0" smtClean="0">
+                <a:sym typeface="Wingdings"/>
+              </a:rPr>
+              <a:t> to Container</a:t>
+            </a:r>
+          </a:p>
+          <a:p>
+            <a:pPr marL="342900" indent="-342900">
+              <a:buFont typeface="Arial" charset="0"/>
+              <a:buChar char="•"/>
+            </a:pPr>
+            <a:r>
+              <a:rPr lang="en-US" dirty="0" smtClean="0">
+                <a:sym typeface="Wingdings"/>
+              </a:rPr>
+              <a:t>Container  Calls Redux </a:t>
+            </a:r>
+            <a:r>
+              <a:rPr lang="en-US" dirty="0" smtClean="0">
+                <a:solidFill>
+                  <a:srgbClr val="FF0000"/>
+                </a:solidFill>
+                <a:sym typeface="Wingdings"/>
+              </a:rPr>
+              <a:t>dispatch()</a:t>
+            </a:r>
+            <a:r>
+              <a:rPr lang="en-US" dirty="0" smtClean="0">
+                <a:sym typeface="Wingdings"/>
+              </a:rPr>
+              <a:t> with Action</a:t>
+            </a:r>
+          </a:p>
+          <a:p>
+            <a:pPr marL="342900" indent="-342900">
+              <a:buFont typeface="Arial" charset="0"/>
+              <a:buChar char="•"/>
+            </a:pPr>
+            <a:r>
+              <a:rPr lang="en-US" dirty="0" smtClean="0">
+                <a:sym typeface="Wingdings"/>
+              </a:rPr>
+              <a:t>Redux  Sends Action to </a:t>
+            </a:r>
+            <a:r>
+              <a:rPr lang="en-US" dirty="0" smtClean="0">
+                <a:solidFill>
+                  <a:srgbClr val="FF0000"/>
+                </a:solidFill>
+                <a:sym typeface="Wingdings"/>
+              </a:rPr>
+              <a:t>Reducer</a:t>
+            </a:r>
+          </a:p>
+          <a:p>
+            <a:pPr marL="342900" indent="-342900">
+              <a:buFont typeface="Arial" charset="0"/>
+              <a:buChar char="•"/>
+            </a:pPr>
+            <a:r>
+              <a:rPr lang="en-US" dirty="0" smtClean="0">
+                <a:sym typeface="Wingdings"/>
+              </a:rPr>
+              <a:t>Reducer  </a:t>
+            </a:r>
+            <a:r>
+              <a:rPr lang="en-US" dirty="0" smtClean="0">
+                <a:solidFill>
+                  <a:srgbClr val="FF0000"/>
+                </a:solidFill>
+                <a:sym typeface="Wingdings"/>
+              </a:rPr>
+              <a:t>Changes</a:t>
+            </a:r>
+            <a:r>
+              <a:rPr lang="en-US" dirty="0" smtClean="0">
+                <a:sym typeface="Wingdings"/>
+              </a:rPr>
+              <a:t> the State</a:t>
+            </a:r>
+          </a:p>
+          <a:p>
+            <a:pPr marL="342900" indent="-342900">
+              <a:buFont typeface="Arial" charset="0"/>
+              <a:buChar char="•"/>
+            </a:pPr>
+            <a:r>
+              <a:rPr lang="en-US" dirty="0" smtClean="0">
+                <a:sym typeface="Wingdings"/>
+              </a:rPr>
+              <a:t>Container  Maps the State to the Component</a:t>
+            </a:r>
+          </a:p>
+          <a:p>
+            <a:pPr marL="342900" indent="-342900">
+              <a:buFont typeface="Arial" charset="0"/>
+              <a:buChar char="•"/>
+            </a:pPr>
+            <a:r>
+              <a:rPr lang="en-US" dirty="0" smtClean="0">
+                <a:sym typeface="Wingdings"/>
+              </a:rPr>
+              <a:t>React  Notices the State changes and re-renders Component</a:t>
+            </a:r>
+          </a:p>
+          <a:p>
+            <a:pPr marL="342900" indent="-342900">
+              <a:buFont typeface="Arial" charset="0"/>
+              <a:buChar char="•"/>
+            </a:pPr>
+            <a:endParaRPr lang="en-US" dirty="0" smtClean="0"/>
+          </a:p>
+        </p:txBody>
+      </p:sp>
+      <p:sp>
+        <p:nvSpPr>
+          <p:cNvPr id="3" name="Title 2"/>
+          <p:cNvSpPr>
+            <a:spLocks noGrp="1"/>
+          </p:cNvSpPr>
+          <p:nvPr>
+            <p:ph type="title"/>
+          </p:nvPr>
+        </p:nvSpPr>
+        <p:spPr/>
+        <p:txBody>
+          <a:bodyPr/>
+          <a:lstStyle/>
+          <a:p>
+            <a:r>
+              <a:rPr lang="en-US" dirty="0" smtClean="0"/>
+              <a:t>What Happens</a:t>
+            </a:r>
+            <a:r>
+              <a:rPr lang="mr-IN" dirty="0" smtClean="0"/>
+              <a:t>…</a:t>
+            </a:r>
+            <a:endParaRPr lang="en-US" dirty="0"/>
+          </a:p>
+        </p:txBody>
+      </p:sp>
+    </p:spTree>
+    <p:extLst>
+      <p:ext uri="{BB962C8B-B14F-4D97-AF65-F5344CB8AC3E}">
+        <p14:creationId xmlns:p14="http://schemas.microsoft.com/office/powerpoint/2010/main" val="1875656616"/>
+      </p:ext>
+    </p:extLst>
+  </p:cSld>
+  <p:clrMapOvr>
+    <a:masterClrMapping/>
+  </p:clrMapOvr>
+  <mc:AlternateContent xmlns:mc="http://schemas.openxmlformats.org/markup-compatibility/2006" xmlns:p14="http://schemas.microsoft.com/office/powerpoint/2010/main">
+    <mc:Choice Requires="p14">
+      <p:transition p14:dur="0"/>
+    </mc:Choice>
+    <mc:Fallback xmlns="">
+      <p:transition/>
+    </mc:Fallback>
+  </mc:AlternateContent>
+  <p:timing>
+    <p:tnLst>
+      <p:par>
+        <p:cTn id="1" dur="indefinite" restart="never" nodeType="tmRoot"/>
+      </p:par>
+    </p:tnLst>
+  </p:timing>
+</p:sld>
+</file>
+
+<file path=ppt/slides/slide5.xml><?xml version="1.0" encoding="utf-8"?>
 <p:sld xmlns:a="http://schemas.openxmlformats.org/drawingml/2006/main" xmlns:r="http://schemas.openxmlformats.org/officeDocument/2006/relationships" xmlns:p="http://schemas.openxmlformats.org/presentationml/2006/main">
   <p:cSld>
     <p:spTree>
@@ -20109,7 +21003,7 @@
 </p:sld>
 </file>
 
-<file path=ppt/slides/slide5.xml><?xml version="1.0" encoding="utf-8"?>
+<file path=ppt/slides/slide6.xml><?xml version="1.0" encoding="utf-8"?>
 <p:sld xmlns:a="http://schemas.openxmlformats.org/drawingml/2006/main" xmlns:r="http://schemas.openxmlformats.org/officeDocument/2006/relationships" xmlns:p="http://schemas.openxmlformats.org/presentationml/2006/main">
   <p:cSld>
     <p:spTree>
@@ -20452,7 +21346,7 @@
 </p:sld>
 </file>
 
-<file path=ppt/slides/slide6.xml><?xml version="1.0" encoding="utf-8"?>
+<file path=ppt/slides/slide7.xml><?xml version="1.0" encoding="utf-8"?>
 <p:sld xmlns:a="http://schemas.openxmlformats.org/drawingml/2006/main" xmlns:r="http://schemas.openxmlformats.org/officeDocument/2006/relationships" xmlns:p="http://schemas.openxmlformats.org/presentationml/2006/main">
   <p:cSld>
     <p:spTree>
@@ -20882,7 +21776,7 @@
 </p:sld>
 </file>
 
-<file path=ppt/slides/slide7.xml><?xml version="1.0" encoding="utf-8"?>
+<file path=ppt/slides/slide8.xml><?xml version="1.0" encoding="utf-8"?>
 <p:sld xmlns:a="http://schemas.openxmlformats.org/drawingml/2006/main" xmlns:r="http://schemas.openxmlformats.org/officeDocument/2006/relationships" xmlns:p="http://schemas.openxmlformats.org/presentationml/2006/main">
   <p:cSld>
     <p:spTree>
@@ -21294,289 +22188,6 @@
 </p:sld>
 </file>
 
-<file path=ppt/slides/slide8.xml><?xml version="1.0" encoding="utf-8"?>
-<p:sld xmlns:a="http://schemas.openxmlformats.org/drawingml/2006/main" xmlns:r="http://schemas.openxmlformats.org/officeDocument/2006/relationships" xmlns:p="http://schemas.openxmlformats.org/presentationml/2006/main">
-  <p:cSld>
-    <p:spTree>
-      <p:nvGrpSpPr>
-        <p:cNvPr id="1" name=""/>
-        <p:cNvGrpSpPr/>
-        <p:nvPr/>
-      </p:nvGrpSpPr>
-      <p:grpSpPr>
-        <a:xfrm>
-          <a:off x="0" y="0"/>
-          <a:ext cx="0" cy="0"/>
-          <a:chOff x="0" y="0"/>
-          <a:chExt cx="0" cy="0"/>
-        </a:xfrm>
-      </p:grpSpPr>
-      <p:sp>
-        <p:nvSpPr>
-          <p:cNvPr id="2" name="Text Placeholder 1"/>
-          <p:cNvSpPr>
-            <a:spLocks noGrp="1"/>
-          </p:cNvSpPr>
-          <p:nvPr>
-            <p:ph type="body" sz="quarter" idx="12"/>
-          </p:nvPr>
-        </p:nvSpPr>
-        <p:spPr/>
-        <p:txBody>
-          <a:bodyPr/>
-          <a:lstStyle/>
-          <a:p>
-            <a:pPr marL="342900" indent="-342900">
-              <a:buFont typeface="Arial" charset="0"/>
-              <a:buChar char="•"/>
-            </a:pPr>
-            <a:r>
-              <a:rPr lang="en-US" dirty="0" smtClean="0">
-                <a:solidFill>
-                  <a:srgbClr val="FF0000"/>
-                </a:solidFill>
-              </a:rPr>
-              <a:t>React-redux</a:t>
-            </a:r>
-          </a:p>
-          <a:p>
-            <a:pPr marL="631825" lvl="1" indent="-342900">
-              <a:buFont typeface="Arial" charset="0"/>
-              <a:buChar char="•"/>
-            </a:pPr>
-            <a:r>
-              <a:rPr lang="en-US" dirty="0" smtClean="0"/>
-              <a:t>Creates Containers</a:t>
-            </a:r>
-          </a:p>
-          <a:p>
-            <a:pPr marL="631825" lvl="1" indent="-342900">
-              <a:buFont typeface="Arial" charset="0"/>
-              <a:buChar char="•"/>
-            </a:pPr>
-            <a:r>
-              <a:rPr lang="en-US" dirty="0" smtClean="0"/>
-              <a:t>Manages single </a:t>
-            </a:r>
-            <a:r>
-              <a:rPr lang="en-US" dirty="0" smtClean="0">
-                <a:solidFill>
-                  <a:srgbClr val="FF0000"/>
-                </a:solidFill>
-              </a:rPr>
-              <a:t>STATE</a:t>
-            </a:r>
-            <a:r>
-              <a:rPr lang="en-US" dirty="0" smtClean="0"/>
-              <a:t> </a:t>
-            </a:r>
-          </a:p>
-          <a:p>
-            <a:pPr marL="342900" indent="-342900">
-              <a:buFont typeface="Arial" charset="0"/>
-              <a:buChar char="•"/>
-            </a:pPr>
-            <a:r>
-              <a:rPr lang="en-US" dirty="0" smtClean="0">
-                <a:solidFill>
-                  <a:srgbClr val="FF0000"/>
-                </a:solidFill>
-              </a:rPr>
-              <a:t>Reducer</a:t>
-            </a:r>
-          </a:p>
-          <a:p>
-            <a:pPr marL="631825" lvl="1" indent="-342900">
-              <a:buFont typeface="Arial" charset="0"/>
-              <a:buChar char="•"/>
-            </a:pPr>
-            <a:r>
-              <a:rPr lang="en-US" dirty="0" smtClean="0"/>
-              <a:t>They change the store data (the </a:t>
-            </a:r>
-            <a:r>
-              <a:rPr lang="en-US" dirty="0" smtClean="0">
-                <a:solidFill>
-                  <a:srgbClr val="FF0000"/>
-                </a:solidFill>
-              </a:rPr>
-              <a:t>STATE</a:t>
-            </a:r>
-            <a:r>
-              <a:rPr lang="en-US" dirty="0" smtClean="0"/>
-              <a:t>)</a:t>
-            </a:r>
-          </a:p>
-          <a:p>
-            <a:pPr marL="342900" indent="-342900">
-              <a:buFont typeface="Arial" charset="0"/>
-              <a:buChar char="•"/>
-            </a:pPr>
-            <a:r>
-              <a:rPr lang="en-US" dirty="0" smtClean="0">
-                <a:solidFill>
-                  <a:srgbClr val="FF0000"/>
-                </a:solidFill>
-              </a:rPr>
-              <a:t>Action</a:t>
-            </a:r>
-          </a:p>
-          <a:p>
-            <a:pPr marL="631825" lvl="1" indent="-342900">
-              <a:buFont typeface="Arial" charset="0"/>
-              <a:buChar char="•"/>
-            </a:pPr>
-            <a:r>
-              <a:rPr lang="en-US" dirty="0"/>
-              <a:t>Functions which interface with the </a:t>
-            </a:r>
-            <a:r>
-              <a:rPr lang="en-US" dirty="0" smtClean="0"/>
-              <a:t>Business Logic</a:t>
-            </a:r>
-            <a:endParaRPr lang="en-US" dirty="0"/>
-          </a:p>
-          <a:p>
-            <a:pPr marL="631825" lvl="1" indent="-342900">
-              <a:buFont typeface="Arial" charset="0"/>
-              <a:buChar char="•"/>
-            </a:pPr>
-            <a:r>
-              <a:rPr lang="en-US" dirty="0" smtClean="0"/>
-              <a:t>Command objects</a:t>
-            </a:r>
-          </a:p>
-          <a:p>
-            <a:pPr marL="631825" lvl="1" indent="-342900">
-              <a:buFont typeface="Arial" charset="0"/>
-              <a:buChar char="•"/>
-            </a:pPr>
-            <a:r>
-              <a:rPr lang="en-US" dirty="0" smtClean="0"/>
-              <a:t>Sent to the Reducer to tell it </a:t>
-            </a:r>
-            <a:r>
-              <a:rPr lang="en-US" dirty="0" smtClean="0">
-                <a:solidFill>
-                  <a:srgbClr val="FF0000"/>
-                </a:solidFill>
-              </a:rPr>
-              <a:t>WHAT </a:t>
-            </a:r>
-            <a:r>
-              <a:rPr lang="en-US" dirty="0" smtClean="0"/>
-              <a:t>to do</a:t>
-            </a:r>
-          </a:p>
-          <a:p>
-            <a:pPr marL="342900" indent="-342900">
-              <a:buFont typeface="Arial" charset="0"/>
-              <a:buChar char="•"/>
-            </a:pPr>
-            <a:r>
-              <a:rPr lang="en-US" dirty="0"/>
-              <a:t> </a:t>
-            </a:r>
-            <a:r>
-              <a:rPr lang="en-US" dirty="0" smtClean="0">
-                <a:solidFill>
-                  <a:srgbClr val="FF0000"/>
-                </a:solidFill>
-              </a:rPr>
-              <a:t>dispatcher()</a:t>
-            </a:r>
-          </a:p>
-          <a:p>
-            <a:pPr marL="631825" lvl="1" indent="-342900">
-              <a:buFont typeface="Arial" charset="0"/>
-              <a:buChar char="•"/>
-            </a:pPr>
-            <a:r>
-              <a:rPr lang="en-US" dirty="0" smtClean="0"/>
-              <a:t>Interface to </a:t>
-            </a:r>
-            <a:r>
-              <a:rPr lang="en-US" dirty="0" smtClean="0">
-                <a:solidFill>
-                  <a:srgbClr val="FF0000"/>
-                </a:solidFill>
-              </a:rPr>
-              <a:t>react-redux</a:t>
-            </a:r>
-          </a:p>
-          <a:p>
-            <a:pPr marL="631825" lvl="1" indent="-342900">
-              <a:buFont typeface="Arial" charset="0"/>
-              <a:buChar char="•"/>
-            </a:pPr>
-            <a:r>
-              <a:rPr lang="en-US" dirty="0" smtClean="0"/>
-              <a:t>Sends Action </a:t>
-            </a:r>
-            <a:r>
-              <a:rPr lang="en-US" dirty="0" smtClean="0">
-                <a:sym typeface="Wingdings"/>
-              </a:rPr>
-              <a:t> </a:t>
-            </a:r>
-            <a:r>
-              <a:rPr lang="en-US" dirty="0" smtClean="0"/>
-              <a:t>Reducer to change the state</a:t>
-            </a:r>
-          </a:p>
-        </p:txBody>
-      </p:sp>
-      <p:sp>
-        <p:nvSpPr>
-          <p:cNvPr id="3" name="Title 2"/>
-          <p:cNvSpPr>
-            <a:spLocks noGrp="1"/>
-          </p:cNvSpPr>
-          <p:nvPr>
-            <p:ph type="title"/>
-          </p:nvPr>
-        </p:nvSpPr>
-        <p:spPr/>
-        <p:txBody>
-          <a:bodyPr/>
-          <a:lstStyle/>
-          <a:p>
-            <a:r>
-              <a:rPr lang="en-US" dirty="0" smtClean="0"/>
-              <a:t>Glossary</a:t>
-            </a:r>
-            <a:endParaRPr lang="en-US" dirty="0"/>
-          </a:p>
-        </p:txBody>
-      </p:sp>
-    </p:spTree>
-    <p:extLst>
-      <p:ext uri="{BB962C8B-B14F-4D97-AF65-F5344CB8AC3E}">
-        <p14:creationId xmlns:p14="http://schemas.microsoft.com/office/powerpoint/2010/main" val="1711212293"/>
-      </p:ext>
-    </p:extLst>
-  </p:cSld>
-  <p:clrMapOvr>
-    <a:masterClrMapping/>
-  </p:clrMapOvr>
-  <mc:AlternateContent xmlns:mc="http://schemas.openxmlformats.org/markup-compatibility/2006" xmlns:p14="http://schemas.microsoft.com/office/powerpoint/2010/main">
-    <mc:Choice Requires="p14">
-      <p:transition p14:dur="0"/>
-    </mc:Choice>
-    <mc:Fallback xmlns="">
-      <p:transition/>
-    </mc:Fallback>
-  </mc:AlternateContent>
-  <p:timing>
-    <p:tnLst>
-      <p:par>
-        <p:cTn id="1" dur="indefinite" restart="never" nodeType="tmRoot"/>
-      </p:par>
-    </p:tnLst>
-  </p:timing>
-</p:sld>
-</file>
-
 <file path=ppt/slides/slide9.xml><?xml version="1.0" encoding="utf-8"?>
 <p:sld xmlns:a="http://schemas.openxmlformats.org/drawingml/2006/main" xmlns:r="http://schemas.openxmlformats.org/officeDocument/2006/relationships" xmlns:p="http://schemas.openxmlformats.org/presentationml/2006/main">
   <p:cSld>
@@ -21613,50 +22224,152 @@
               <a:buFont typeface="Arial" charset="0"/>
               <a:buChar char="•"/>
             </a:pPr>
-            <a:endParaRPr lang="en-US" dirty="0" smtClean="0"/>
+            <a:r>
+              <a:rPr lang="en-US" dirty="0" smtClean="0">
+                <a:solidFill>
+                  <a:srgbClr val="FF0000"/>
+                </a:solidFill>
+              </a:rPr>
+              <a:t>React-redux</a:t>
+            </a:r>
+          </a:p>
+          <a:p>
+            <a:pPr marL="631825" lvl="1" indent="-342900">
+              <a:buFont typeface="Arial" charset="0"/>
+              <a:buChar char="•"/>
+            </a:pPr>
+            <a:r>
+              <a:rPr lang="en-US" dirty="0" smtClean="0"/>
+              <a:t>Creates Containers</a:t>
+            </a:r>
+          </a:p>
+          <a:p>
+            <a:pPr marL="631825" lvl="1" indent="-342900">
+              <a:buFont typeface="Arial" charset="0"/>
+              <a:buChar char="•"/>
+            </a:pPr>
+            <a:r>
+              <a:rPr lang="en-US" dirty="0" smtClean="0"/>
+              <a:t>Manages single </a:t>
+            </a:r>
+            <a:r>
+              <a:rPr lang="en-US" dirty="0" smtClean="0">
+                <a:solidFill>
+                  <a:srgbClr val="FF0000"/>
+                </a:solidFill>
+              </a:rPr>
+              <a:t>STATE</a:t>
+            </a:r>
+            <a:r>
+              <a:rPr lang="en-US" dirty="0" smtClean="0"/>
+              <a:t> </a:t>
+            </a:r>
           </a:p>
           <a:p>
             <a:pPr marL="342900" indent="-342900">
               <a:buFont typeface="Arial" charset="0"/>
               <a:buChar char="•"/>
             </a:pPr>
+            <a:r>
+              <a:rPr lang="en-US" dirty="0" smtClean="0">
+                <a:solidFill>
+                  <a:srgbClr val="FF0000"/>
+                </a:solidFill>
+              </a:rPr>
+              <a:t>Reducer</a:t>
+            </a:r>
+          </a:p>
+          <a:p>
+            <a:pPr marL="631825" lvl="1" indent="-342900">
+              <a:buFont typeface="Arial" charset="0"/>
+              <a:buChar char="•"/>
+            </a:pPr>
+            <a:r>
+              <a:rPr lang="en-US" dirty="0" smtClean="0"/>
+              <a:t>They change the store data (the </a:t>
+            </a:r>
+            <a:r>
+              <a:rPr lang="en-US" dirty="0" smtClean="0">
+                <a:solidFill>
+                  <a:srgbClr val="FF0000"/>
+                </a:solidFill>
+              </a:rPr>
+              <a:t>STATE</a:t>
+            </a:r>
+            <a:r>
+              <a:rPr lang="en-US" dirty="0" smtClean="0"/>
+              <a:t>)</a:t>
+            </a:r>
+          </a:p>
+          <a:p>
+            <a:pPr marL="342900" indent="-342900">
+              <a:buFont typeface="Arial" charset="0"/>
+              <a:buChar char="•"/>
+            </a:pPr>
+            <a:r>
+              <a:rPr lang="en-US" dirty="0" smtClean="0">
+                <a:solidFill>
+                  <a:srgbClr val="FF0000"/>
+                </a:solidFill>
+              </a:rPr>
+              <a:t>Action</a:t>
+            </a:r>
+          </a:p>
+          <a:p>
+            <a:pPr marL="631825" lvl="1" indent="-342900">
+              <a:buFont typeface="Arial" charset="0"/>
+              <a:buChar char="•"/>
+            </a:pPr>
+            <a:r>
+              <a:rPr lang="en-US" dirty="0"/>
+              <a:t>Functions which interface with the </a:t>
+            </a:r>
+            <a:r>
+              <a:rPr lang="en-US" dirty="0" smtClean="0"/>
+              <a:t>Business Logic</a:t>
+            </a:r>
             <a:endParaRPr lang="en-US" dirty="0"/>
           </a:p>
           <a:p>
+            <a:pPr marL="631825" lvl="1" indent="-342900">
+              <a:buFont typeface="Arial" charset="0"/>
+              <a:buChar char="•"/>
+            </a:pPr>
+            <a:r>
+              <a:rPr lang="en-US" dirty="0" smtClean="0"/>
+              <a:t>Command objects</a:t>
+            </a:r>
+          </a:p>
+          <a:p>
+            <a:pPr marL="631825" lvl="1" indent="-342900">
+              <a:buFont typeface="Arial" charset="0"/>
+              <a:buChar char="•"/>
+            </a:pPr>
+            <a:r>
+              <a:rPr lang="en-US" dirty="0" smtClean="0"/>
+              <a:t>Sent to the Reducer to tell it </a:t>
+            </a:r>
+            <a:r>
+              <a:rPr lang="en-US" dirty="0" smtClean="0">
+                <a:solidFill>
+                  <a:srgbClr val="FF0000"/>
+                </a:solidFill>
+              </a:rPr>
+              <a:t>WHAT </a:t>
+            </a:r>
+            <a:r>
+              <a:rPr lang="en-US" dirty="0" smtClean="0"/>
+              <a:t>to do</a:t>
+            </a:r>
+          </a:p>
+          <a:p>
             <a:pPr marL="342900" indent="-342900">
               <a:buFont typeface="Arial" charset="0"/>
               <a:buChar char="•"/>
             </a:pPr>
-            <a:endParaRPr lang="en-US" dirty="0"/>
-          </a:p>
-          <a:p>
-            <a:pPr marL="342900" indent="-342900">
-              <a:buFont typeface="Arial" charset="0"/>
-              <a:buChar char="•"/>
-            </a:pPr>
-            <a:r>
-              <a:rPr lang="en-US" dirty="0" smtClean="0"/>
-              <a:t>User enters a Name and a Quote</a:t>
-            </a:r>
-          </a:p>
-          <a:p>
-            <a:pPr marL="342900" indent="-342900">
-              <a:buFont typeface="Arial" charset="0"/>
-              <a:buChar char="•"/>
-            </a:pPr>
-            <a:r>
-              <a:rPr lang="en-US" dirty="0" smtClean="0"/>
-              <a:t>User presses the Save button</a:t>
-            </a:r>
-          </a:p>
-          <a:p>
-            <a:pPr marL="342900" indent="-342900">
-              <a:buFont typeface="Arial" charset="0"/>
-              <a:buChar char="•"/>
-            </a:pPr>
-            <a:r>
-              <a:rPr lang="en-US" dirty="0" smtClean="0"/>
-              <a:t>Save performs a </a:t>
+            <a:r>
+              <a:rPr lang="en-US" dirty="0"/>
+              <a:t> </a:t>
             </a:r>
             <a:r>
               <a:rPr lang="en-US" dirty="0" smtClean="0">
@@ -21664,21 +22377,17 @@
                   <a:srgbClr val="FF0000"/>
                 </a:solidFill>
               </a:rPr>
-              <a:t>submit()</a:t>
-            </a:r>
-            <a:r>
-              <a:rPr lang="en-US" dirty="0" smtClean="0"/>
-              <a:t> of the form</a:t>
-            </a:r>
-          </a:p>
-          <a:p>
-            <a:pPr marL="342900" indent="-342900">
-              <a:buFont typeface="Arial" charset="0"/>
-              <a:buChar char="•"/>
-            </a:pPr>
-            <a:r>
-              <a:rPr lang="en-US" dirty="0" smtClean="0"/>
-              <a:t>Called  by Redux which creates a Container for </a:t>
+              <a:t>dispatcher()</a:t>
+            </a:r>
+          </a:p>
+          <a:p>
+            <a:pPr marL="631825" lvl="1" indent="-342900">
+              <a:buFont typeface="Arial" charset="0"/>
+              <a:buChar char="•"/>
+            </a:pPr>
+            <a:r>
+              <a:rPr lang="en-US" dirty="0" smtClean="0"/>
+              <a:t>Interface to </a:t>
             </a:r>
             <a:r>
               <a:rPr lang="en-US" dirty="0" smtClean="0">
@@ -21686,160 +22395,28 @@
                   <a:srgbClr val="FF0000"/>
                 </a:solidFill>
               </a:rPr>
-              <a:t>&lt;Quote&gt;</a:t>
-            </a:r>
-            <a:r>
-              <a:rPr lang="en-US" dirty="0" smtClean="0"/>
-              <a:t>:</a:t>
-            </a:r>
-            <a:endParaRPr lang="en-US" dirty="0"/>
-          </a:p>
-          <a:p>
-            <a:pPr marL="917575" lvl="2" indent="-342900">
-              <a:buFont typeface="Arial" charset="0"/>
-              <a:buChar char="•"/>
-            </a:pPr>
-            <a:r>
-              <a:rPr lang="en-US" dirty="0" smtClean="0"/>
-              <a:t>&lt;</a:t>
-            </a:r>
-            <a:r>
-              <a:rPr lang="en-US" b="1" dirty="0" smtClean="0">
-                <a:solidFill>
-                  <a:srgbClr val="000080"/>
-                </a:solidFill>
-              </a:rPr>
-              <a:t>Quote </a:t>
-            </a:r>
-            <a:r>
-              <a:rPr lang="en-US" b="1" dirty="0">
-                <a:solidFill>
-                  <a:srgbClr val="000080"/>
-                </a:solidFill>
-              </a:rPr>
-              <a:t/>
-            </a:r>
-            <a:br>
-              <a:rPr lang="en-US" b="1" dirty="0">
-                <a:solidFill>
-                  <a:srgbClr val="000080"/>
-                </a:solidFill>
-              </a:rPr>
-            </a:br>
-            <a:r>
-              <a:rPr lang="en-US" b="1" dirty="0">
-                <a:solidFill>
-                  <a:srgbClr val="000080"/>
-                </a:solidFill>
-              </a:rPr>
-              <a:t>   </a:t>
-            </a:r>
-            <a:r>
-              <a:rPr lang="en-US" b="1" dirty="0">
-                <a:solidFill>
-                  <a:srgbClr val="0000FF"/>
-                </a:solidFill>
-              </a:rPr>
-              <a:t>name</a:t>
-            </a:r>
-            <a:r>
-              <a:rPr lang="en-US" b="1" dirty="0">
-                <a:solidFill>
-                  <a:srgbClr val="008000"/>
-                </a:solidFill>
-              </a:rPr>
-              <a:t>=</a:t>
-            </a:r>
-            <a:r>
-              <a:rPr lang="en-US" dirty="0"/>
-              <a:t>{</a:t>
-            </a:r>
-            <a:r>
-              <a:rPr lang="en-US" dirty="0" err="1"/>
-              <a:t>nameValue</a:t>
-            </a:r>
-            <a:r>
-              <a:rPr lang="en-US" dirty="0"/>
-              <a:t>} </a:t>
-            </a:r>
-            <a:br>
-              <a:rPr lang="en-US" dirty="0"/>
-            </a:br>
-            <a:r>
-              <a:rPr lang="en-US" dirty="0"/>
-              <a:t>   </a:t>
-            </a:r>
-            <a:r>
-              <a:rPr lang="en-US" b="1" dirty="0">
-                <a:solidFill>
-                  <a:srgbClr val="0000FF"/>
-                </a:solidFill>
-              </a:rPr>
-              <a:t>quote</a:t>
-            </a:r>
-            <a:r>
-              <a:rPr lang="en-US" b="1" dirty="0">
-                <a:solidFill>
-                  <a:srgbClr val="008000"/>
-                </a:solidFill>
-              </a:rPr>
-              <a:t>=</a:t>
-            </a:r>
-            <a:r>
-              <a:rPr lang="en-US" dirty="0"/>
-              <a:t>{</a:t>
-            </a:r>
-            <a:r>
-              <a:rPr lang="en-US" dirty="0" err="1"/>
-              <a:t>quoteValue</a:t>
-            </a:r>
-            <a:r>
-              <a:rPr lang="en-US" dirty="0"/>
-              <a:t>}</a:t>
-            </a:r>
-            <a:br>
-              <a:rPr lang="en-US" dirty="0"/>
-            </a:br>
-            <a:r>
-              <a:rPr lang="en-US" dirty="0"/>
-              <a:t>   </a:t>
-            </a:r>
-            <a:r>
-              <a:rPr lang="en-US" b="1" dirty="0" err="1" smtClean="0">
-                <a:solidFill>
-                  <a:srgbClr val="0000FF"/>
-                </a:solidFill>
-              </a:rPr>
-              <a:t>saveQuote</a:t>
-            </a:r>
-            <a:r>
-              <a:rPr lang="en-US" b="1" dirty="0" smtClean="0">
-                <a:solidFill>
-                  <a:srgbClr val="008000"/>
-                </a:solidFill>
-              </a:rPr>
-              <a:t>=</a:t>
-            </a:r>
-            <a:r>
-              <a:rPr lang="en-US" dirty="0" smtClean="0"/>
-              <a:t>{</a:t>
-            </a:r>
-            <a:r>
-              <a:rPr lang="en-US" dirty="0" err="1" smtClean="0"/>
-              <a:t>saveQuote</a:t>
-            </a:r>
-            <a:r>
-              <a:rPr lang="en-US" dirty="0" smtClean="0"/>
-              <a:t>} </a:t>
-            </a:r>
-            <a:r>
-              <a:rPr lang="en-US" dirty="0"/>
-              <a:t>/&gt;</a:t>
-            </a:r>
-            <a:br>
-              <a:rPr lang="en-US" dirty="0"/>
-            </a:br>
-            <a:endParaRPr lang="en-US" dirty="0" smtClean="0"/>
+              <a:t>react-redux</a:t>
+            </a:r>
+          </a:p>
+          <a:p>
+            <a:pPr marL="631825" lvl="1" indent="-342900">
+              <a:buFont typeface="Arial" charset="0"/>
+              <a:buChar char="•"/>
+            </a:pPr>
+            <a:r>
+              <a:rPr lang="en-US" dirty="0" smtClean="0"/>
+              <a:t>Sends Action </a:t>
+            </a:r>
+            <a:r>
+              <a:rPr lang="en-US" dirty="0" smtClean="0">
+                <a:sym typeface="Wingdings"/>
+              </a:rPr>
+              <a:t> </a:t>
+            </a:r>
+            <a:r>
+              <a:rPr lang="en-US" dirty="0" smtClean="0"/>
+              <a:t>Reducer to change the state</a:t>
+            </a:r>
           </a:p>
         </p:txBody>
       </p:sp>
@@ -21860,224 +22437,16 @@
           <a:p>
             <a:r>
               <a:rPr lang="en-US" dirty="0" smtClean="0"/>
-              <a:t>UI Example </a:t>
-            </a:r>
-            <a:r>
-              <a:rPr lang="mr-IN" dirty="0" smtClean="0"/>
-              <a:t>–</a:t>
-            </a:r>
-            <a:r>
-              <a:rPr lang="en-US" dirty="0" smtClean="0"/>
-              <a:t> Page 1</a:t>
+              <a:t>Glossary</a:t>
             </a:r>
             <a:endParaRPr lang="en-US" dirty="0"/>
           </a:p>
         </p:txBody>
       </p:sp>
-      <p:pic>
-        <p:nvPicPr>
-          <p:cNvPr id="4" name="Picture 3"/>
-          <p:cNvPicPr>
-            <a:picLocks noChangeAspect="1"/>
-          </p:cNvPicPr>
-          <p:nvPr/>
-        </p:nvPicPr>
-        <p:blipFill>
-          <a:blip r:embed="rId2"/>
-          <a:stretch>
-            <a:fillRect/>
-          </a:stretch>
-        </p:blipFill>
-        <p:spPr>
-          <a:xfrm>
-            <a:off x="1921329" y="1371600"/>
-            <a:ext cx="4686300" cy="1358900"/>
-          </a:xfrm>
-          <a:prstGeom prst="rect">
-            <a:avLst/>
-          </a:prstGeom>
-        </p:spPr>
-      </p:pic>
-      <p:cxnSp>
-        <p:nvCxnSpPr>
-          <p:cNvPr id="5" name="Straight Arrow Connector 4"/>
-          <p:cNvCxnSpPr/>
-          <p:nvPr/>
-        </p:nvCxnSpPr>
-        <p:spPr>
-          <a:xfrm flipH="1" flipV="1">
-            <a:off x="3733800" y="5057273"/>
-            <a:ext cx="1219200" cy="15644"/>
-          </a:xfrm>
-          <a:prstGeom prst="straightConnector1">
-            <a:avLst/>
-          </a:prstGeom>
-          <a:ln w="38100">
-            <a:solidFill>
-              <a:srgbClr val="FF0000"/>
-            </a:solidFill>
-            <a:tailEnd type="triangle"/>
-          </a:ln>
-        </p:spPr>
-        <p:style>
-          <a:lnRef idx="1">
-            <a:schemeClr val="accent1"/>
-          </a:lnRef>
-          <a:fillRef idx="0">
-            <a:schemeClr val="accent1"/>
-          </a:fillRef>
-          <a:effectRef idx="0">
-            <a:schemeClr val="accent1"/>
-          </a:effectRef>
-          <a:fontRef idx="minor">
-            <a:schemeClr val="tx1"/>
-          </a:fontRef>
-        </p:style>
-      </p:cxnSp>
-      <p:sp>
-        <p:nvSpPr>
-          <p:cNvPr id="6" name="TextBox 5"/>
-          <p:cNvSpPr txBox="1"/>
-          <p:nvPr/>
-        </p:nvSpPr>
-        <p:spPr>
-          <a:xfrm>
-            <a:off x="5107262" y="4918774"/>
-            <a:ext cx="2370329" cy="276999"/>
-          </a:xfrm>
-          <a:prstGeom prst="rect">
-            <a:avLst/>
-          </a:prstGeom>
-          <a:noFill/>
-        </p:spPr>
-        <p:txBody>
-          <a:bodyPr wrap="none" lIns="0" tIns="0" rIns="0" bIns="0" rtlCol="0">
-            <a:spAutoFit/>
-          </a:bodyPr>
-          <a:lstStyle/>
-          <a:p>
-            <a:pPr algn="ctr"/>
-            <a:r>
-              <a:rPr lang="en-US" dirty="0" smtClean="0">
-                <a:solidFill>
-                  <a:srgbClr val="FF0000"/>
-                </a:solidFill>
-              </a:rPr>
-              <a:t>Input Values from State</a:t>
-            </a:r>
-          </a:p>
-        </p:txBody>
-      </p:sp>
-      <p:sp>
-        <p:nvSpPr>
-          <p:cNvPr id="7" name="TextBox 6"/>
-          <p:cNvSpPr txBox="1"/>
-          <p:nvPr/>
-        </p:nvSpPr>
-        <p:spPr>
-          <a:xfrm>
-            <a:off x="5404962" y="5539700"/>
-            <a:ext cx="2157642" cy="276999"/>
-          </a:xfrm>
-          <a:prstGeom prst="rect">
-            <a:avLst/>
-          </a:prstGeom>
-          <a:noFill/>
-        </p:spPr>
-        <p:txBody>
-          <a:bodyPr wrap="none" lIns="0" tIns="0" rIns="0" bIns="0" rtlCol="0">
-            <a:spAutoFit/>
-          </a:bodyPr>
-          <a:lstStyle/>
-          <a:p>
-            <a:pPr algn="ctr"/>
-            <a:r>
-              <a:rPr lang="en-US" dirty="0" smtClean="0">
-                <a:solidFill>
-                  <a:srgbClr val="FF0000"/>
-                </a:solidFill>
-              </a:rPr>
-              <a:t>Callback to dispatch()</a:t>
-            </a:r>
-          </a:p>
-        </p:txBody>
-      </p:sp>
-      <p:cxnSp>
-        <p:nvCxnSpPr>
-          <p:cNvPr id="8" name="Straight Arrow Connector 7"/>
-          <p:cNvCxnSpPr/>
-          <p:nvPr/>
-        </p:nvCxnSpPr>
-        <p:spPr>
-          <a:xfrm flipH="1">
-            <a:off x="3810000" y="5195773"/>
-            <a:ext cx="1143000" cy="168248"/>
-          </a:xfrm>
-          <a:prstGeom prst="straightConnector1">
-            <a:avLst/>
-          </a:prstGeom>
-          <a:ln w="38100">
-            <a:solidFill>
-              <a:srgbClr val="FF0000"/>
-            </a:solidFill>
-            <a:tailEnd type="triangle"/>
-          </a:ln>
-        </p:spPr>
-        <p:style>
-          <a:lnRef idx="1">
-            <a:schemeClr val="accent1"/>
-          </a:lnRef>
-          <a:fillRef idx="0">
-            <a:schemeClr val="accent1"/>
-          </a:fillRef>
-          <a:effectRef idx="0">
-            <a:schemeClr val="accent1"/>
-          </a:effectRef>
-          <a:fontRef idx="minor">
-            <a:schemeClr val="tx1"/>
-          </a:fontRef>
-        </p:style>
-      </p:cxnSp>
-      <p:cxnSp>
-        <p:nvCxnSpPr>
-          <p:cNvPr id="9" name="Straight Arrow Connector 8"/>
-          <p:cNvCxnSpPr/>
-          <p:nvPr/>
-        </p:nvCxnSpPr>
-        <p:spPr>
-          <a:xfrm flipH="1" flipV="1">
-            <a:off x="4419600" y="5607786"/>
-            <a:ext cx="838200" cy="57151"/>
-          </a:xfrm>
-          <a:prstGeom prst="straightConnector1">
-            <a:avLst/>
-          </a:prstGeom>
-          <a:ln w="38100">
-            <a:solidFill>
-              <a:srgbClr val="FF0000"/>
-            </a:solidFill>
-            <a:tailEnd type="triangle"/>
-          </a:ln>
-        </p:spPr>
-        <p:style>
-          <a:lnRef idx="1">
-            <a:schemeClr val="accent1"/>
-          </a:lnRef>
-          <a:fillRef idx="0">
-            <a:schemeClr val="accent1"/>
-          </a:fillRef>
-          <a:effectRef idx="0">
-            <a:schemeClr val="accent1"/>
-          </a:effectRef>
-          <a:fontRef idx="minor">
-            <a:schemeClr val="tx1"/>
-          </a:fontRef>
-        </p:style>
-      </p:cxnSp>
     </p:spTree>
     <p:extLst>
       <p:ext uri="{BB962C8B-B14F-4D97-AF65-F5344CB8AC3E}">
-        <p14:creationId xmlns:p14="http://schemas.microsoft.com/office/powerpoint/2010/main" val="389972799"/>
+        <p14:creationId xmlns:p14="http://schemas.microsoft.com/office/powerpoint/2010/main" val="1711212293"/>
       </p:ext>
     </p:extLst>
   </p:cSld>
